--- a/Автомастерская.pptx
+++ b/Автомастерская.pptx
@@ -2,12 +2,13 @@
 <file path=ppt/presentation.xml><?xml version="1.0" encoding="utf-8"?>
 <p:presentation xmlns:a="http://schemas.openxmlformats.org/drawingml/2006/main" xmlns:r="http://schemas.openxmlformats.org/officeDocument/2006/relationships" xmlns:p="http://schemas.openxmlformats.org/presentationml/2006/main" saveSubsetFonts="1">
   <p:sldMasterIdLst>
-    <p:sldMasterId id="2147483648" r:id="rId1"/>
+    <p:sldMasterId id="2147483672" r:id="rId1"/>
   </p:sldMasterIdLst>
   <p:sldIdLst>
     <p:sldId id="256" r:id="rId2"/>
     <p:sldId id="257" r:id="rId3"/>
     <p:sldId id="258" r:id="rId4"/>
+    <p:sldId id="259" r:id="rId5"/>
   </p:sldIdLst>
   <p:sldSz cx="12192000" cy="6858000"/>
   <p:notesSz cx="6858000" cy="9144000"/>
@@ -106,6 +107,11 @@
       </a:defRPr>
     </a:lvl9pPr>
   </p:defaultTextStyle>
+  <p:extLst>
+    <p:ext uri="{EFAFB233-063F-42B5-8137-9DF3F51BA10A}">
+      <p15:sldGuideLst xmlns:p15="http://schemas.microsoft.com/office/powerpoint/2012/main"/>
+    </p:ext>
+  </p:extLst>
 </p:presentation>
 </file>
 
@@ -126,9 +132,148 @@
           <a:chExt cx="0" cy="0"/>
         </a:xfrm>
       </p:grpSpPr>
-      <p:sp>
-        <p:nvSpPr>
-          <p:cNvPr id="2" name="Заголовок 1"/>
+      <p:pic>
+        <p:nvPicPr>
+          <p:cNvPr id="7" name="Picture 6" descr="HD-ShadowLong.png"/>
+          <p:cNvPicPr>
+            <a:picLocks noChangeAspect="1"/>
+          </p:cNvPicPr>
+          <p:nvPr/>
+        </p:nvPicPr>
+        <p:blipFill>
+          <a:blip r:embed="rId2">
+            <a:extLst>
+              <a:ext uri="{28A0092B-C50C-407E-A947-70E740481C1C}">
+                <a14:useLocalDpi xmlns:a14="http://schemas.microsoft.com/office/drawing/2010/main" val="0"/>
+              </a:ext>
+            </a:extLst>
+          </a:blip>
+          <a:stretch>
+            <a:fillRect/>
+          </a:stretch>
+        </p:blipFill>
+        <p:spPr>
+          <a:xfrm>
+            <a:off x="1" y="4242851"/>
+            <a:ext cx="8968084" cy="275942"/>
+          </a:xfrm>
+          <a:prstGeom prst="rect">
+            <a:avLst/>
+          </a:prstGeom>
+        </p:spPr>
+      </p:pic>
+      <p:pic>
+        <p:nvPicPr>
+          <p:cNvPr id="8" name="Picture 7" descr="HD-ShadowShort.png"/>
+          <p:cNvPicPr>
+            <a:picLocks noChangeAspect="1"/>
+          </p:cNvPicPr>
+          <p:nvPr/>
+        </p:nvPicPr>
+        <p:blipFill>
+          <a:blip r:embed="rId3">
+            <a:extLst>
+              <a:ext uri="{28A0092B-C50C-407E-A947-70E740481C1C}">
+                <a14:useLocalDpi xmlns:a14="http://schemas.microsoft.com/office/drawing/2010/main" val="0"/>
+              </a:ext>
+            </a:extLst>
+          </a:blip>
+          <a:stretch>
+            <a:fillRect/>
+          </a:stretch>
+        </p:blipFill>
+        <p:spPr>
+          <a:xfrm>
+            <a:off x="9111716" y="4243845"/>
+            <a:ext cx="3077108" cy="276940"/>
+          </a:xfrm>
+          <a:prstGeom prst="rect">
+            <a:avLst/>
+          </a:prstGeom>
+        </p:spPr>
+      </p:pic>
+      <p:sp>
+        <p:nvSpPr>
+          <p:cNvPr id="9" name="Rectangle 8"/>
+          <p:cNvSpPr/>
+          <p:nvPr/>
+        </p:nvSpPr>
+        <p:spPr bwMode="ltGray">
+          <a:xfrm>
+            <a:off x="0" y="2590078"/>
+            <a:ext cx="8968085" cy="1660332"/>
+          </a:xfrm>
+          <a:prstGeom prst="rect">
+            <a:avLst/>
+          </a:prstGeom>
+          <a:solidFill>
+            <a:schemeClr val="bg1">
+              <a:lumMod val="85000"/>
+              <a:lumOff val="15000"/>
+            </a:schemeClr>
+          </a:solidFill>
+          <a:ln>
+            <a:noFill/>
+          </a:ln>
+        </p:spPr>
+        <p:style>
+          <a:lnRef idx="2">
+            <a:schemeClr val="accent1">
+              <a:shade val="50000"/>
+            </a:schemeClr>
+          </a:lnRef>
+          <a:fillRef idx="1">
+            <a:schemeClr val="accent1"/>
+          </a:fillRef>
+          <a:effectRef idx="0">
+            <a:schemeClr val="accent1"/>
+          </a:effectRef>
+          <a:fontRef idx="minor">
+            <a:schemeClr val="lt1"/>
+          </a:fontRef>
+        </p:style>
+      </p:sp>
+      <p:sp>
+        <p:nvSpPr>
+          <p:cNvPr id="10" name="Rectangle 9"/>
+          <p:cNvSpPr/>
+          <p:nvPr/>
+        </p:nvSpPr>
+        <p:spPr>
+          <a:xfrm>
+            <a:off x="9111715" y="2590078"/>
+            <a:ext cx="3077109" cy="1660332"/>
+          </a:xfrm>
+          <a:prstGeom prst="rect">
+            <a:avLst/>
+          </a:prstGeom>
+          <a:solidFill>
+            <a:schemeClr val="accent1"/>
+          </a:solidFill>
+          <a:ln>
+            <a:noFill/>
+          </a:ln>
+        </p:spPr>
+        <p:style>
+          <a:lnRef idx="2">
+            <a:schemeClr val="accent1">
+              <a:shade val="50000"/>
+            </a:schemeClr>
+          </a:lnRef>
+          <a:fillRef idx="1">
+            <a:schemeClr val="accent1"/>
+          </a:fillRef>
+          <a:effectRef idx="0">
+            <a:schemeClr val="accent1"/>
+          </a:effectRef>
+          <a:fontRef idx="minor">
+            <a:schemeClr val="lt1"/>
+          </a:fontRef>
+        </p:style>
+      </p:sp>
+      <p:sp>
+        <p:nvSpPr>
+          <p:cNvPr id="2" name="Title 1"/>
           <p:cNvSpPr>
             <a:spLocks noGrp="1"/>
           </p:cNvSpPr>
@@ -138,15 +283,17 @@
         </p:nvSpPr>
         <p:spPr>
           <a:xfrm>
-            <a:off x="1524000" y="1122363"/>
-            <a:ext cx="9144000" cy="2387600"/>
-          </a:xfrm>
-        </p:spPr>
-        <p:txBody>
-          <a:bodyPr anchor="b"/>
+            <a:off x="680322" y="2733709"/>
+            <a:ext cx="8144134" cy="1373070"/>
+          </a:xfrm>
+        </p:spPr>
+        <p:txBody>
+          <a:bodyPr anchor="b">
+            <a:noAutofit/>
+          </a:bodyPr>
           <a:lstStyle>
-            <a:lvl1pPr algn="ctr">
-              <a:defRPr sz="6000"/>
+            <a:lvl1pPr algn="r">
+              <a:defRPr sz="5400"/>
             </a:lvl1pPr>
           </a:lstStyle>
           <a:p>
@@ -154,13 +301,13 @@
               <a:rPr lang="ru-RU" smtClean="0"/>
               <a:t>Образец заголовка</a:t>
             </a:r>
-            <a:endParaRPr lang="ru-RU"/>
-          </a:p>
-        </p:txBody>
-      </p:sp>
-      <p:sp>
-        <p:nvSpPr>
-          <p:cNvPr id="3" name="Подзаголовок 2"/>
+            <a:endParaRPr lang="en-US" dirty="0"/>
+          </a:p>
+        </p:txBody>
+      </p:sp>
+      <p:sp>
+        <p:nvSpPr>
+          <p:cNvPr id="3" name="Subtitle 2"/>
           <p:cNvSpPr>
             <a:spLocks noGrp="1"/>
           </p:cNvSpPr>
@@ -170,16 +317,18 @@
         </p:nvSpPr>
         <p:spPr>
           <a:xfrm>
-            <a:off x="1524000" y="3602038"/>
-            <a:ext cx="9144000" cy="1655762"/>
-          </a:xfrm>
-        </p:spPr>
-        <p:txBody>
-          <a:bodyPr/>
+            <a:off x="680322" y="4394039"/>
+            <a:ext cx="8144134" cy="1117687"/>
+          </a:xfrm>
+        </p:spPr>
+        <p:txBody>
+          <a:bodyPr>
+            <a:normAutofit/>
+          </a:bodyPr>
           <a:lstStyle>
-            <a:lvl1pPr marL="0" indent="0" algn="ctr">
-              <a:buNone/>
-              <a:defRPr sz="2400"/>
+            <a:lvl1pPr marL="0" indent="0" algn="r">
+              <a:buNone/>
+              <a:defRPr sz="2000"/>
             </a:lvl1pPr>
             <a:lvl2pPr marL="457200" indent="0" algn="ctr">
               <a:buNone/>
@@ -219,13 +368,13 @@
               <a:rPr lang="ru-RU" smtClean="0"/>
               <a:t>Образец подзаголовка</a:t>
             </a:r>
-            <a:endParaRPr lang="ru-RU"/>
-          </a:p>
-        </p:txBody>
-      </p:sp>
-      <p:sp>
-        <p:nvSpPr>
-          <p:cNvPr id="4" name="Дата 3"/>
+            <a:endParaRPr lang="en-US" dirty="0"/>
+          </a:p>
+        </p:txBody>
+      </p:sp>
+      <p:sp>
+        <p:nvSpPr>
+          <p:cNvPr id="4" name="Date Placeholder 3"/>
           <p:cNvSpPr>
             <a:spLocks noGrp="1"/>
           </p:cNvSpPr>
@@ -248,7 +397,7 @@
       </p:sp>
       <p:sp>
         <p:nvSpPr>
-          <p:cNvPr id="5" name="Нижний колонтитул 4"/>
+          <p:cNvPr id="5" name="Footer Placeholder 4"/>
           <p:cNvSpPr>
             <a:spLocks noGrp="1"/>
           </p:cNvSpPr>
@@ -267,7 +416,7 @@
       </p:sp>
       <p:sp>
         <p:nvSpPr>
-          <p:cNvPr id="6" name="Номер слайда 5"/>
+          <p:cNvPr id="6" name="Slide Number Placeholder 5"/>
           <p:cNvSpPr>
             <a:spLocks noGrp="1"/>
           </p:cNvSpPr>
@@ -275,7 +424,12 @@
             <p:ph type="sldNum" sz="quarter" idx="12"/>
           </p:nvPr>
         </p:nvSpPr>
-        <p:spPr/>
+        <p:spPr>
+          <a:xfrm>
+            <a:off x="9255346" y="2750337"/>
+            <a:ext cx="1171888" cy="1356442"/>
+          </a:xfrm>
+        </p:spPr>
         <p:txBody>
           <a:bodyPr/>
           <a:lstStyle/>
@@ -291,7 +445,7 @@
     </p:spTree>
     <p:extLst>
       <p:ext uri="{BB962C8B-B14F-4D97-AF65-F5344CB8AC3E}">
-        <p14:creationId xmlns:p14="http://schemas.microsoft.com/office/powerpoint/2010/main" val="1083269802"/>
+        <p14:creationId xmlns:p14="http://schemas.microsoft.com/office/powerpoint/2010/main" val="4166919662"/>
       </p:ext>
     </p:extLst>
   </p:cSld>
@@ -302,6 +456,3318 @@
 </file>
 
 <file path=ppt/slideLayouts/slideLayout10.xml><?xml version="1.0" encoding="utf-8"?>
+<p:sldLayout xmlns:a="http://schemas.openxmlformats.org/drawingml/2006/main" xmlns:r="http://schemas.openxmlformats.org/officeDocument/2006/relationships" xmlns:p="http://schemas.openxmlformats.org/presentationml/2006/main" preserve="1">
+  <p:cSld name="Панорамная фотография с подписью">
+    <p:spTree>
+      <p:nvGrpSpPr>
+        <p:cNvPr id="1" name=""/>
+        <p:cNvGrpSpPr/>
+        <p:nvPr/>
+      </p:nvGrpSpPr>
+      <p:grpSpPr>
+        <a:xfrm>
+          <a:off x="0" y="0"/>
+          <a:ext cx="0" cy="0"/>
+          <a:chOff x="0" y="0"/>
+          <a:chExt cx="0" cy="0"/>
+        </a:xfrm>
+      </p:grpSpPr>
+      <p:pic>
+        <p:nvPicPr>
+          <p:cNvPr id="8" name="Picture 7" descr="HD-ShadowLong.png"/>
+          <p:cNvPicPr>
+            <a:picLocks noChangeAspect="1"/>
+          </p:cNvPicPr>
+          <p:nvPr/>
+        </p:nvPicPr>
+        <p:blipFill>
+          <a:blip r:embed="rId2">
+            <a:extLst>
+              <a:ext uri="{28A0092B-C50C-407E-A947-70E740481C1C}">
+                <a14:useLocalDpi xmlns:a14="http://schemas.microsoft.com/office/drawing/2010/main" val="0"/>
+              </a:ext>
+            </a:extLst>
+          </a:blip>
+          <a:stretch>
+            <a:fillRect/>
+          </a:stretch>
+        </p:blipFill>
+        <p:spPr>
+          <a:xfrm>
+            <a:off x="1" y="5928628"/>
+            <a:ext cx="10437812" cy="321164"/>
+          </a:xfrm>
+          <a:prstGeom prst="rect">
+            <a:avLst/>
+          </a:prstGeom>
+        </p:spPr>
+      </p:pic>
+      <p:pic>
+        <p:nvPicPr>
+          <p:cNvPr id="9" name="Picture 8" descr="HD-ShadowShort.png"/>
+          <p:cNvPicPr>
+            <a:picLocks noChangeAspect="1"/>
+          </p:cNvPicPr>
+          <p:nvPr/>
+        </p:nvPicPr>
+        <p:blipFill>
+          <a:blip r:embed="rId3" cstate="print">
+            <a:extLst>
+              <a:ext uri="{28A0092B-C50C-407E-A947-70E740481C1C}">
+                <a14:useLocalDpi xmlns:a14="http://schemas.microsoft.com/office/drawing/2010/main" val="0"/>
+              </a:ext>
+            </a:extLst>
+          </a:blip>
+          <a:stretch>
+            <a:fillRect/>
+          </a:stretch>
+        </p:blipFill>
+        <p:spPr>
+          <a:xfrm>
+            <a:off x="10585826" y="5929622"/>
+            <a:ext cx="1602997" cy="144270"/>
+          </a:xfrm>
+          <a:prstGeom prst="rect">
+            <a:avLst/>
+          </a:prstGeom>
+        </p:spPr>
+      </p:pic>
+      <p:sp>
+        <p:nvSpPr>
+          <p:cNvPr id="10" name="Rectangle 9"/>
+          <p:cNvSpPr/>
+          <p:nvPr/>
+        </p:nvSpPr>
+        <p:spPr bwMode="ltGray">
+          <a:xfrm>
+            <a:off x="0" y="4567988"/>
+            <a:ext cx="10437812" cy="1368198"/>
+          </a:xfrm>
+          <a:prstGeom prst="rect">
+            <a:avLst/>
+          </a:prstGeom>
+          <a:solidFill>
+            <a:schemeClr val="bg1">
+              <a:lumMod val="85000"/>
+              <a:lumOff val="15000"/>
+            </a:schemeClr>
+          </a:solidFill>
+          <a:ln>
+            <a:noFill/>
+          </a:ln>
+        </p:spPr>
+        <p:style>
+          <a:lnRef idx="2">
+            <a:schemeClr val="accent1">
+              <a:shade val="50000"/>
+            </a:schemeClr>
+          </a:lnRef>
+          <a:fillRef idx="1">
+            <a:schemeClr val="accent1"/>
+          </a:fillRef>
+          <a:effectRef idx="0">
+            <a:schemeClr val="accent1"/>
+          </a:effectRef>
+          <a:fontRef idx="minor">
+            <a:schemeClr val="lt1"/>
+          </a:fontRef>
+        </p:style>
+      </p:sp>
+      <p:sp>
+        <p:nvSpPr>
+          <p:cNvPr id="11" name="Rectangle 10"/>
+          <p:cNvSpPr/>
+          <p:nvPr/>
+        </p:nvSpPr>
+        <p:spPr>
+          <a:xfrm>
+            <a:off x="10585827" y="4567988"/>
+            <a:ext cx="1602997" cy="1368198"/>
+          </a:xfrm>
+          <a:prstGeom prst="rect">
+            <a:avLst/>
+          </a:prstGeom>
+          <a:solidFill>
+            <a:schemeClr val="accent1"/>
+          </a:solidFill>
+          <a:ln>
+            <a:noFill/>
+          </a:ln>
+        </p:spPr>
+        <p:style>
+          <a:lnRef idx="2">
+            <a:schemeClr val="accent1">
+              <a:shade val="50000"/>
+            </a:schemeClr>
+          </a:lnRef>
+          <a:fillRef idx="1">
+            <a:schemeClr val="accent1"/>
+          </a:fillRef>
+          <a:effectRef idx="0">
+            <a:schemeClr val="accent1"/>
+          </a:effectRef>
+          <a:fontRef idx="minor">
+            <a:schemeClr val="lt1"/>
+          </a:fontRef>
+        </p:style>
+      </p:sp>
+      <p:sp>
+        <p:nvSpPr>
+          <p:cNvPr id="2" name="Title 1"/>
+          <p:cNvSpPr>
+            <a:spLocks noGrp="1"/>
+          </p:cNvSpPr>
+          <p:nvPr>
+            <p:ph type="title"/>
+          </p:nvPr>
+        </p:nvSpPr>
+        <p:spPr>
+          <a:xfrm>
+            <a:off x="680322" y="4711616"/>
+            <a:ext cx="9613859" cy="453051"/>
+          </a:xfrm>
+        </p:spPr>
+        <p:txBody>
+          <a:bodyPr anchor="b">
+            <a:normAutofit/>
+          </a:bodyPr>
+          <a:lstStyle>
+            <a:lvl1pPr>
+              <a:defRPr sz="2400"/>
+            </a:lvl1pPr>
+          </a:lstStyle>
+          <a:p>
+            <a:r>
+              <a:rPr lang="ru-RU" smtClean="0"/>
+              <a:t>Образец заголовка</a:t>
+            </a:r>
+            <a:endParaRPr lang="en-US" dirty="0"/>
+          </a:p>
+        </p:txBody>
+      </p:sp>
+      <p:sp>
+        <p:nvSpPr>
+          <p:cNvPr id="3" name="Picture Placeholder 2"/>
+          <p:cNvSpPr>
+            <a:spLocks noGrp="1" noChangeAspect="1"/>
+          </p:cNvSpPr>
+          <p:nvPr>
+            <p:ph type="pic" idx="1"/>
+          </p:nvPr>
+        </p:nvSpPr>
+        <p:spPr>
+          <a:xfrm>
+            <a:off x="680322" y="609597"/>
+            <a:ext cx="9613859" cy="3589575"/>
+          </a:xfrm>
+          <a:noFill/>
+          <a:ln>
+            <a:noFill/>
+          </a:ln>
+          <a:effectLst>
+            <a:outerShdw blurRad="76200" dist="63500" dir="5040000" algn="tl" rotWithShape="0">
+              <a:srgbClr val="000000">
+                <a:alpha val="41000"/>
+              </a:srgbClr>
+            </a:outerShdw>
+          </a:effectLst>
+        </p:spPr>
+        <p:txBody>
+          <a:bodyPr anchor="t"/>
+          <a:lstStyle>
+            <a:lvl1pPr marL="0" indent="0">
+              <a:buNone/>
+              <a:defRPr sz="3200"/>
+            </a:lvl1pPr>
+            <a:lvl2pPr marL="457200" indent="0">
+              <a:buNone/>
+              <a:defRPr sz="2800"/>
+            </a:lvl2pPr>
+            <a:lvl3pPr marL="914400" indent="0">
+              <a:buNone/>
+              <a:defRPr sz="2400"/>
+            </a:lvl3pPr>
+            <a:lvl4pPr marL="1371600" indent="0">
+              <a:buNone/>
+              <a:defRPr sz="2000"/>
+            </a:lvl4pPr>
+            <a:lvl5pPr marL="1828800" indent="0">
+              <a:buNone/>
+              <a:defRPr sz="2000"/>
+            </a:lvl5pPr>
+            <a:lvl6pPr marL="2286000" indent="0">
+              <a:buNone/>
+              <a:defRPr sz="2000"/>
+            </a:lvl6pPr>
+            <a:lvl7pPr marL="2743200" indent="0">
+              <a:buNone/>
+              <a:defRPr sz="2000"/>
+            </a:lvl7pPr>
+            <a:lvl8pPr marL="3200400" indent="0">
+              <a:buNone/>
+              <a:defRPr sz="2000"/>
+            </a:lvl8pPr>
+            <a:lvl9pPr marL="3657600" indent="0">
+              <a:buNone/>
+              <a:defRPr sz="2000"/>
+            </a:lvl9pPr>
+          </a:lstStyle>
+          <a:p>
+            <a:r>
+              <a:rPr lang="ru-RU" smtClean="0"/>
+              <a:t>Вставка рисунка</a:t>
+            </a:r>
+            <a:endParaRPr lang="en-US" dirty="0"/>
+          </a:p>
+        </p:txBody>
+      </p:sp>
+      <p:sp>
+        <p:nvSpPr>
+          <p:cNvPr id="4" name="Text Placeholder 3"/>
+          <p:cNvSpPr>
+            <a:spLocks noGrp="1"/>
+          </p:cNvSpPr>
+          <p:nvPr>
+            <p:ph type="body" sz="half" idx="2"/>
+          </p:nvPr>
+        </p:nvSpPr>
+        <p:spPr>
+          <a:xfrm>
+            <a:off x="680319" y="5169583"/>
+            <a:ext cx="9613862" cy="622971"/>
+          </a:xfrm>
+        </p:spPr>
+        <p:txBody>
+          <a:bodyPr/>
+          <a:lstStyle>
+            <a:lvl1pPr marL="0" indent="0">
+              <a:buNone/>
+              <a:defRPr sz="1600"/>
+            </a:lvl1pPr>
+            <a:lvl2pPr marL="457200" indent="0">
+              <a:buNone/>
+              <a:defRPr sz="1400"/>
+            </a:lvl2pPr>
+            <a:lvl3pPr marL="914400" indent="0">
+              <a:buNone/>
+              <a:defRPr sz="1200"/>
+            </a:lvl3pPr>
+            <a:lvl4pPr marL="1371600" indent="0">
+              <a:buNone/>
+              <a:defRPr sz="1000"/>
+            </a:lvl4pPr>
+            <a:lvl5pPr marL="1828800" indent="0">
+              <a:buNone/>
+              <a:defRPr sz="1000"/>
+            </a:lvl5pPr>
+            <a:lvl6pPr marL="2286000" indent="0">
+              <a:buNone/>
+              <a:defRPr sz="1000"/>
+            </a:lvl6pPr>
+            <a:lvl7pPr marL="2743200" indent="0">
+              <a:buNone/>
+              <a:defRPr sz="1000"/>
+            </a:lvl7pPr>
+            <a:lvl8pPr marL="3200400" indent="0">
+              <a:buNone/>
+              <a:defRPr sz="1000"/>
+            </a:lvl8pPr>
+            <a:lvl9pPr marL="3657600" indent="0">
+              <a:buNone/>
+              <a:defRPr sz="1000"/>
+            </a:lvl9pPr>
+          </a:lstStyle>
+          <a:p>
+            <a:pPr lvl="0"/>
+            <a:r>
+              <a:rPr lang="ru-RU" smtClean="0"/>
+              <a:t>Образец текста</a:t>
+            </a:r>
+          </a:p>
+        </p:txBody>
+      </p:sp>
+      <p:sp>
+        <p:nvSpPr>
+          <p:cNvPr id="5" name="Date Placeholder 4"/>
+          <p:cNvSpPr>
+            <a:spLocks noGrp="1"/>
+          </p:cNvSpPr>
+          <p:nvPr>
+            <p:ph type="dt" sz="half" idx="10"/>
+          </p:nvPr>
+        </p:nvSpPr>
+        <p:spPr/>
+        <p:txBody>
+          <a:bodyPr/>
+          <a:lstStyle/>
+          <a:p>
+            <a:fld id="{5F1588B9-6F9C-4886-8369-7AAB05E91E2C}" type="datetimeFigureOut">
+              <a:rPr lang="ru-RU" smtClean="0"/>
+              <a:t>24.04.2023</a:t>
+            </a:fld>
+            <a:endParaRPr lang="ru-RU"/>
+          </a:p>
+        </p:txBody>
+      </p:sp>
+      <p:sp>
+        <p:nvSpPr>
+          <p:cNvPr id="6" name="Footer Placeholder 5"/>
+          <p:cNvSpPr>
+            <a:spLocks noGrp="1"/>
+          </p:cNvSpPr>
+          <p:nvPr>
+            <p:ph type="ftr" sz="quarter" idx="11"/>
+          </p:nvPr>
+        </p:nvSpPr>
+        <p:spPr/>
+        <p:txBody>
+          <a:bodyPr/>
+          <a:lstStyle/>
+          <a:p>
+            <a:endParaRPr lang="ru-RU"/>
+          </a:p>
+        </p:txBody>
+      </p:sp>
+      <p:sp>
+        <p:nvSpPr>
+          <p:cNvPr id="7" name="Slide Number Placeholder 6"/>
+          <p:cNvSpPr>
+            <a:spLocks noGrp="1"/>
+          </p:cNvSpPr>
+          <p:nvPr>
+            <p:ph type="sldNum" sz="quarter" idx="12"/>
+          </p:nvPr>
+        </p:nvSpPr>
+        <p:spPr>
+          <a:xfrm>
+            <a:off x="10729455" y="4711309"/>
+            <a:ext cx="1154151" cy="1090789"/>
+          </a:xfrm>
+        </p:spPr>
+        <p:txBody>
+          <a:bodyPr/>
+          <a:lstStyle/>
+          <a:p>
+            <a:fld id="{2F32FABE-11A7-42B5-9E2A-E188CC276047}" type="slidenum">
+              <a:rPr lang="ru-RU" smtClean="0"/>
+              <a:t>‹#›</a:t>
+            </a:fld>
+            <a:endParaRPr lang="ru-RU"/>
+          </a:p>
+        </p:txBody>
+      </p:sp>
+    </p:spTree>
+    <p:extLst>
+      <p:ext uri="{BB962C8B-B14F-4D97-AF65-F5344CB8AC3E}">
+        <p14:creationId xmlns:p14="http://schemas.microsoft.com/office/powerpoint/2010/main" val="488262735"/>
+      </p:ext>
+    </p:extLst>
+  </p:cSld>
+  <p:clrMapOvr>
+    <a:masterClrMapping/>
+  </p:clrMapOvr>
+</p:sldLayout>
+</file>
+
+<file path=ppt/slideLayouts/slideLayout11.xml><?xml version="1.0" encoding="utf-8"?>
+<p:sldLayout xmlns:a="http://schemas.openxmlformats.org/drawingml/2006/main" xmlns:r="http://schemas.openxmlformats.org/officeDocument/2006/relationships" xmlns:p="http://schemas.openxmlformats.org/presentationml/2006/main" preserve="1">
+  <p:cSld name="Заголовок и подпись">
+    <p:spTree>
+      <p:nvGrpSpPr>
+        <p:cNvPr id="1" name=""/>
+        <p:cNvGrpSpPr/>
+        <p:nvPr/>
+      </p:nvGrpSpPr>
+      <p:grpSpPr>
+        <a:xfrm>
+          <a:off x="0" y="0"/>
+          <a:ext cx="0" cy="0"/>
+          <a:chOff x="0" y="0"/>
+          <a:chExt cx="0" cy="0"/>
+        </a:xfrm>
+      </p:grpSpPr>
+      <p:pic>
+        <p:nvPicPr>
+          <p:cNvPr id="8" name="Picture 7" descr="HD-ShadowLong.png"/>
+          <p:cNvPicPr>
+            <a:picLocks noChangeAspect="1"/>
+          </p:cNvPicPr>
+          <p:nvPr/>
+        </p:nvPicPr>
+        <p:blipFill>
+          <a:blip r:embed="rId2">
+            <a:extLst>
+              <a:ext uri="{28A0092B-C50C-407E-A947-70E740481C1C}">
+                <a14:useLocalDpi xmlns:a14="http://schemas.microsoft.com/office/drawing/2010/main" val="0"/>
+              </a:ext>
+            </a:extLst>
+          </a:blip>
+          <a:stretch>
+            <a:fillRect/>
+          </a:stretch>
+        </p:blipFill>
+        <p:spPr>
+          <a:xfrm>
+            <a:off x="1" y="5928628"/>
+            <a:ext cx="10437812" cy="321164"/>
+          </a:xfrm>
+          <a:prstGeom prst="rect">
+            <a:avLst/>
+          </a:prstGeom>
+        </p:spPr>
+      </p:pic>
+      <p:pic>
+        <p:nvPicPr>
+          <p:cNvPr id="9" name="Picture 8" descr="HD-ShadowShort.png"/>
+          <p:cNvPicPr>
+            <a:picLocks noChangeAspect="1"/>
+          </p:cNvPicPr>
+          <p:nvPr/>
+        </p:nvPicPr>
+        <p:blipFill>
+          <a:blip r:embed="rId3" cstate="print">
+            <a:extLst>
+              <a:ext uri="{28A0092B-C50C-407E-A947-70E740481C1C}">
+                <a14:useLocalDpi xmlns:a14="http://schemas.microsoft.com/office/drawing/2010/main" val="0"/>
+              </a:ext>
+            </a:extLst>
+          </a:blip>
+          <a:stretch>
+            <a:fillRect/>
+          </a:stretch>
+        </p:blipFill>
+        <p:spPr>
+          <a:xfrm>
+            <a:off x="10585826" y="5929622"/>
+            <a:ext cx="1602997" cy="144270"/>
+          </a:xfrm>
+          <a:prstGeom prst="rect">
+            <a:avLst/>
+          </a:prstGeom>
+        </p:spPr>
+      </p:pic>
+      <p:sp>
+        <p:nvSpPr>
+          <p:cNvPr id="10" name="Rectangle 9"/>
+          <p:cNvSpPr/>
+          <p:nvPr/>
+        </p:nvSpPr>
+        <p:spPr bwMode="ltGray">
+          <a:xfrm>
+            <a:off x="0" y="4567988"/>
+            <a:ext cx="10437812" cy="1368198"/>
+          </a:xfrm>
+          <a:prstGeom prst="rect">
+            <a:avLst/>
+          </a:prstGeom>
+          <a:solidFill>
+            <a:schemeClr val="bg1">
+              <a:lumMod val="85000"/>
+              <a:lumOff val="15000"/>
+            </a:schemeClr>
+          </a:solidFill>
+          <a:ln>
+            <a:noFill/>
+          </a:ln>
+        </p:spPr>
+        <p:style>
+          <a:lnRef idx="2">
+            <a:schemeClr val="accent1">
+              <a:shade val="50000"/>
+            </a:schemeClr>
+          </a:lnRef>
+          <a:fillRef idx="1">
+            <a:schemeClr val="accent1"/>
+          </a:fillRef>
+          <a:effectRef idx="0">
+            <a:schemeClr val="accent1"/>
+          </a:effectRef>
+          <a:fontRef idx="minor">
+            <a:schemeClr val="lt1"/>
+          </a:fontRef>
+        </p:style>
+      </p:sp>
+      <p:sp>
+        <p:nvSpPr>
+          <p:cNvPr id="11" name="Rectangle 10"/>
+          <p:cNvSpPr/>
+          <p:nvPr/>
+        </p:nvSpPr>
+        <p:spPr>
+          <a:xfrm>
+            <a:off x="10585827" y="4567988"/>
+            <a:ext cx="1602997" cy="1368198"/>
+          </a:xfrm>
+          <a:prstGeom prst="rect">
+            <a:avLst/>
+          </a:prstGeom>
+          <a:solidFill>
+            <a:schemeClr val="accent1"/>
+          </a:solidFill>
+          <a:ln>
+            <a:noFill/>
+          </a:ln>
+        </p:spPr>
+        <p:style>
+          <a:lnRef idx="2">
+            <a:schemeClr val="accent1">
+              <a:shade val="50000"/>
+            </a:schemeClr>
+          </a:lnRef>
+          <a:fillRef idx="1">
+            <a:schemeClr val="accent1"/>
+          </a:fillRef>
+          <a:effectRef idx="0">
+            <a:schemeClr val="accent1"/>
+          </a:effectRef>
+          <a:fontRef idx="minor">
+            <a:schemeClr val="lt1"/>
+          </a:fontRef>
+        </p:style>
+      </p:sp>
+      <p:sp>
+        <p:nvSpPr>
+          <p:cNvPr id="2" name="Title 1"/>
+          <p:cNvSpPr>
+            <a:spLocks noGrp="1"/>
+          </p:cNvSpPr>
+          <p:nvPr>
+            <p:ph type="title"/>
+          </p:nvPr>
+        </p:nvSpPr>
+        <p:spPr>
+          <a:xfrm>
+            <a:off x="680322" y="609597"/>
+            <a:ext cx="9613858" cy="3592750"/>
+          </a:xfrm>
+        </p:spPr>
+        <p:txBody>
+          <a:bodyPr anchor="ctr"/>
+          <a:lstStyle>
+            <a:lvl1pPr>
+              <a:defRPr sz="3200"/>
+            </a:lvl1pPr>
+          </a:lstStyle>
+          <a:p>
+            <a:r>
+              <a:rPr lang="ru-RU" smtClean="0"/>
+              <a:t>Образец заголовка</a:t>
+            </a:r>
+            <a:endParaRPr lang="en-US" dirty="0"/>
+          </a:p>
+        </p:txBody>
+      </p:sp>
+      <p:sp>
+        <p:nvSpPr>
+          <p:cNvPr id="4" name="Text Placeholder 3"/>
+          <p:cNvSpPr>
+            <a:spLocks noGrp="1"/>
+          </p:cNvSpPr>
+          <p:nvPr>
+            <p:ph type="body" sz="half" idx="2"/>
+          </p:nvPr>
+        </p:nvSpPr>
+        <p:spPr>
+          <a:xfrm>
+            <a:off x="680322" y="4711615"/>
+            <a:ext cx="9613859" cy="1090789"/>
+          </a:xfrm>
+        </p:spPr>
+        <p:txBody>
+          <a:bodyPr anchor="ctr"/>
+          <a:lstStyle>
+            <a:lvl1pPr marL="0" indent="0">
+              <a:buNone/>
+              <a:defRPr sz="1600"/>
+            </a:lvl1pPr>
+            <a:lvl2pPr marL="457200" indent="0">
+              <a:buNone/>
+              <a:defRPr sz="1400"/>
+            </a:lvl2pPr>
+            <a:lvl3pPr marL="914400" indent="0">
+              <a:buNone/>
+              <a:defRPr sz="1200"/>
+            </a:lvl3pPr>
+            <a:lvl4pPr marL="1371600" indent="0">
+              <a:buNone/>
+              <a:defRPr sz="1000"/>
+            </a:lvl4pPr>
+            <a:lvl5pPr marL="1828800" indent="0">
+              <a:buNone/>
+              <a:defRPr sz="1000"/>
+            </a:lvl5pPr>
+            <a:lvl6pPr marL="2286000" indent="0">
+              <a:buNone/>
+              <a:defRPr sz="1000"/>
+            </a:lvl6pPr>
+            <a:lvl7pPr marL="2743200" indent="0">
+              <a:buNone/>
+              <a:defRPr sz="1000"/>
+            </a:lvl7pPr>
+            <a:lvl8pPr marL="3200400" indent="0">
+              <a:buNone/>
+              <a:defRPr sz="1000"/>
+            </a:lvl8pPr>
+            <a:lvl9pPr marL="3657600" indent="0">
+              <a:buNone/>
+              <a:defRPr sz="1000"/>
+            </a:lvl9pPr>
+          </a:lstStyle>
+          <a:p>
+            <a:pPr lvl="0"/>
+            <a:r>
+              <a:rPr lang="ru-RU" smtClean="0"/>
+              <a:t>Образец текста</a:t>
+            </a:r>
+          </a:p>
+        </p:txBody>
+      </p:sp>
+      <p:sp>
+        <p:nvSpPr>
+          <p:cNvPr id="5" name="Date Placeholder 4"/>
+          <p:cNvSpPr>
+            <a:spLocks noGrp="1"/>
+          </p:cNvSpPr>
+          <p:nvPr>
+            <p:ph type="dt" sz="half" idx="10"/>
+          </p:nvPr>
+        </p:nvSpPr>
+        <p:spPr/>
+        <p:txBody>
+          <a:bodyPr/>
+          <a:lstStyle/>
+          <a:p>
+            <a:fld id="{5F1588B9-6F9C-4886-8369-7AAB05E91E2C}" type="datetimeFigureOut">
+              <a:rPr lang="ru-RU" smtClean="0"/>
+              <a:t>24.04.2023</a:t>
+            </a:fld>
+            <a:endParaRPr lang="ru-RU"/>
+          </a:p>
+        </p:txBody>
+      </p:sp>
+      <p:sp>
+        <p:nvSpPr>
+          <p:cNvPr id="6" name="Footer Placeholder 5"/>
+          <p:cNvSpPr>
+            <a:spLocks noGrp="1"/>
+          </p:cNvSpPr>
+          <p:nvPr>
+            <p:ph type="ftr" sz="quarter" idx="11"/>
+          </p:nvPr>
+        </p:nvSpPr>
+        <p:spPr/>
+        <p:txBody>
+          <a:bodyPr/>
+          <a:lstStyle/>
+          <a:p>
+            <a:endParaRPr lang="ru-RU"/>
+          </a:p>
+        </p:txBody>
+      </p:sp>
+      <p:sp>
+        <p:nvSpPr>
+          <p:cNvPr id="7" name="Slide Number Placeholder 6"/>
+          <p:cNvSpPr>
+            <a:spLocks noGrp="1"/>
+          </p:cNvSpPr>
+          <p:nvPr>
+            <p:ph type="sldNum" sz="quarter" idx="12"/>
+          </p:nvPr>
+        </p:nvSpPr>
+        <p:spPr>
+          <a:xfrm>
+            <a:off x="10729455" y="4711615"/>
+            <a:ext cx="1154151" cy="1090789"/>
+          </a:xfrm>
+        </p:spPr>
+        <p:txBody>
+          <a:bodyPr/>
+          <a:lstStyle/>
+          <a:p>
+            <a:fld id="{2F32FABE-11A7-42B5-9E2A-E188CC276047}" type="slidenum">
+              <a:rPr lang="ru-RU" smtClean="0"/>
+              <a:t>‹#›</a:t>
+            </a:fld>
+            <a:endParaRPr lang="ru-RU"/>
+          </a:p>
+        </p:txBody>
+      </p:sp>
+    </p:spTree>
+    <p:extLst>
+      <p:ext uri="{BB962C8B-B14F-4D97-AF65-F5344CB8AC3E}">
+        <p14:creationId xmlns:p14="http://schemas.microsoft.com/office/powerpoint/2010/main" val="4189357782"/>
+      </p:ext>
+    </p:extLst>
+  </p:cSld>
+  <p:clrMapOvr>
+    <a:masterClrMapping/>
+  </p:clrMapOvr>
+</p:sldLayout>
+</file>
+
+<file path=ppt/slideLayouts/slideLayout12.xml><?xml version="1.0" encoding="utf-8"?>
+<p:sldLayout xmlns:a="http://schemas.openxmlformats.org/drawingml/2006/main" xmlns:r="http://schemas.openxmlformats.org/officeDocument/2006/relationships" xmlns:p="http://schemas.openxmlformats.org/presentationml/2006/main" preserve="1">
+  <p:cSld name="Цитата с подписью">
+    <p:spTree>
+      <p:nvGrpSpPr>
+        <p:cNvPr id="1" name=""/>
+        <p:cNvGrpSpPr/>
+        <p:nvPr/>
+      </p:nvGrpSpPr>
+      <p:grpSpPr>
+        <a:xfrm>
+          <a:off x="0" y="0"/>
+          <a:ext cx="0" cy="0"/>
+          <a:chOff x="0" y="0"/>
+          <a:chExt cx="0" cy="0"/>
+        </a:xfrm>
+      </p:grpSpPr>
+      <p:pic>
+        <p:nvPicPr>
+          <p:cNvPr id="11" name="Picture 10" descr="HD-ShadowLong.png"/>
+          <p:cNvPicPr>
+            <a:picLocks noChangeAspect="1"/>
+          </p:cNvPicPr>
+          <p:nvPr/>
+        </p:nvPicPr>
+        <p:blipFill>
+          <a:blip r:embed="rId2">
+            <a:extLst>
+              <a:ext uri="{28A0092B-C50C-407E-A947-70E740481C1C}">
+                <a14:useLocalDpi xmlns:a14="http://schemas.microsoft.com/office/drawing/2010/main" val="0"/>
+              </a:ext>
+            </a:extLst>
+          </a:blip>
+          <a:stretch>
+            <a:fillRect/>
+          </a:stretch>
+        </p:blipFill>
+        <p:spPr>
+          <a:xfrm>
+            <a:off x="1" y="5928628"/>
+            <a:ext cx="10437812" cy="321164"/>
+          </a:xfrm>
+          <a:prstGeom prst="rect">
+            <a:avLst/>
+          </a:prstGeom>
+        </p:spPr>
+      </p:pic>
+      <p:pic>
+        <p:nvPicPr>
+          <p:cNvPr id="13" name="Picture 12" descr="HD-ShadowShort.png"/>
+          <p:cNvPicPr>
+            <a:picLocks noChangeAspect="1"/>
+          </p:cNvPicPr>
+          <p:nvPr/>
+        </p:nvPicPr>
+        <p:blipFill>
+          <a:blip r:embed="rId3" cstate="print">
+            <a:extLst>
+              <a:ext uri="{28A0092B-C50C-407E-A947-70E740481C1C}">
+                <a14:useLocalDpi xmlns:a14="http://schemas.microsoft.com/office/drawing/2010/main" val="0"/>
+              </a:ext>
+            </a:extLst>
+          </a:blip>
+          <a:stretch>
+            <a:fillRect/>
+          </a:stretch>
+        </p:blipFill>
+        <p:spPr>
+          <a:xfrm>
+            <a:off x="10585826" y="5929622"/>
+            <a:ext cx="1602997" cy="144270"/>
+          </a:xfrm>
+          <a:prstGeom prst="rect">
+            <a:avLst/>
+          </a:prstGeom>
+        </p:spPr>
+      </p:pic>
+      <p:sp>
+        <p:nvSpPr>
+          <p:cNvPr id="14" name="Rectangle 13"/>
+          <p:cNvSpPr/>
+          <p:nvPr/>
+        </p:nvSpPr>
+        <p:spPr bwMode="ltGray">
+          <a:xfrm>
+            <a:off x="0" y="4567988"/>
+            <a:ext cx="10437812" cy="1368198"/>
+          </a:xfrm>
+          <a:prstGeom prst="rect">
+            <a:avLst/>
+          </a:prstGeom>
+          <a:solidFill>
+            <a:schemeClr val="bg1">
+              <a:lumMod val="85000"/>
+              <a:lumOff val="15000"/>
+            </a:schemeClr>
+          </a:solidFill>
+          <a:ln>
+            <a:noFill/>
+          </a:ln>
+        </p:spPr>
+        <p:style>
+          <a:lnRef idx="2">
+            <a:schemeClr val="accent1">
+              <a:shade val="50000"/>
+            </a:schemeClr>
+          </a:lnRef>
+          <a:fillRef idx="1">
+            <a:schemeClr val="accent1"/>
+          </a:fillRef>
+          <a:effectRef idx="0">
+            <a:schemeClr val="accent1"/>
+          </a:effectRef>
+          <a:fontRef idx="minor">
+            <a:schemeClr val="lt1"/>
+          </a:fontRef>
+        </p:style>
+      </p:sp>
+      <p:sp>
+        <p:nvSpPr>
+          <p:cNvPr id="15" name="Rectangle 14"/>
+          <p:cNvSpPr/>
+          <p:nvPr/>
+        </p:nvSpPr>
+        <p:spPr>
+          <a:xfrm>
+            <a:off x="10585827" y="4567988"/>
+            <a:ext cx="1602997" cy="1368198"/>
+          </a:xfrm>
+          <a:prstGeom prst="rect">
+            <a:avLst/>
+          </a:prstGeom>
+          <a:solidFill>
+            <a:schemeClr val="accent1"/>
+          </a:solidFill>
+          <a:ln>
+            <a:noFill/>
+          </a:ln>
+        </p:spPr>
+        <p:style>
+          <a:lnRef idx="2">
+            <a:schemeClr val="accent1">
+              <a:shade val="50000"/>
+            </a:schemeClr>
+          </a:lnRef>
+          <a:fillRef idx="1">
+            <a:schemeClr val="accent1"/>
+          </a:fillRef>
+          <a:effectRef idx="0">
+            <a:schemeClr val="accent1"/>
+          </a:effectRef>
+          <a:fontRef idx="minor">
+            <a:schemeClr val="lt1"/>
+          </a:fontRef>
+        </p:style>
+      </p:sp>
+      <p:sp>
+        <p:nvSpPr>
+          <p:cNvPr id="2" name="Title 1"/>
+          <p:cNvSpPr>
+            <a:spLocks noGrp="1"/>
+          </p:cNvSpPr>
+          <p:nvPr>
+            <p:ph type="title"/>
+          </p:nvPr>
+        </p:nvSpPr>
+        <p:spPr>
+          <a:xfrm>
+            <a:off x="1127856" y="609598"/>
+            <a:ext cx="8718877" cy="3036061"/>
+          </a:xfrm>
+        </p:spPr>
+        <p:txBody>
+          <a:bodyPr anchor="ctr"/>
+          <a:lstStyle>
+            <a:lvl1pPr>
+              <a:defRPr sz="3200"/>
+            </a:lvl1pPr>
+          </a:lstStyle>
+          <a:p>
+            <a:r>
+              <a:rPr lang="ru-RU" smtClean="0"/>
+              <a:t>Образец заголовка</a:t>
+            </a:r>
+            <a:endParaRPr lang="en-US" dirty="0"/>
+          </a:p>
+        </p:txBody>
+      </p:sp>
+      <p:sp>
+        <p:nvSpPr>
+          <p:cNvPr id="12" name="Text Placeholder 3"/>
+          <p:cNvSpPr>
+            <a:spLocks noGrp="1"/>
+          </p:cNvSpPr>
+          <p:nvPr>
+            <p:ph type="body" sz="half" idx="13"/>
+          </p:nvPr>
+        </p:nvSpPr>
+        <p:spPr>
+          <a:xfrm>
+            <a:off x="1402288" y="3653379"/>
+            <a:ext cx="8156579" cy="548968"/>
+          </a:xfrm>
+        </p:spPr>
+        <p:txBody>
+          <a:bodyPr anchor="t">
+            <a:normAutofit/>
+          </a:bodyPr>
+          <a:lstStyle>
+            <a:lvl1pPr marL="0" indent="0">
+              <a:buNone/>
+              <a:defRPr sz="1400"/>
+            </a:lvl1pPr>
+            <a:lvl2pPr marL="457200" indent="0">
+              <a:buNone/>
+              <a:defRPr sz="1400"/>
+            </a:lvl2pPr>
+            <a:lvl3pPr marL="914400" indent="0">
+              <a:buNone/>
+              <a:defRPr sz="1200"/>
+            </a:lvl3pPr>
+            <a:lvl4pPr marL="1371600" indent="0">
+              <a:buNone/>
+              <a:defRPr sz="1000"/>
+            </a:lvl4pPr>
+            <a:lvl5pPr marL="1828800" indent="0">
+              <a:buNone/>
+              <a:defRPr sz="1000"/>
+            </a:lvl5pPr>
+            <a:lvl6pPr marL="2286000" indent="0">
+              <a:buNone/>
+              <a:defRPr sz="1000"/>
+            </a:lvl6pPr>
+            <a:lvl7pPr marL="2743200" indent="0">
+              <a:buNone/>
+              <a:defRPr sz="1000"/>
+            </a:lvl7pPr>
+            <a:lvl8pPr marL="3200400" indent="0">
+              <a:buNone/>
+              <a:defRPr sz="1000"/>
+            </a:lvl8pPr>
+            <a:lvl9pPr marL="3657600" indent="0">
+              <a:buNone/>
+              <a:defRPr sz="1000"/>
+            </a:lvl9pPr>
+          </a:lstStyle>
+          <a:p>
+            <a:pPr lvl="0"/>
+            <a:r>
+              <a:rPr lang="ru-RU" smtClean="0"/>
+              <a:t>Образец текста</a:t>
+            </a:r>
+          </a:p>
+        </p:txBody>
+      </p:sp>
+      <p:sp>
+        <p:nvSpPr>
+          <p:cNvPr id="4" name="Text Placeholder 3"/>
+          <p:cNvSpPr>
+            <a:spLocks noGrp="1"/>
+          </p:cNvSpPr>
+          <p:nvPr>
+            <p:ph type="body" sz="half" idx="2"/>
+          </p:nvPr>
+        </p:nvSpPr>
+        <p:spPr>
+          <a:xfrm>
+            <a:off x="680322" y="4711615"/>
+            <a:ext cx="9613859" cy="1090789"/>
+          </a:xfrm>
+        </p:spPr>
+        <p:txBody>
+          <a:bodyPr anchor="ctr">
+            <a:normAutofit/>
+          </a:bodyPr>
+          <a:lstStyle>
+            <a:lvl1pPr marL="0" indent="0">
+              <a:buNone/>
+              <a:defRPr sz="1600"/>
+            </a:lvl1pPr>
+            <a:lvl2pPr marL="457200" indent="0">
+              <a:buNone/>
+              <a:defRPr sz="1400"/>
+            </a:lvl2pPr>
+            <a:lvl3pPr marL="914400" indent="0">
+              <a:buNone/>
+              <a:defRPr sz="1200"/>
+            </a:lvl3pPr>
+            <a:lvl4pPr marL="1371600" indent="0">
+              <a:buNone/>
+              <a:defRPr sz="1000"/>
+            </a:lvl4pPr>
+            <a:lvl5pPr marL="1828800" indent="0">
+              <a:buNone/>
+              <a:defRPr sz="1000"/>
+            </a:lvl5pPr>
+            <a:lvl6pPr marL="2286000" indent="0">
+              <a:buNone/>
+              <a:defRPr sz="1000"/>
+            </a:lvl6pPr>
+            <a:lvl7pPr marL="2743200" indent="0">
+              <a:buNone/>
+              <a:defRPr sz="1000"/>
+            </a:lvl7pPr>
+            <a:lvl8pPr marL="3200400" indent="0">
+              <a:buNone/>
+              <a:defRPr sz="1000"/>
+            </a:lvl8pPr>
+            <a:lvl9pPr marL="3657600" indent="0">
+              <a:buNone/>
+              <a:defRPr sz="1000"/>
+            </a:lvl9pPr>
+          </a:lstStyle>
+          <a:p>
+            <a:pPr lvl="0"/>
+            <a:r>
+              <a:rPr lang="ru-RU" smtClean="0"/>
+              <a:t>Образец текста</a:t>
+            </a:r>
+          </a:p>
+        </p:txBody>
+      </p:sp>
+      <p:sp>
+        <p:nvSpPr>
+          <p:cNvPr id="5" name="Date Placeholder 4"/>
+          <p:cNvSpPr>
+            <a:spLocks noGrp="1"/>
+          </p:cNvSpPr>
+          <p:nvPr>
+            <p:ph type="dt" sz="half" idx="10"/>
+          </p:nvPr>
+        </p:nvSpPr>
+        <p:spPr/>
+        <p:txBody>
+          <a:bodyPr/>
+          <a:lstStyle/>
+          <a:p>
+            <a:fld id="{5F1588B9-6F9C-4886-8369-7AAB05E91E2C}" type="datetimeFigureOut">
+              <a:rPr lang="ru-RU" smtClean="0"/>
+              <a:t>24.04.2023</a:t>
+            </a:fld>
+            <a:endParaRPr lang="ru-RU"/>
+          </a:p>
+        </p:txBody>
+      </p:sp>
+      <p:sp>
+        <p:nvSpPr>
+          <p:cNvPr id="6" name="Footer Placeholder 5"/>
+          <p:cNvSpPr>
+            <a:spLocks noGrp="1"/>
+          </p:cNvSpPr>
+          <p:nvPr>
+            <p:ph type="ftr" sz="quarter" idx="11"/>
+          </p:nvPr>
+        </p:nvSpPr>
+        <p:spPr/>
+        <p:txBody>
+          <a:bodyPr/>
+          <a:lstStyle/>
+          <a:p>
+            <a:endParaRPr lang="ru-RU"/>
+          </a:p>
+        </p:txBody>
+      </p:sp>
+      <p:sp>
+        <p:nvSpPr>
+          <p:cNvPr id="7" name="Slide Number Placeholder 6"/>
+          <p:cNvSpPr>
+            <a:spLocks noGrp="1"/>
+          </p:cNvSpPr>
+          <p:nvPr>
+            <p:ph type="sldNum" sz="quarter" idx="12"/>
+          </p:nvPr>
+        </p:nvSpPr>
+        <p:spPr>
+          <a:xfrm>
+            <a:off x="10729455" y="4709925"/>
+            <a:ext cx="1154151" cy="1090789"/>
+          </a:xfrm>
+        </p:spPr>
+        <p:txBody>
+          <a:bodyPr/>
+          <a:lstStyle/>
+          <a:p>
+            <a:fld id="{2F32FABE-11A7-42B5-9E2A-E188CC276047}" type="slidenum">
+              <a:rPr lang="ru-RU" smtClean="0"/>
+              <a:t>‹#›</a:t>
+            </a:fld>
+            <a:endParaRPr lang="ru-RU"/>
+          </a:p>
+        </p:txBody>
+      </p:sp>
+      <p:sp>
+        <p:nvSpPr>
+          <p:cNvPr id="16" name="TextBox 15"/>
+          <p:cNvSpPr txBox="1"/>
+          <p:nvPr/>
+        </p:nvSpPr>
+        <p:spPr>
+          <a:xfrm>
+            <a:off x="583572" y="748116"/>
+            <a:ext cx="609600" cy="584776"/>
+          </a:xfrm>
+          <a:prstGeom prst="rect">
+            <a:avLst/>
+          </a:prstGeom>
+        </p:spPr>
+        <p:txBody>
+          <a:bodyPr vert="horz" lIns="91440" tIns="45720" rIns="91440" bIns="45720" rtlCol="0" anchor="ctr">
+            <a:noAutofit/>
+          </a:bodyPr>
+          <a:lstStyle>
+            <a:lvl1pPr>
+              <a:spcBef>
+                <a:spcPct val="0"/>
+              </a:spcBef>
+              <a:buNone/>
+              <a:defRPr sz="3200" b="0" cap="all">
+                <a:ln w="3175" cmpd="sng">
+                  <a:noFill/>
+                </a:ln>
+                <a:effectLst>
+                  <a:glow rad="38100">
+                    <a:schemeClr val="bg1">
+                      <a:lumMod val="65000"/>
+                      <a:lumOff val="35000"/>
+                      <a:alpha val="40000"/>
+                    </a:schemeClr>
+                  </a:glow>
+                  <a:outerShdw blurRad="28575" dist="38100" dir="14040000" algn="tl" rotWithShape="0">
+                    <a:srgbClr val="000000">
+                      <a:alpha val="25000"/>
+                    </a:srgbClr>
+                  </a:outerShdw>
+                </a:effectLst>
+              </a:defRPr>
+            </a:lvl1pPr>
+            <a:lvl2pPr>
+              <a:defRPr>
+                <a:solidFill>
+                  <a:schemeClr val="tx2"/>
+                </a:solidFill>
+              </a:defRPr>
+            </a:lvl2pPr>
+            <a:lvl3pPr>
+              <a:defRPr>
+                <a:solidFill>
+                  <a:schemeClr val="tx2"/>
+                </a:solidFill>
+              </a:defRPr>
+            </a:lvl3pPr>
+            <a:lvl4pPr>
+              <a:defRPr>
+                <a:solidFill>
+                  <a:schemeClr val="tx2"/>
+                </a:solidFill>
+              </a:defRPr>
+            </a:lvl4pPr>
+            <a:lvl5pPr>
+              <a:defRPr>
+                <a:solidFill>
+                  <a:schemeClr val="tx2"/>
+                </a:solidFill>
+              </a:defRPr>
+            </a:lvl5pPr>
+            <a:lvl6pPr>
+              <a:defRPr>
+                <a:solidFill>
+                  <a:schemeClr val="tx2"/>
+                </a:solidFill>
+              </a:defRPr>
+            </a:lvl6pPr>
+            <a:lvl7pPr>
+              <a:defRPr>
+                <a:solidFill>
+                  <a:schemeClr val="tx2"/>
+                </a:solidFill>
+              </a:defRPr>
+            </a:lvl7pPr>
+            <a:lvl8pPr>
+              <a:defRPr>
+                <a:solidFill>
+                  <a:schemeClr val="tx2"/>
+                </a:solidFill>
+              </a:defRPr>
+            </a:lvl8pPr>
+            <a:lvl9pPr>
+              <a:defRPr>
+                <a:solidFill>
+                  <a:schemeClr val="tx2"/>
+                </a:solidFill>
+              </a:defRPr>
+            </a:lvl9pPr>
+          </a:lstStyle>
+          <a:p>
+            <a:pPr lvl="0"/>
+            <a:r>
+              <a:rPr lang="en-US" sz="7200" dirty="0">
+                <a:solidFill>
+                  <a:schemeClr val="tx1"/>
+                </a:solidFill>
+                <a:effectLst/>
+              </a:rPr>
+              <a:t>“</a:t>
+            </a:r>
+          </a:p>
+        </p:txBody>
+      </p:sp>
+      <p:sp>
+        <p:nvSpPr>
+          <p:cNvPr id="17" name="TextBox 16"/>
+          <p:cNvSpPr txBox="1"/>
+          <p:nvPr/>
+        </p:nvSpPr>
+        <p:spPr>
+          <a:xfrm>
+            <a:off x="9662809" y="3033524"/>
+            <a:ext cx="609600" cy="584776"/>
+          </a:xfrm>
+          <a:prstGeom prst="rect">
+            <a:avLst/>
+          </a:prstGeom>
+        </p:spPr>
+        <p:txBody>
+          <a:bodyPr vert="horz" lIns="91440" tIns="45720" rIns="91440" bIns="45720" rtlCol="0" anchor="ctr">
+            <a:noAutofit/>
+          </a:bodyPr>
+          <a:lstStyle>
+            <a:lvl1pPr>
+              <a:spcBef>
+                <a:spcPct val="0"/>
+              </a:spcBef>
+              <a:buNone/>
+              <a:defRPr sz="3200" b="0" cap="all">
+                <a:ln w="3175" cmpd="sng">
+                  <a:noFill/>
+                </a:ln>
+                <a:effectLst>
+                  <a:glow rad="38100">
+                    <a:schemeClr val="bg1">
+                      <a:lumMod val="65000"/>
+                      <a:lumOff val="35000"/>
+                      <a:alpha val="40000"/>
+                    </a:schemeClr>
+                  </a:glow>
+                  <a:outerShdw blurRad="28575" dist="38100" dir="14040000" algn="tl" rotWithShape="0">
+                    <a:srgbClr val="000000">
+                      <a:alpha val="25000"/>
+                    </a:srgbClr>
+                  </a:outerShdw>
+                </a:effectLst>
+              </a:defRPr>
+            </a:lvl1pPr>
+            <a:lvl2pPr>
+              <a:defRPr>
+                <a:solidFill>
+                  <a:schemeClr val="tx2"/>
+                </a:solidFill>
+              </a:defRPr>
+            </a:lvl2pPr>
+            <a:lvl3pPr>
+              <a:defRPr>
+                <a:solidFill>
+                  <a:schemeClr val="tx2"/>
+                </a:solidFill>
+              </a:defRPr>
+            </a:lvl3pPr>
+            <a:lvl4pPr>
+              <a:defRPr>
+                <a:solidFill>
+                  <a:schemeClr val="tx2"/>
+                </a:solidFill>
+              </a:defRPr>
+            </a:lvl4pPr>
+            <a:lvl5pPr>
+              <a:defRPr>
+                <a:solidFill>
+                  <a:schemeClr val="tx2"/>
+                </a:solidFill>
+              </a:defRPr>
+            </a:lvl5pPr>
+            <a:lvl6pPr>
+              <a:defRPr>
+                <a:solidFill>
+                  <a:schemeClr val="tx2"/>
+                </a:solidFill>
+              </a:defRPr>
+            </a:lvl6pPr>
+            <a:lvl7pPr>
+              <a:defRPr>
+                <a:solidFill>
+                  <a:schemeClr val="tx2"/>
+                </a:solidFill>
+              </a:defRPr>
+            </a:lvl7pPr>
+            <a:lvl8pPr>
+              <a:defRPr>
+                <a:solidFill>
+                  <a:schemeClr val="tx2"/>
+                </a:solidFill>
+              </a:defRPr>
+            </a:lvl8pPr>
+            <a:lvl9pPr>
+              <a:defRPr>
+                <a:solidFill>
+                  <a:schemeClr val="tx2"/>
+                </a:solidFill>
+              </a:defRPr>
+            </a:lvl9pPr>
+          </a:lstStyle>
+          <a:p>
+            <a:pPr lvl="0" algn="r"/>
+            <a:r>
+              <a:rPr lang="en-US" sz="7200" dirty="0">
+                <a:solidFill>
+                  <a:schemeClr val="tx1"/>
+                </a:solidFill>
+                <a:effectLst/>
+              </a:rPr>
+              <a:t>”</a:t>
+            </a:r>
+          </a:p>
+        </p:txBody>
+      </p:sp>
+    </p:spTree>
+    <p:extLst>
+      <p:ext uri="{BB962C8B-B14F-4D97-AF65-F5344CB8AC3E}">
+        <p14:creationId xmlns:p14="http://schemas.microsoft.com/office/powerpoint/2010/main" val="2262918549"/>
+      </p:ext>
+    </p:extLst>
+  </p:cSld>
+  <p:clrMapOvr>
+    <a:masterClrMapping/>
+  </p:clrMapOvr>
+</p:sldLayout>
+</file>
+
+<file path=ppt/slideLayouts/slideLayout13.xml><?xml version="1.0" encoding="utf-8"?>
+<p:sldLayout xmlns:a="http://schemas.openxmlformats.org/drawingml/2006/main" xmlns:r="http://schemas.openxmlformats.org/officeDocument/2006/relationships" xmlns:p="http://schemas.openxmlformats.org/presentationml/2006/main" preserve="1">
+  <p:cSld name="Карточка имени">
+    <p:spTree>
+      <p:nvGrpSpPr>
+        <p:cNvPr id="1" name=""/>
+        <p:cNvGrpSpPr/>
+        <p:nvPr/>
+      </p:nvGrpSpPr>
+      <p:grpSpPr>
+        <a:xfrm>
+          <a:off x="0" y="0"/>
+          <a:ext cx="0" cy="0"/>
+          <a:chOff x="0" y="0"/>
+          <a:chExt cx="0" cy="0"/>
+        </a:xfrm>
+      </p:grpSpPr>
+      <p:pic>
+        <p:nvPicPr>
+          <p:cNvPr id="9" name="Picture 8" descr="HD-ShadowLong.png"/>
+          <p:cNvPicPr>
+            <a:picLocks noChangeAspect="1"/>
+          </p:cNvPicPr>
+          <p:nvPr/>
+        </p:nvPicPr>
+        <p:blipFill>
+          <a:blip r:embed="rId2">
+            <a:extLst>
+              <a:ext uri="{28A0092B-C50C-407E-A947-70E740481C1C}">
+                <a14:useLocalDpi xmlns:a14="http://schemas.microsoft.com/office/drawing/2010/main" val="0"/>
+              </a:ext>
+            </a:extLst>
+          </a:blip>
+          <a:stretch>
+            <a:fillRect/>
+          </a:stretch>
+        </p:blipFill>
+        <p:spPr>
+          <a:xfrm>
+            <a:off x="1" y="5928628"/>
+            <a:ext cx="10437812" cy="321164"/>
+          </a:xfrm>
+          <a:prstGeom prst="rect">
+            <a:avLst/>
+          </a:prstGeom>
+        </p:spPr>
+      </p:pic>
+      <p:pic>
+        <p:nvPicPr>
+          <p:cNvPr id="10" name="Picture 9" descr="HD-ShadowShort.png"/>
+          <p:cNvPicPr>
+            <a:picLocks noChangeAspect="1"/>
+          </p:cNvPicPr>
+          <p:nvPr/>
+        </p:nvPicPr>
+        <p:blipFill>
+          <a:blip r:embed="rId3" cstate="print">
+            <a:extLst>
+              <a:ext uri="{28A0092B-C50C-407E-A947-70E740481C1C}">
+                <a14:useLocalDpi xmlns:a14="http://schemas.microsoft.com/office/drawing/2010/main" val="0"/>
+              </a:ext>
+            </a:extLst>
+          </a:blip>
+          <a:stretch>
+            <a:fillRect/>
+          </a:stretch>
+        </p:blipFill>
+        <p:spPr>
+          <a:xfrm>
+            <a:off x="10585826" y="5929622"/>
+            <a:ext cx="1602997" cy="144270"/>
+          </a:xfrm>
+          <a:prstGeom prst="rect">
+            <a:avLst/>
+          </a:prstGeom>
+        </p:spPr>
+      </p:pic>
+      <p:sp>
+        <p:nvSpPr>
+          <p:cNvPr id="11" name="Rectangle 10"/>
+          <p:cNvSpPr/>
+          <p:nvPr/>
+        </p:nvSpPr>
+        <p:spPr bwMode="ltGray">
+          <a:xfrm>
+            <a:off x="0" y="4567988"/>
+            <a:ext cx="10437812" cy="1368198"/>
+          </a:xfrm>
+          <a:prstGeom prst="rect">
+            <a:avLst/>
+          </a:prstGeom>
+          <a:solidFill>
+            <a:schemeClr val="bg1">
+              <a:lumMod val="85000"/>
+              <a:lumOff val="15000"/>
+            </a:schemeClr>
+          </a:solidFill>
+          <a:ln>
+            <a:noFill/>
+          </a:ln>
+        </p:spPr>
+        <p:style>
+          <a:lnRef idx="2">
+            <a:schemeClr val="accent1">
+              <a:shade val="50000"/>
+            </a:schemeClr>
+          </a:lnRef>
+          <a:fillRef idx="1">
+            <a:schemeClr val="accent1"/>
+          </a:fillRef>
+          <a:effectRef idx="0">
+            <a:schemeClr val="accent1"/>
+          </a:effectRef>
+          <a:fontRef idx="minor">
+            <a:schemeClr val="lt1"/>
+          </a:fontRef>
+        </p:style>
+      </p:sp>
+      <p:sp>
+        <p:nvSpPr>
+          <p:cNvPr id="12" name="Rectangle 11"/>
+          <p:cNvSpPr/>
+          <p:nvPr/>
+        </p:nvSpPr>
+        <p:spPr>
+          <a:xfrm>
+            <a:off x="10585827" y="4567988"/>
+            <a:ext cx="1602997" cy="1368198"/>
+          </a:xfrm>
+          <a:prstGeom prst="rect">
+            <a:avLst/>
+          </a:prstGeom>
+          <a:solidFill>
+            <a:schemeClr val="accent1"/>
+          </a:solidFill>
+          <a:ln>
+            <a:noFill/>
+          </a:ln>
+        </p:spPr>
+        <p:style>
+          <a:lnRef idx="2">
+            <a:schemeClr val="accent1">
+              <a:shade val="50000"/>
+            </a:schemeClr>
+          </a:lnRef>
+          <a:fillRef idx="1">
+            <a:schemeClr val="accent1"/>
+          </a:fillRef>
+          <a:effectRef idx="0">
+            <a:schemeClr val="accent1"/>
+          </a:effectRef>
+          <a:fontRef idx="minor">
+            <a:schemeClr val="lt1"/>
+          </a:fontRef>
+        </p:style>
+      </p:sp>
+      <p:sp>
+        <p:nvSpPr>
+          <p:cNvPr id="2" name="Title 1"/>
+          <p:cNvSpPr>
+            <a:spLocks noGrp="1"/>
+          </p:cNvSpPr>
+          <p:nvPr>
+            <p:ph type="title"/>
+          </p:nvPr>
+        </p:nvSpPr>
+        <p:spPr>
+          <a:xfrm>
+            <a:off x="680319" y="4711615"/>
+            <a:ext cx="9613862" cy="588535"/>
+          </a:xfrm>
+        </p:spPr>
+        <p:txBody>
+          <a:bodyPr anchor="b"/>
+          <a:lstStyle>
+            <a:lvl1pPr>
+              <a:defRPr sz="3200"/>
+            </a:lvl1pPr>
+          </a:lstStyle>
+          <a:p>
+            <a:r>
+              <a:rPr lang="ru-RU" smtClean="0"/>
+              <a:t>Образец заголовка</a:t>
+            </a:r>
+            <a:endParaRPr lang="en-US" dirty="0"/>
+          </a:p>
+        </p:txBody>
+      </p:sp>
+      <p:sp>
+        <p:nvSpPr>
+          <p:cNvPr id="4" name="Text Placeholder 3"/>
+          <p:cNvSpPr>
+            <a:spLocks noGrp="1"/>
+          </p:cNvSpPr>
+          <p:nvPr>
+            <p:ph type="body" sz="half" idx="2"/>
+          </p:nvPr>
+        </p:nvSpPr>
+        <p:spPr>
+          <a:xfrm>
+            <a:off x="680320" y="5300149"/>
+            <a:ext cx="9613862" cy="502255"/>
+          </a:xfrm>
+        </p:spPr>
+        <p:txBody>
+          <a:bodyPr anchor="t"/>
+          <a:lstStyle>
+            <a:lvl1pPr marL="0" indent="0">
+              <a:buNone/>
+              <a:defRPr sz="1600"/>
+            </a:lvl1pPr>
+            <a:lvl2pPr marL="457200" indent="0">
+              <a:buNone/>
+              <a:defRPr sz="1400"/>
+            </a:lvl2pPr>
+            <a:lvl3pPr marL="914400" indent="0">
+              <a:buNone/>
+              <a:defRPr sz="1200"/>
+            </a:lvl3pPr>
+            <a:lvl4pPr marL="1371600" indent="0">
+              <a:buNone/>
+              <a:defRPr sz="1000"/>
+            </a:lvl4pPr>
+            <a:lvl5pPr marL="1828800" indent="0">
+              <a:buNone/>
+              <a:defRPr sz="1000"/>
+            </a:lvl5pPr>
+            <a:lvl6pPr marL="2286000" indent="0">
+              <a:buNone/>
+              <a:defRPr sz="1000"/>
+            </a:lvl6pPr>
+            <a:lvl7pPr marL="2743200" indent="0">
+              <a:buNone/>
+              <a:defRPr sz="1000"/>
+            </a:lvl7pPr>
+            <a:lvl8pPr marL="3200400" indent="0">
+              <a:buNone/>
+              <a:defRPr sz="1000"/>
+            </a:lvl8pPr>
+            <a:lvl9pPr marL="3657600" indent="0">
+              <a:buNone/>
+              <a:defRPr sz="1000"/>
+            </a:lvl9pPr>
+          </a:lstStyle>
+          <a:p>
+            <a:pPr lvl="0"/>
+            <a:r>
+              <a:rPr lang="ru-RU" smtClean="0"/>
+              <a:t>Образец текста</a:t>
+            </a:r>
+          </a:p>
+        </p:txBody>
+      </p:sp>
+      <p:sp>
+        <p:nvSpPr>
+          <p:cNvPr id="5" name="Date Placeholder 4"/>
+          <p:cNvSpPr>
+            <a:spLocks noGrp="1"/>
+          </p:cNvSpPr>
+          <p:nvPr>
+            <p:ph type="dt" sz="half" idx="10"/>
+          </p:nvPr>
+        </p:nvSpPr>
+        <p:spPr/>
+        <p:txBody>
+          <a:bodyPr/>
+          <a:lstStyle/>
+          <a:p>
+            <a:fld id="{5F1588B9-6F9C-4886-8369-7AAB05E91E2C}" type="datetimeFigureOut">
+              <a:rPr lang="ru-RU" smtClean="0"/>
+              <a:t>24.04.2023</a:t>
+            </a:fld>
+            <a:endParaRPr lang="ru-RU"/>
+          </a:p>
+        </p:txBody>
+      </p:sp>
+      <p:sp>
+        <p:nvSpPr>
+          <p:cNvPr id="6" name="Footer Placeholder 5"/>
+          <p:cNvSpPr>
+            <a:spLocks noGrp="1"/>
+          </p:cNvSpPr>
+          <p:nvPr>
+            <p:ph type="ftr" sz="quarter" idx="11"/>
+          </p:nvPr>
+        </p:nvSpPr>
+        <p:spPr/>
+        <p:txBody>
+          <a:bodyPr/>
+          <a:lstStyle/>
+          <a:p>
+            <a:endParaRPr lang="ru-RU"/>
+          </a:p>
+        </p:txBody>
+      </p:sp>
+      <p:sp>
+        <p:nvSpPr>
+          <p:cNvPr id="7" name="Slide Number Placeholder 6"/>
+          <p:cNvSpPr>
+            <a:spLocks noGrp="1"/>
+          </p:cNvSpPr>
+          <p:nvPr>
+            <p:ph type="sldNum" sz="quarter" idx="12"/>
+          </p:nvPr>
+        </p:nvSpPr>
+        <p:spPr>
+          <a:xfrm>
+            <a:off x="10729455" y="4709925"/>
+            <a:ext cx="1154151" cy="1090789"/>
+          </a:xfrm>
+        </p:spPr>
+        <p:txBody>
+          <a:bodyPr/>
+          <a:lstStyle/>
+          <a:p>
+            <a:fld id="{2F32FABE-11A7-42B5-9E2A-E188CC276047}" type="slidenum">
+              <a:rPr lang="ru-RU" smtClean="0"/>
+              <a:t>‹#›</a:t>
+            </a:fld>
+            <a:endParaRPr lang="ru-RU"/>
+          </a:p>
+        </p:txBody>
+      </p:sp>
+    </p:spTree>
+    <p:extLst>
+      <p:ext uri="{BB962C8B-B14F-4D97-AF65-F5344CB8AC3E}">
+        <p14:creationId xmlns:p14="http://schemas.microsoft.com/office/powerpoint/2010/main" val="2496087347"/>
+      </p:ext>
+    </p:extLst>
+  </p:cSld>
+  <p:clrMapOvr>
+    <a:masterClrMapping/>
+  </p:clrMapOvr>
+</p:sldLayout>
+</file>
+
+<file path=ppt/slideLayouts/slideLayout14.xml><?xml version="1.0" encoding="utf-8"?>
+<p:sldLayout xmlns:a="http://schemas.openxmlformats.org/drawingml/2006/main" xmlns:r="http://schemas.openxmlformats.org/officeDocument/2006/relationships" xmlns:p="http://schemas.openxmlformats.org/presentationml/2006/main" preserve="1">
+  <p:cSld name="Три колонки">
+    <p:spTree>
+      <p:nvGrpSpPr>
+        <p:cNvPr id="1" name=""/>
+        <p:cNvGrpSpPr/>
+        <p:nvPr/>
+      </p:nvGrpSpPr>
+      <p:grpSpPr>
+        <a:xfrm>
+          <a:off x="0" y="0"/>
+          <a:ext cx="0" cy="0"/>
+          <a:chOff x="0" y="0"/>
+          <a:chExt cx="0" cy="0"/>
+        </a:xfrm>
+      </p:grpSpPr>
+      <p:pic>
+        <p:nvPicPr>
+          <p:cNvPr id="13" name="Picture 12" descr="HD-ShadowLong.png"/>
+          <p:cNvPicPr>
+            <a:picLocks noChangeAspect="1"/>
+          </p:cNvPicPr>
+          <p:nvPr/>
+        </p:nvPicPr>
+        <p:blipFill>
+          <a:blip r:embed="rId2">
+            <a:extLst>
+              <a:ext uri="{28A0092B-C50C-407E-A947-70E740481C1C}">
+                <a14:useLocalDpi xmlns:a14="http://schemas.microsoft.com/office/drawing/2010/main" val="0"/>
+              </a:ext>
+            </a:extLst>
+          </a:blip>
+          <a:stretch>
+            <a:fillRect/>
+          </a:stretch>
+        </p:blipFill>
+        <p:spPr>
+          <a:xfrm>
+            <a:off x="1" y="1970240"/>
+            <a:ext cx="10437812" cy="321164"/>
+          </a:xfrm>
+          <a:prstGeom prst="rect">
+            <a:avLst/>
+          </a:prstGeom>
+        </p:spPr>
+      </p:pic>
+      <p:pic>
+        <p:nvPicPr>
+          <p:cNvPr id="14" name="Picture 13" descr="HD-ShadowShort.png"/>
+          <p:cNvPicPr>
+            <a:picLocks noChangeAspect="1"/>
+          </p:cNvPicPr>
+          <p:nvPr/>
+        </p:nvPicPr>
+        <p:blipFill>
+          <a:blip r:embed="rId3" cstate="print">
+            <a:extLst>
+              <a:ext uri="{28A0092B-C50C-407E-A947-70E740481C1C}">
+                <a14:useLocalDpi xmlns:a14="http://schemas.microsoft.com/office/drawing/2010/main" val="0"/>
+              </a:ext>
+            </a:extLst>
+          </a:blip>
+          <a:stretch>
+            <a:fillRect/>
+          </a:stretch>
+        </p:blipFill>
+        <p:spPr>
+          <a:xfrm>
+            <a:off x="10585826" y="1971234"/>
+            <a:ext cx="1602997" cy="144270"/>
+          </a:xfrm>
+          <a:prstGeom prst="rect">
+            <a:avLst/>
+          </a:prstGeom>
+        </p:spPr>
+      </p:pic>
+      <p:sp>
+        <p:nvSpPr>
+          <p:cNvPr id="16" name="Rectangle 15"/>
+          <p:cNvSpPr/>
+          <p:nvPr/>
+        </p:nvSpPr>
+        <p:spPr bwMode="ltGray">
+          <a:xfrm>
+            <a:off x="0" y="609600"/>
+            <a:ext cx="10437812" cy="1368198"/>
+          </a:xfrm>
+          <a:prstGeom prst="rect">
+            <a:avLst/>
+          </a:prstGeom>
+          <a:solidFill>
+            <a:schemeClr val="bg1">
+              <a:lumMod val="85000"/>
+              <a:lumOff val="15000"/>
+            </a:schemeClr>
+          </a:solidFill>
+          <a:ln>
+            <a:noFill/>
+          </a:ln>
+        </p:spPr>
+        <p:style>
+          <a:lnRef idx="2">
+            <a:schemeClr val="accent1">
+              <a:shade val="50000"/>
+            </a:schemeClr>
+          </a:lnRef>
+          <a:fillRef idx="1">
+            <a:schemeClr val="accent1"/>
+          </a:fillRef>
+          <a:effectRef idx="0">
+            <a:schemeClr val="accent1"/>
+          </a:effectRef>
+          <a:fontRef idx="minor">
+            <a:schemeClr val="lt1"/>
+          </a:fontRef>
+        </p:style>
+      </p:sp>
+      <p:sp>
+        <p:nvSpPr>
+          <p:cNvPr id="17" name="Rectangle 16"/>
+          <p:cNvSpPr/>
+          <p:nvPr/>
+        </p:nvSpPr>
+        <p:spPr>
+          <a:xfrm>
+            <a:off x="10585827" y="609600"/>
+            <a:ext cx="1602997" cy="1368198"/>
+          </a:xfrm>
+          <a:prstGeom prst="rect">
+            <a:avLst/>
+          </a:prstGeom>
+          <a:solidFill>
+            <a:schemeClr val="accent1"/>
+          </a:solidFill>
+          <a:ln>
+            <a:noFill/>
+          </a:ln>
+        </p:spPr>
+        <p:style>
+          <a:lnRef idx="2">
+            <a:schemeClr val="accent1">
+              <a:shade val="50000"/>
+            </a:schemeClr>
+          </a:lnRef>
+          <a:fillRef idx="1">
+            <a:schemeClr val="accent1"/>
+          </a:fillRef>
+          <a:effectRef idx="0">
+            <a:schemeClr val="accent1"/>
+          </a:effectRef>
+          <a:fontRef idx="minor">
+            <a:schemeClr val="lt1"/>
+          </a:fontRef>
+        </p:style>
+      </p:sp>
+      <p:sp>
+        <p:nvSpPr>
+          <p:cNvPr id="15" name="Title 1"/>
+          <p:cNvSpPr>
+            <a:spLocks noGrp="1"/>
+          </p:cNvSpPr>
+          <p:nvPr>
+            <p:ph type="title"/>
+          </p:nvPr>
+        </p:nvSpPr>
+        <p:spPr>
+          <a:xfrm>
+            <a:off x="669222" y="753228"/>
+            <a:ext cx="9624960" cy="1080938"/>
+          </a:xfrm>
+        </p:spPr>
+        <p:txBody>
+          <a:bodyPr/>
+          <a:lstStyle/>
+          <a:p>
+            <a:r>
+              <a:rPr lang="ru-RU" smtClean="0"/>
+              <a:t>Образец заголовка</a:t>
+            </a:r>
+            <a:endParaRPr lang="en-US" dirty="0"/>
+          </a:p>
+        </p:txBody>
+      </p:sp>
+      <p:sp>
+        <p:nvSpPr>
+          <p:cNvPr id="7" name="Text Placeholder 2"/>
+          <p:cNvSpPr>
+            <a:spLocks noGrp="1"/>
+          </p:cNvSpPr>
+          <p:nvPr>
+            <p:ph type="body" idx="1"/>
+          </p:nvPr>
+        </p:nvSpPr>
+        <p:spPr>
+          <a:xfrm>
+            <a:off x="660946" y="2336873"/>
+            <a:ext cx="3070034" cy="576262"/>
+          </a:xfrm>
+        </p:spPr>
+        <p:txBody>
+          <a:bodyPr anchor="b">
+            <a:noAutofit/>
+          </a:bodyPr>
+          <a:lstStyle>
+            <a:lvl1pPr marL="0" indent="0">
+              <a:buNone/>
+              <a:defRPr sz="2400" b="0">
+                <a:solidFill>
+                  <a:schemeClr val="tx1"/>
+                </a:solidFill>
+              </a:defRPr>
+            </a:lvl1pPr>
+            <a:lvl2pPr marL="457200" indent="0">
+              <a:buNone/>
+              <a:defRPr sz="2000" b="1"/>
+            </a:lvl2pPr>
+            <a:lvl3pPr marL="914400" indent="0">
+              <a:buNone/>
+              <a:defRPr sz="1800" b="1"/>
+            </a:lvl3pPr>
+            <a:lvl4pPr marL="1371600" indent="0">
+              <a:buNone/>
+              <a:defRPr sz="1600" b="1"/>
+            </a:lvl4pPr>
+            <a:lvl5pPr marL="1828800" indent="0">
+              <a:buNone/>
+              <a:defRPr sz="1600" b="1"/>
+            </a:lvl5pPr>
+            <a:lvl6pPr marL="2286000" indent="0">
+              <a:buNone/>
+              <a:defRPr sz="1600" b="1"/>
+            </a:lvl6pPr>
+            <a:lvl7pPr marL="2743200" indent="0">
+              <a:buNone/>
+              <a:defRPr sz="1600" b="1"/>
+            </a:lvl7pPr>
+            <a:lvl8pPr marL="3200400" indent="0">
+              <a:buNone/>
+              <a:defRPr sz="1600" b="1"/>
+            </a:lvl8pPr>
+            <a:lvl9pPr marL="3657600" indent="0">
+              <a:buNone/>
+              <a:defRPr sz="1600" b="1"/>
+            </a:lvl9pPr>
+          </a:lstStyle>
+          <a:p>
+            <a:pPr lvl="0"/>
+            <a:r>
+              <a:rPr lang="ru-RU" smtClean="0"/>
+              <a:t>Образец текста</a:t>
+            </a:r>
+          </a:p>
+        </p:txBody>
+      </p:sp>
+      <p:sp>
+        <p:nvSpPr>
+          <p:cNvPr id="8" name="Text Placeholder 3"/>
+          <p:cNvSpPr>
+            <a:spLocks noGrp="1"/>
+          </p:cNvSpPr>
+          <p:nvPr>
+            <p:ph type="body" sz="half" idx="15"/>
+          </p:nvPr>
+        </p:nvSpPr>
+        <p:spPr>
+          <a:xfrm>
+            <a:off x="680322" y="3022673"/>
+            <a:ext cx="3049702" cy="2913513"/>
+          </a:xfrm>
+        </p:spPr>
+        <p:txBody>
+          <a:bodyPr anchor="t">
+            <a:normAutofit/>
+          </a:bodyPr>
+          <a:lstStyle>
+            <a:lvl1pPr marL="0" indent="0">
+              <a:buNone/>
+              <a:defRPr sz="1400"/>
+            </a:lvl1pPr>
+            <a:lvl2pPr marL="457200" indent="0">
+              <a:buNone/>
+              <a:defRPr sz="1200"/>
+            </a:lvl2pPr>
+            <a:lvl3pPr marL="914400" indent="0">
+              <a:buNone/>
+              <a:defRPr sz="1000"/>
+            </a:lvl3pPr>
+            <a:lvl4pPr marL="1371600" indent="0">
+              <a:buNone/>
+              <a:defRPr sz="900"/>
+            </a:lvl4pPr>
+            <a:lvl5pPr marL="1828800" indent="0">
+              <a:buNone/>
+              <a:defRPr sz="900"/>
+            </a:lvl5pPr>
+            <a:lvl6pPr marL="2286000" indent="0">
+              <a:buNone/>
+              <a:defRPr sz="900"/>
+            </a:lvl6pPr>
+            <a:lvl7pPr marL="2743200" indent="0">
+              <a:buNone/>
+              <a:defRPr sz="900"/>
+            </a:lvl7pPr>
+            <a:lvl8pPr marL="3200400" indent="0">
+              <a:buNone/>
+              <a:defRPr sz="900"/>
+            </a:lvl8pPr>
+            <a:lvl9pPr marL="3657600" indent="0">
+              <a:buNone/>
+              <a:defRPr sz="900"/>
+            </a:lvl9pPr>
+          </a:lstStyle>
+          <a:p>
+            <a:pPr lvl="0"/>
+            <a:r>
+              <a:rPr lang="ru-RU" smtClean="0"/>
+              <a:t>Образец текста</a:t>
+            </a:r>
+          </a:p>
+        </p:txBody>
+      </p:sp>
+      <p:sp>
+        <p:nvSpPr>
+          <p:cNvPr id="9" name="Text Placeholder 4"/>
+          <p:cNvSpPr>
+            <a:spLocks noGrp="1"/>
+          </p:cNvSpPr>
+          <p:nvPr>
+            <p:ph type="body" sz="quarter" idx="3"/>
+          </p:nvPr>
+        </p:nvSpPr>
+        <p:spPr>
+          <a:xfrm>
+            <a:off x="3956025" y="2336873"/>
+            <a:ext cx="3063240" cy="576262"/>
+          </a:xfrm>
+        </p:spPr>
+        <p:txBody>
+          <a:bodyPr anchor="b">
+            <a:noAutofit/>
+          </a:bodyPr>
+          <a:lstStyle>
+            <a:lvl1pPr marL="0" indent="0">
+              <a:buNone/>
+              <a:defRPr sz="2400" b="0">
+                <a:solidFill>
+                  <a:schemeClr val="tx1"/>
+                </a:solidFill>
+              </a:defRPr>
+            </a:lvl1pPr>
+            <a:lvl2pPr marL="457200" indent="0">
+              <a:buNone/>
+              <a:defRPr sz="2000" b="1"/>
+            </a:lvl2pPr>
+            <a:lvl3pPr marL="914400" indent="0">
+              <a:buNone/>
+              <a:defRPr sz="1800" b="1"/>
+            </a:lvl3pPr>
+            <a:lvl4pPr marL="1371600" indent="0">
+              <a:buNone/>
+              <a:defRPr sz="1600" b="1"/>
+            </a:lvl4pPr>
+            <a:lvl5pPr marL="1828800" indent="0">
+              <a:buNone/>
+              <a:defRPr sz="1600" b="1"/>
+            </a:lvl5pPr>
+            <a:lvl6pPr marL="2286000" indent="0">
+              <a:buNone/>
+              <a:defRPr sz="1600" b="1"/>
+            </a:lvl6pPr>
+            <a:lvl7pPr marL="2743200" indent="0">
+              <a:buNone/>
+              <a:defRPr sz="1600" b="1"/>
+            </a:lvl7pPr>
+            <a:lvl8pPr marL="3200400" indent="0">
+              <a:buNone/>
+              <a:defRPr sz="1600" b="1"/>
+            </a:lvl8pPr>
+            <a:lvl9pPr marL="3657600" indent="0">
+              <a:buNone/>
+              <a:defRPr sz="1600" b="1"/>
+            </a:lvl9pPr>
+          </a:lstStyle>
+          <a:p>
+            <a:pPr lvl="0"/>
+            <a:r>
+              <a:rPr lang="ru-RU" smtClean="0"/>
+              <a:t>Образец текста</a:t>
+            </a:r>
+          </a:p>
+        </p:txBody>
+      </p:sp>
+      <p:sp>
+        <p:nvSpPr>
+          <p:cNvPr id="10" name="Text Placeholder 3"/>
+          <p:cNvSpPr>
+            <a:spLocks noGrp="1"/>
+          </p:cNvSpPr>
+          <p:nvPr>
+            <p:ph type="body" sz="half" idx="16"/>
+          </p:nvPr>
+        </p:nvSpPr>
+        <p:spPr>
+          <a:xfrm>
+            <a:off x="3945470" y="3022673"/>
+            <a:ext cx="3063240" cy="2913513"/>
+          </a:xfrm>
+        </p:spPr>
+        <p:txBody>
+          <a:bodyPr anchor="t">
+            <a:normAutofit/>
+          </a:bodyPr>
+          <a:lstStyle>
+            <a:lvl1pPr marL="0" indent="0">
+              <a:buNone/>
+              <a:defRPr sz="1400"/>
+            </a:lvl1pPr>
+            <a:lvl2pPr marL="457200" indent="0">
+              <a:buNone/>
+              <a:defRPr sz="1200"/>
+            </a:lvl2pPr>
+            <a:lvl3pPr marL="914400" indent="0">
+              <a:buNone/>
+              <a:defRPr sz="1000"/>
+            </a:lvl3pPr>
+            <a:lvl4pPr marL="1371600" indent="0">
+              <a:buNone/>
+              <a:defRPr sz="900"/>
+            </a:lvl4pPr>
+            <a:lvl5pPr marL="1828800" indent="0">
+              <a:buNone/>
+              <a:defRPr sz="900"/>
+            </a:lvl5pPr>
+            <a:lvl6pPr marL="2286000" indent="0">
+              <a:buNone/>
+              <a:defRPr sz="900"/>
+            </a:lvl6pPr>
+            <a:lvl7pPr marL="2743200" indent="0">
+              <a:buNone/>
+              <a:defRPr sz="900"/>
+            </a:lvl7pPr>
+            <a:lvl8pPr marL="3200400" indent="0">
+              <a:buNone/>
+              <a:defRPr sz="900"/>
+            </a:lvl8pPr>
+            <a:lvl9pPr marL="3657600" indent="0">
+              <a:buNone/>
+              <a:defRPr sz="900"/>
+            </a:lvl9pPr>
+          </a:lstStyle>
+          <a:p>
+            <a:pPr lvl="0"/>
+            <a:r>
+              <a:rPr lang="ru-RU" smtClean="0"/>
+              <a:t>Образец текста</a:t>
+            </a:r>
+          </a:p>
+        </p:txBody>
+      </p:sp>
+      <p:sp>
+        <p:nvSpPr>
+          <p:cNvPr id="11" name="Text Placeholder 4"/>
+          <p:cNvSpPr>
+            <a:spLocks noGrp="1"/>
+          </p:cNvSpPr>
+          <p:nvPr>
+            <p:ph type="body" sz="quarter" idx="13"/>
+          </p:nvPr>
+        </p:nvSpPr>
+        <p:spPr>
+          <a:xfrm>
+            <a:off x="7224156" y="2336873"/>
+            <a:ext cx="3070025" cy="576262"/>
+          </a:xfrm>
+        </p:spPr>
+        <p:txBody>
+          <a:bodyPr anchor="b">
+            <a:noAutofit/>
+          </a:bodyPr>
+          <a:lstStyle>
+            <a:lvl1pPr marL="0" indent="0">
+              <a:buNone/>
+              <a:defRPr sz="2400" b="0">
+                <a:solidFill>
+                  <a:schemeClr val="tx1"/>
+                </a:solidFill>
+              </a:defRPr>
+            </a:lvl1pPr>
+            <a:lvl2pPr marL="457200" indent="0">
+              <a:buNone/>
+              <a:defRPr sz="2000" b="1"/>
+            </a:lvl2pPr>
+            <a:lvl3pPr marL="914400" indent="0">
+              <a:buNone/>
+              <a:defRPr sz="1800" b="1"/>
+            </a:lvl3pPr>
+            <a:lvl4pPr marL="1371600" indent="0">
+              <a:buNone/>
+              <a:defRPr sz="1600" b="1"/>
+            </a:lvl4pPr>
+            <a:lvl5pPr marL="1828800" indent="0">
+              <a:buNone/>
+              <a:defRPr sz="1600" b="1"/>
+            </a:lvl5pPr>
+            <a:lvl6pPr marL="2286000" indent="0">
+              <a:buNone/>
+              <a:defRPr sz="1600" b="1"/>
+            </a:lvl6pPr>
+            <a:lvl7pPr marL="2743200" indent="0">
+              <a:buNone/>
+              <a:defRPr sz="1600" b="1"/>
+            </a:lvl7pPr>
+            <a:lvl8pPr marL="3200400" indent="0">
+              <a:buNone/>
+              <a:defRPr sz="1600" b="1"/>
+            </a:lvl8pPr>
+            <a:lvl9pPr marL="3657600" indent="0">
+              <a:buNone/>
+              <a:defRPr sz="1600" b="1"/>
+            </a:lvl9pPr>
+          </a:lstStyle>
+          <a:p>
+            <a:pPr lvl="0"/>
+            <a:r>
+              <a:rPr lang="ru-RU" smtClean="0"/>
+              <a:t>Образец текста</a:t>
+            </a:r>
+          </a:p>
+        </p:txBody>
+      </p:sp>
+      <p:sp>
+        <p:nvSpPr>
+          <p:cNvPr id="12" name="Text Placeholder 3"/>
+          <p:cNvSpPr>
+            <a:spLocks noGrp="1"/>
+          </p:cNvSpPr>
+          <p:nvPr>
+            <p:ph type="body" sz="half" idx="17"/>
+          </p:nvPr>
+        </p:nvSpPr>
+        <p:spPr>
+          <a:xfrm>
+            <a:off x="7224156" y="3022673"/>
+            <a:ext cx="3070025" cy="2913513"/>
+          </a:xfrm>
+        </p:spPr>
+        <p:txBody>
+          <a:bodyPr anchor="t">
+            <a:normAutofit/>
+          </a:bodyPr>
+          <a:lstStyle>
+            <a:lvl1pPr marL="0" indent="0">
+              <a:buNone/>
+              <a:defRPr sz="1400"/>
+            </a:lvl1pPr>
+            <a:lvl2pPr marL="457200" indent="0">
+              <a:buNone/>
+              <a:defRPr sz="1200"/>
+            </a:lvl2pPr>
+            <a:lvl3pPr marL="914400" indent="0">
+              <a:buNone/>
+              <a:defRPr sz="1000"/>
+            </a:lvl3pPr>
+            <a:lvl4pPr marL="1371600" indent="0">
+              <a:buNone/>
+              <a:defRPr sz="900"/>
+            </a:lvl4pPr>
+            <a:lvl5pPr marL="1828800" indent="0">
+              <a:buNone/>
+              <a:defRPr sz="900"/>
+            </a:lvl5pPr>
+            <a:lvl6pPr marL="2286000" indent="0">
+              <a:buNone/>
+              <a:defRPr sz="900"/>
+            </a:lvl6pPr>
+            <a:lvl7pPr marL="2743200" indent="0">
+              <a:buNone/>
+              <a:defRPr sz="900"/>
+            </a:lvl7pPr>
+            <a:lvl8pPr marL="3200400" indent="0">
+              <a:buNone/>
+              <a:defRPr sz="900"/>
+            </a:lvl8pPr>
+            <a:lvl9pPr marL="3657600" indent="0">
+              <a:buNone/>
+              <a:defRPr sz="900"/>
+            </a:lvl9pPr>
+          </a:lstStyle>
+          <a:p>
+            <a:pPr lvl="0"/>
+            <a:r>
+              <a:rPr lang="ru-RU" smtClean="0"/>
+              <a:t>Образец текста</a:t>
+            </a:r>
+          </a:p>
+        </p:txBody>
+      </p:sp>
+      <p:sp>
+        <p:nvSpPr>
+          <p:cNvPr id="3" name="Date Placeholder 2"/>
+          <p:cNvSpPr>
+            <a:spLocks noGrp="1"/>
+          </p:cNvSpPr>
+          <p:nvPr>
+            <p:ph type="dt" sz="half" idx="10"/>
+          </p:nvPr>
+        </p:nvSpPr>
+        <p:spPr/>
+        <p:txBody>
+          <a:bodyPr/>
+          <a:lstStyle/>
+          <a:p>
+            <a:fld id="{5F1588B9-6F9C-4886-8369-7AAB05E91E2C}" type="datetimeFigureOut">
+              <a:rPr lang="ru-RU" smtClean="0"/>
+              <a:t>24.04.2023</a:t>
+            </a:fld>
+            <a:endParaRPr lang="ru-RU"/>
+          </a:p>
+        </p:txBody>
+      </p:sp>
+      <p:sp>
+        <p:nvSpPr>
+          <p:cNvPr id="4" name="Footer Placeholder 3"/>
+          <p:cNvSpPr>
+            <a:spLocks noGrp="1"/>
+          </p:cNvSpPr>
+          <p:nvPr>
+            <p:ph type="ftr" sz="quarter" idx="11"/>
+          </p:nvPr>
+        </p:nvSpPr>
+        <p:spPr/>
+        <p:txBody>
+          <a:bodyPr/>
+          <a:lstStyle/>
+          <a:p>
+            <a:endParaRPr lang="ru-RU"/>
+          </a:p>
+        </p:txBody>
+      </p:sp>
+      <p:sp>
+        <p:nvSpPr>
+          <p:cNvPr id="5" name="Slide Number Placeholder 4"/>
+          <p:cNvSpPr>
+            <a:spLocks noGrp="1"/>
+          </p:cNvSpPr>
+          <p:nvPr>
+            <p:ph type="sldNum" sz="quarter" idx="12"/>
+          </p:nvPr>
+        </p:nvSpPr>
+        <p:spPr/>
+        <p:txBody>
+          <a:bodyPr/>
+          <a:lstStyle/>
+          <a:p>
+            <a:fld id="{2F32FABE-11A7-42B5-9E2A-E188CC276047}" type="slidenum">
+              <a:rPr lang="ru-RU" smtClean="0"/>
+              <a:t>‹#›</a:t>
+            </a:fld>
+            <a:endParaRPr lang="ru-RU"/>
+          </a:p>
+        </p:txBody>
+      </p:sp>
+    </p:spTree>
+    <p:extLst>
+      <p:ext uri="{BB962C8B-B14F-4D97-AF65-F5344CB8AC3E}">
+        <p14:creationId xmlns:p14="http://schemas.microsoft.com/office/powerpoint/2010/main" val="3331499587"/>
+      </p:ext>
+    </p:extLst>
+  </p:cSld>
+  <p:clrMapOvr>
+    <a:masterClrMapping/>
+  </p:clrMapOvr>
+</p:sldLayout>
+</file>
+
+<file path=ppt/slideLayouts/slideLayout15.xml><?xml version="1.0" encoding="utf-8"?>
+<p:sldLayout xmlns:a="http://schemas.openxmlformats.org/drawingml/2006/main" xmlns:r="http://schemas.openxmlformats.org/officeDocument/2006/relationships" xmlns:p="http://schemas.openxmlformats.org/presentationml/2006/main" preserve="1">
+  <p:cSld name="Столбец с тремя рисунками">
+    <p:spTree>
+      <p:nvGrpSpPr>
+        <p:cNvPr id="1" name=""/>
+        <p:cNvGrpSpPr/>
+        <p:nvPr/>
+      </p:nvGrpSpPr>
+      <p:grpSpPr>
+        <a:xfrm>
+          <a:off x="0" y="0"/>
+          <a:ext cx="0" cy="0"/>
+          <a:chOff x="0" y="0"/>
+          <a:chExt cx="0" cy="0"/>
+        </a:xfrm>
+      </p:grpSpPr>
+      <p:pic>
+        <p:nvPicPr>
+          <p:cNvPr id="15" name="Picture 14" descr="HD-ShadowLong.png"/>
+          <p:cNvPicPr>
+            <a:picLocks noChangeAspect="1"/>
+          </p:cNvPicPr>
+          <p:nvPr/>
+        </p:nvPicPr>
+        <p:blipFill>
+          <a:blip r:embed="rId2">
+            <a:extLst>
+              <a:ext uri="{28A0092B-C50C-407E-A947-70E740481C1C}">
+                <a14:useLocalDpi xmlns:a14="http://schemas.microsoft.com/office/drawing/2010/main" val="0"/>
+              </a:ext>
+            </a:extLst>
+          </a:blip>
+          <a:stretch>
+            <a:fillRect/>
+          </a:stretch>
+        </p:blipFill>
+        <p:spPr>
+          <a:xfrm>
+            <a:off x="1" y="1970240"/>
+            <a:ext cx="10437812" cy="321164"/>
+          </a:xfrm>
+          <a:prstGeom prst="rect">
+            <a:avLst/>
+          </a:prstGeom>
+        </p:spPr>
+      </p:pic>
+      <p:pic>
+        <p:nvPicPr>
+          <p:cNvPr id="16" name="Picture 15" descr="HD-ShadowShort.png"/>
+          <p:cNvPicPr>
+            <a:picLocks noChangeAspect="1"/>
+          </p:cNvPicPr>
+          <p:nvPr/>
+        </p:nvPicPr>
+        <p:blipFill>
+          <a:blip r:embed="rId3" cstate="print">
+            <a:extLst>
+              <a:ext uri="{28A0092B-C50C-407E-A947-70E740481C1C}">
+                <a14:useLocalDpi xmlns:a14="http://schemas.microsoft.com/office/drawing/2010/main" val="0"/>
+              </a:ext>
+            </a:extLst>
+          </a:blip>
+          <a:stretch>
+            <a:fillRect/>
+          </a:stretch>
+        </p:blipFill>
+        <p:spPr>
+          <a:xfrm>
+            <a:off x="10585826" y="1971234"/>
+            <a:ext cx="1602997" cy="144270"/>
+          </a:xfrm>
+          <a:prstGeom prst="rect">
+            <a:avLst/>
+          </a:prstGeom>
+        </p:spPr>
+      </p:pic>
+      <p:sp>
+        <p:nvSpPr>
+          <p:cNvPr id="17" name="Rectangle 16"/>
+          <p:cNvSpPr/>
+          <p:nvPr/>
+        </p:nvSpPr>
+        <p:spPr bwMode="ltGray">
+          <a:xfrm>
+            <a:off x="0" y="609600"/>
+            <a:ext cx="10437812" cy="1368198"/>
+          </a:xfrm>
+          <a:prstGeom prst="rect">
+            <a:avLst/>
+          </a:prstGeom>
+          <a:solidFill>
+            <a:schemeClr val="bg1">
+              <a:lumMod val="85000"/>
+              <a:lumOff val="15000"/>
+            </a:schemeClr>
+          </a:solidFill>
+          <a:ln>
+            <a:noFill/>
+          </a:ln>
+        </p:spPr>
+        <p:style>
+          <a:lnRef idx="2">
+            <a:schemeClr val="accent1">
+              <a:shade val="50000"/>
+            </a:schemeClr>
+          </a:lnRef>
+          <a:fillRef idx="1">
+            <a:schemeClr val="accent1"/>
+          </a:fillRef>
+          <a:effectRef idx="0">
+            <a:schemeClr val="accent1"/>
+          </a:effectRef>
+          <a:fontRef idx="minor">
+            <a:schemeClr val="lt1"/>
+          </a:fontRef>
+        </p:style>
+      </p:sp>
+      <p:sp>
+        <p:nvSpPr>
+          <p:cNvPr id="18" name="Rectangle 17"/>
+          <p:cNvSpPr/>
+          <p:nvPr/>
+        </p:nvSpPr>
+        <p:spPr>
+          <a:xfrm>
+            <a:off x="10585827" y="609600"/>
+            <a:ext cx="1602997" cy="1368198"/>
+          </a:xfrm>
+          <a:prstGeom prst="rect">
+            <a:avLst/>
+          </a:prstGeom>
+          <a:solidFill>
+            <a:schemeClr val="accent1"/>
+          </a:solidFill>
+          <a:ln>
+            <a:noFill/>
+          </a:ln>
+        </p:spPr>
+        <p:style>
+          <a:lnRef idx="2">
+            <a:schemeClr val="accent1">
+              <a:shade val="50000"/>
+            </a:schemeClr>
+          </a:lnRef>
+          <a:fillRef idx="1">
+            <a:schemeClr val="accent1"/>
+          </a:fillRef>
+          <a:effectRef idx="0">
+            <a:schemeClr val="accent1"/>
+          </a:effectRef>
+          <a:fontRef idx="minor">
+            <a:schemeClr val="lt1"/>
+          </a:fontRef>
+        </p:style>
+      </p:sp>
+      <p:sp>
+        <p:nvSpPr>
+          <p:cNvPr id="30" name="Title 1"/>
+          <p:cNvSpPr>
+            <a:spLocks noGrp="1"/>
+          </p:cNvSpPr>
+          <p:nvPr>
+            <p:ph type="title"/>
+          </p:nvPr>
+        </p:nvSpPr>
+        <p:spPr>
+          <a:xfrm>
+            <a:off x="680322" y="753228"/>
+            <a:ext cx="9613860" cy="1080938"/>
+          </a:xfrm>
+        </p:spPr>
+        <p:txBody>
+          <a:bodyPr/>
+          <a:lstStyle/>
+          <a:p>
+            <a:r>
+              <a:rPr lang="ru-RU" smtClean="0"/>
+              <a:t>Образец заголовка</a:t>
+            </a:r>
+            <a:endParaRPr lang="en-US" dirty="0"/>
+          </a:p>
+        </p:txBody>
+      </p:sp>
+      <p:sp>
+        <p:nvSpPr>
+          <p:cNvPr id="19" name="Text Placeholder 2"/>
+          <p:cNvSpPr>
+            <a:spLocks noGrp="1"/>
+          </p:cNvSpPr>
+          <p:nvPr>
+            <p:ph type="body" idx="1"/>
+          </p:nvPr>
+        </p:nvSpPr>
+        <p:spPr>
+          <a:xfrm>
+            <a:off x="680318" y="4297503"/>
+            <a:ext cx="3049705" cy="576262"/>
+          </a:xfrm>
+        </p:spPr>
+        <p:txBody>
+          <a:bodyPr anchor="b">
+            <a:noAutofit/>
+          </a:bodyPr>
+          <a:lstStyle>
+            <a:lvl1pPr marL="0" indent="0">
+              <a:buNone/>
+              <a:defRPr sz="2400" b="0">
+                <a:solidFill>
+                  <a:schemeClr val="tx1"/>
+                </a:solidFill>
+              </a:defRPr>
+            </a:lvl1pPr>
+            <a:lvl2pPr marL="457200" indent="0">
+              <a:buNone/>
+              <a:defRPr sz="2000" b="1"/>
+            </a:lvl2pPr>
+            <a:lvl3pPr marL="914400" indent="0">
+              <a:buNone/>
+              <a:defRPr sz="1800" b="1"/>
+            </a:lvl3pPr>
+            <a:lvl4pPr marL="1371600" indent="0">
+              <a:buNone/>
+              <a:defRPr sz="1600" b="1"/>
+            </a:lvl4pPr>
+            <a:lvl5pPr marL="1828800" indent="0">
+              <a:buNone/>
+              <a:defRPr sz="1600" b="1"/>
+            </a:lvl5pPr>
+            <a:lvl6pPr marL="2286000" indent="0">
+              <a:buNone/>
+              <a:defRPr sz="1600" b="1"/>
+            </a:lvl6pPr>
+            <a:lvl7pPr marL="2743200" indent="0">
+              <a:buNone/>
+              <a:defRPr sz="1600" b="1"/>
+            </a:lvl7pPr>
+            <a:lvl8pPr marL="3200400" indent="0">
+              <a:buNone/>
+              <a:defRPr sz="1600" b="1"/>
+            </a:lvl8pPr>
+            <a:lvl9pPr marL="3657600" indent="0">
+              <a:buNone/>
+              <a:defRPr sz="1600" b="1"/>
+            </a:lvl9pPr>
+          </a:lstStyle>
+          <a:p>
+            <a:pPr lvl="0"/>
+            <a:r>
+              <a:rPr lang="ru-RU" smtClean="0"/>
+              <a:t>Образец текста</a:t>
+            </a:r>
+          </a:p>
+        </p:txBody>
+      </p:sp>
+      <p:sp>
+        <p:nvSpPr>
+          <p:cNvPr id="20" name="Picture Placeholder 2"/>
+          <p:cNvSpPr>
+            <a:spLocks noGrp="1" noChangeAspect="1"/>
+          </p:cNvSpPr>
+          <p:nvPr>
+            <p:ph type="pic" idx="15"/>
+          </p:nvPr>
+        </p:nvSpPr>
+        <p:spPr>
+          <a:xfrm>
+            <a:off x="680318" y="2336873"/>
+            <a:ext cx="3049705" cy="1524000"/>
+          </a:xfrm>
+          <a:prstGeom prst="roundRect">
+            <a:avLst>
+              <a:gd name="adj" fmla="val 0"/>
+            </a:avLst>
+          </a:prstGeom>
+          <a:effectLst>
+            <a:outerShdw blurRad="50800" dist="50800" dir="5400000" algn="tl" rotWithShape="0">
+              <a:srgbClr val="000000">
+                <a:alpha val="43000"/>
+              </a:srgbClr>
+            </a:outerShdw>
+          </a:effectLst>
+        </p:spPr>
+        <p:txBody>
+          <a:bodyPr anchor="t">
+            <a:normAutofit/>
+          </a:bodyPr>
+          <a:lstStyle>
+            <a:lvl1pPr marL="0" indent="0" algn="ctr">
+              <a:buNone/>
+              <a:defRPr sz="1600"/>
+            </a:lvl1pPr>
+            <a:lvl2pPr marL="457200" indent="0">
+              <a:buNone/>
+              <a:defRPr sz="1600"/>
+            </a:lvl2pPr>
+            <a:lvl3pPr marL="914400" indent="0">
+              <a:buNone/>
+              <a:defRPr sz="1600"/>
+            </a:lvl3pPr>
+            <a:lvl4pPr marL="1371600" indent="0">
+              <a:buNone/>
+              <a:defRPr sz="1600"/>
+            </a:lvl4pPr>
+            <a:lvl5pPr marL="1828800" indent="0">
+              <a:buNone/>
+              <a:defRPr sz="1600"/>
+            </a:lvl5pPr>
+            <a:lvl6pPr marL="2286000" indent="0">
+              <a:buNone/>
+              <a:defRPr sz="1600"/>
+            </a:lvl6pPr>
+            <a:lvl7pPr marL="2743200" indent="0">
+              <a:buNone/>
+              <a:defRPr sz="1600"/>
+            </a:lvl7pPr>
+            <a:lvl8pPr marL="3200400" indent="0">
+              <a:buNone/>
+              <a:defRPr sz="1600"/>
+            </a:lvl8pPr>
+            <a:lvl9pPr marL="3657600" indent="0">
+              <a:buNone/>
+              <a:defRPr sz="1600"/>
+            </a:lvl9pPr>
+          </a:lstStyle>
+          <a:p>
+            <a:r>
+              <a:rPr lang="ru-RU" smtClean="0"/>
+              <a:t>Вставка рисунка</a:t>
+            </a:r>
+            <a:endParaRPr lang="en-US" dirty="0"/>
+          </a:p>
+        </p:txBody>
+      </p:sp>
+      <p:sp>
+        <p:nvSpPr>
+          <p:cNvPr id="21" name="Text Placeholder 3"/>
+          <p:cNvSpPr>
+            <a:spLocks noGrp="1"/>
+          </p:cNvSpPr>
+          <p:nvPr>
+            <p:ph type="body" sz="half" idx="18"/>
+          </p:nvPr>
+        </p:nvSpPr>
+        <p:spPr>
+          <a:xfrm>
+            <a:off x="680318" y="4873765"/>
+            <a:ext cx="3049705" cy="1062422"/>
+          </a:xfrm>
+        </p:spPr>
+        <p:txBody>
+          <a:bodyPr anchor="t">
+            <a:normAutofit/>
+          </a:bodyPr>
+          <a:lstStyle>
+            <a:lvl1pPr marL="0" indent="0">
+              <a:buNone/>
+              <a:defRPr sz="1400"/>
+            </a:lvl1pPr>
+            <a:lvl2pPr marL="457200" indent="0">
+              <a:buNone/>
+              <a:defRPr sz="1200"/>
+            </a:lvl2pPr>
+            <a:lvl3pPr marL="914400" indent="0">
+              <a:buNone/>
+              <a:defRPr sz="1000"/>
+            </a:lvl3pPr>
+            <a:lvl4pPr marL="1371600" indent="0">
+              <a:buNone/>
+              <a:defRPr sz="900"/>
+            </a:lvl4pPr>
+            <a:lvl5pPr marL="1828800" indent="0">
+              <a:buNone/>
+              <a:defRPr sz="900"/>
+            </a:lvl5pPr>
+            <a:lvl6pPr marL="2286000" indent="0">
+              <a:buNone/>
+              <a:defRPr sz="900"/>
+            </a:lvl6pPr>
+            <a:lvl7pPr marL="2743200" indent="0">
+              <a:buNone/>
+              <a:defRPr sz="900"/>
+            </a:lvl7pPr>
+            <a:lvl8pPr marL="3200400" indent="0">
+              <a:buNone/>
+              <a:defRPr sz="900"/>
+            </a:lvl8pPr>
+            <a:lvl9pPr marL="3657600" indent="0">
+              <a:buNone/>
+              <a:defRPr sz="900"/>
+            </a:lvl9pPr>
+          </a:lstStyle>
+          <a:p>
+            <a:pPr lvl="0"/>
+            <a:r>
+              <a:rPr lang="ru-RU" smtClean="0"/>
+              <a:t>Образец текста</a:t>
+            </a:r>
+          </a:p>
+        </p:txBody>
+      </p:sp>
+      <p:sp>
+        <p:nvSpPr>
+          <p:cNvPr id="22" name="Text Placeholder 4"/>
+          <p:cNvSpPr>
+            <a:spLocks noGrp="1"/>
+          </p:cNvSpPr>
+          <p:nvPr>
+            <p:ph type="body" sz="quarter" idx="3"/>
+          </p:nvPr>
+        </p:nvSpPr>
+        <p:spPr>
+          <a:xfrm>
+            <a:off x="3945471" y="4297503"/>
+            <a:ext cx="3063240" cy="576262"/>
+          </a:xfrm>
+        </p:spPr>
+        <p:txBody>
+          <a:bodyPr anchor="b">
+            <a:noAutofit/>
+          </a:bodyPr>
+          <a:lstStyle>
+            <a:lvl1pPr marL="0" indent="0">
+              <a:buNone/>
+              <a:defRPr sz="2400" b="0">
+                <a:solidFill>
+                  <a:schemeClr val="tx1"/>
+                </a:solidFill>
+              </a:defRPr>
+            </a:lvl1pPr>
+            <a:lvl2pPr marL="457200" indent="0">
+              <a:buNone/>
+              <a:defRPr sz="2000" b="1"/>
+            </a:lvl2pPr>
+            <a:lvl3pPr marL="914400" indent="0">
+              <a:buNone/>
+              <a:defRPr sz="1800" b="1"/>
+            </a:lvl3pPr>
+            <a:lvl4pPr marL="1371600" indent="0">
+              <a:buNone/>
+              <a:defRPr sz="1600" b="1"/>
+            </a:lvl4pPr>
+            <a:lvl5pPr marL="1828800" indent="0">
+              <a:buNone/>
+              <a:defRPr sz="1600" b="1"/>
+            </a:lvl5pPr>
+            <a:lvl6pPr marL="2286000" indent="0">
+              <a:buNone/>
+              <a:defRPr sz="1600" b="1"/>
+            </a:lvl6pPr>
+            <a:lvl7pPr marL="2743200" indent="0">
+              <a:buNone/>
+              <a:defRPr sz="1600" b="1"/>
+            </a:lvl7pPr>
+            <a:lvl8pPr marL="3200400" indent="0">
+              <a:buNone/>
+              <a:defRPr sz="1600" b="1"/>
+            </a:lvl8pPr>
+            <a:lvl9pPr marL="3657600" indent="0">
+              <a:buNone/>
+              <a:defRPr sz="1600" b="1"/>
+            </a:lvl9pPr>
+          </a:lstStyle>
+          <a:p>
+            <a:pPr lvl="0"/>
+            <a:r>
+              <a:rPr lang="ru-RU" smtClean="0"/>
+              <a:t>Образец текста</a:t>
+            </a:r>
+          </a:p>
+        </p:txBody>
+      </p:sp>
+      <p:sp>
+        <p:nvSpPr>
+          <p:cNvPr id="23" name="Picture Placeholder 2"/>
+          <p:cNvSpPr>
+            <a:spLocks noGrp="1" noChangeAspect="1"/>
+          </p:cNvSpPr>
+          <p:nvPr>
+            <p:ph type="pic" idx="21"/>
+          </p:nvPr>
+        </p:nvSpPr>
+        <p:spPr>
+          <a:xfrm>
+            <a:off x="3945470" y="2336873"/>
+            <a:ext cx="3063240" cy="1524000"/>
+          </a:xfrm>
+          <a:prstGeom prst="roundRect">
+            <a:avLst>
+              <a:gd name="adj" fmla="val 0"/>
+            </a:avLst>
+          </a:prstGeom>
+          <a:effectLst>
+            <a:outerShdw blurRad="50800" dist="50800" dir="5400000" algn="tl" rotWithShape="0">
+              <a:srgbClr val="000000">
+                <a:alpha val="43000"/>
+              </a:srgbClr>
+            </a:outerShdw>
+          </a:effectLst>
+        </p:spPr>
+        <p:txBody>
+          <a:bodyPr anchor="t">
+            <a:normAutofit/>
+          </a:bodyPr>
+          <a:lstStyle>
+            <a:lvl1pPr marL="0" indent="0" algn="ctr">
+              <a:buNone/>
+              <a:defRPr sz="1600"/>
+            </a:lvl1pPr>
+            <a:lvl2pPr marL="457200" indent="0">
+              <a:buNone/>
+              <a:defRPr sz="1600"/>
+            </a:lvl2pPr>
+            <a:lvl3pPr marL="914400" indent="0">
+              <a:buNone/>
+              <a:defRPr sz="1600"/>
+            </a:lvl3pPr>
+            <a:lvl4pPr marL="1371600" indent="0">
+              <a:buNone/>
+              <a:defRPr sz="1600"/>
+            </a:lvl4pPr>
+            <a:lvl5pPr marL="1828800" indent="0">
+              <a:buNone/>
+              <a:defRPr sz="1600"/>
+            </a:lvl5pPr>
+            <a:lvl6pPr marL="2286000" indent="0">
+              <a:buNone/>
+              <a:defRPr sz="1600"/>
+            </a:lvl6pPr>
+            <a:lvl7pPr marL="2743200" indent="0">
+              <a:buNone/>
+              <a:defRPr sz="1600"/>
+            </a:lvl7pPr>
+            <a:lvl8pPr marL="3200400" indent="0">
+              <a:buNone/>
+              <a:defRPr sz="1600"/>
+            </a:lvl8pPr>
+            <a:lvl9pPr marL="3657600" indent="0">
+              <a:buNone/>
+              <a:defRPr sz="1600"/>
+            </a:lvl9pPr>
+          </a:lstStyle>
+          <a:p>
+            <a:r>
+              <a:rPr lang="ru-RU" smtClean="0"/>
+              <a:t>Вставка рисунка</a:t>
+            </a:r>
+            <a:endParaRPr lang="en-US" dirty="0"/>
+          </a:p>
+        </p:txBody>
+      </p:sp>
+      <p:sp>
+        <p:nvSpPr>
+          <p:cNvPr id="24" name="Text Placeholder 3"/>
+          <p:cNvSpPr>
+            <a:spLocks noGrp="1"/>
+          </p:cNvSpPr>
+          <p:nvPr>
+            <p:ph type="body" sz="half" idx="19"/>
+          </p:nvPr>
+        </p:nvSpPr>
+        <p:spPr>
+          <a:xfrm>
+            <a:off x="3944117" y="4873764"/>
+            <a:ext cx="3067297" cy="1062422"/>
+          </a:xfrm>
+        </p:spPr>
+        <p:txBody>
+          <a:bodyPr anchor="t">
+            <a:normAutofit/>
+          </a:bodyPr>
+          <a:lstStyle>
+            <a:lvl1pPr marL="0" indent="0">
+              <a:buNone/>
+              <a:defRPr sz="1400"/>
+            </a:lvl1pPr>
+            <a:lvl2pPr marL="457200" indent="0">
+              <a:buNone/>
+              <a:defRPr sz="1200"/>
+            </a:lvl2pPr>
+            <a:lvl3pPr marL="914400" indent="0">
+              <a:buNone/>
+              <a:defRPr sz="1000"/>
+            </a:lvl3pPr>
+            <a:lvl4pPr marL="1371600" indent="0">
+              <a:buNone/>
+              <a:defRPr sz="900"/>
+            </a:lvl4pPr>
+            <a:lvl5pPr marL="1828800" indent="0">
+              <a:buNone/>
+              <a:defRPr sz="900"/>
+            </a:lvl5pPr>
+            <a:lvl6pPr marL="2286000" indent="0">
+              <a:buNone/>
+              <a:defRPr sz="900"/>
+            </a:lvl6pPr>
+            <a:lvl7pPr marL="2743200" indent="0">
+              <a:buNone/>
+              <a:defRPr sz="900"/>
+            </a:lvl7pPr>
+            <a:lvl8pPr marL="3200400" indent="0">
+              <a:buNone/>
+              <a:defRPr sz="900"/>
+            </a:lvl8pPr>
+            <a:lvl9pPr marL="3657600" indent="0">
+              <a:buNone/>
+              <a:defRPr sz="900"/>
+            </a:lvl9pPr>
+          </a:lstStyle>
+          <a:p>
+            <a:pPr lvl="0"/>
+            <a:r>
+              <a:rPr lang="ru-RU" smtClean="0"/>
+              <a:t>Образец текста</a:t>
+            </a:r>
+          </a:p>
+        </p:txBody>
+      </p:sp>
+      <p:sp>
+        <p:nvSpPr>
+          <p:cNvPr id="25" name="Text Placeholder 4"/>
+          <p:cNvSpPr>
+            <a:spLocks noGrp="1"/>
+          </p:cNvSpPr>
+          <p:nvPr>
+            <p:ph type="body" sz="quarter" idx="13"/>
+          </p:nvPr>
+        </p:nvSpPr>
+        <p:spPr>
+          <a:xfrm>
+            <a:off x="7230678" y="4297503"/>
+            <a:ext cx="3063505" cy="576262"/>
+          </a:xfrm>
+        </p:spPr>
+        <p:txBody>
+          <a:bodyPr anchor="b">
+            <a:noAutofit/>
+          </a:bodyPr>
+          <a:lstStyle>
+            <a:lvl1pPr marL="0" indent="0">
+              <a:buNone/>
+              <a:defRPr sz="2400" b="0">
+                <a:solidFill>
+                  <a:schemeClr val="tx1"/>
+                </a:solidFill>
+              </a:defRPr>
+            </a:lvl1pPr>
+            <a:lvl2pPr marL="457200" indent="0">
+              <a:buNone/>
+              <a:defRPr sz="2000" b="1"/>
+            </a:lvl2pPr>
+            <a:lvl3pPr marL="914400" indent="0">
+              <a:buNone/>
+              <a:defRPr sz="1800" b="1"/>
+            </a:lvl3pPr>
+            <a:lvl4pPr marL="1371600" indent="0">
+              <a:buNone/>
+              <a:defRPr sz="1600" b="1"/>
+            </a:lvl4pPr>
+            <a:lvl5pPr marL="1828800" indent="0">
+              <a:buNone/>
+              <a:defRPr sz="1600" b="1"/>
+            </a:lvl5pPr>
+            <a:lvl6pPr marL="2286000" indent="0">
+              <a:buNone/>
+              <a:defRPr sz="1600" b="1"/>
+            </a:lvl6pPr>
+            <a:lvl7pPr marL="2743200" indent="0">
+              <a:buNone/>
+              <a:defRPr sz="1600" b="1"/>
+            </a:lvl7pPr>
+            <a:lvl8pPr marL="3200400" indent="0">
+              <a:buNone/>
+              <a:defRPr sz="1600" b="1"/>
+            </a:lvl8pPr>
+            <a:lvl9pPr marL="3657600" indent="0">
+              <a:buNone/>
+              <a:defRPr sz="1600" b="1"/>
+            </a:lvl9pPr>
+          </a:lstStyle>
+          <a:p>
+            <a:pPr lvl="0"/>
+            <a:r>
+              <a:rPr lang="ru-RU" smtClean="0"/>
+              <a:t>Образец текста</a:t>
+            </a:r>
+          </a:p>
+        </p:txBody>
+      </p:sp>
+      <p:sp>
+        <p:nvSpPr>
+          <p:cNvPr id="26" name="Picture Placeholder 2"/>
+          <p:cNvSpPr>
+            <a:spLocks noGrp="1" noChangeAspect="1"/>
+          </p:cNvSpPr>
+          <p:nvPr>
+            <p:ph type="pic" idx="22"/>
+          </p:nvPr>
+        </p:nvSpPr>
+        <p:spPr>
+          <a:xfrm>
+            <a:off x="7230677" y="2336873"/>
+            <a:ext cx="3063505" cy="1524000"/>
+          </a:xfrm>
+          <a:prstGeom prst="roundRect">
+            <a:avLst>
+              <a:gd name="adj" fmla="val 0"/>
+            </a:avLst>
+          </a:prstGeom>
+          <a:effectLst>
+            <a:outerShdw blurRad="50800" dist="50800" dir="5400000" algn="tl" rotWithShape="0">
+              <a:srgbClr val="000000">
+                <a:alpha val="43000"/>
+              </a:srgbClr>
+            </a:outerShdw>
+          </a:effectLst>
+        </p:spPr>
+        <p:txBody>
+          <a:bodyPr anchor="t">
+            <a:normAutofit/>
+          </a:bodyPr>
+          <a:lstStyle>
+            <a:lvl1pPr marL="0" indent="0" algn="ctr">
+              <a:buNone/>
+              <a:defRPr sz="1600"/>
+            </a:lvl1pPr>
+            <a:lvl2pPr marL="457200" indent="0">
+              <a:buNone/>
+              <a:defRPr sz="1600"/>
+            </a:lvl2pPr>
+            <a:lvl3pPr marL="914400" indent="0">
+              <a:buNone/>
+              <a:defRPr sz="1600"/>
+            </a:lvl3pPr>
+            <a:lvl4pPr marL="1371600" indent="0">
+              <a:buNone/>
+              <a:defRPr sz="1600"/>
+            </a:lvl4pPr>
+            <a:lvl5pPr marL="1828800" indent="0">
+              <a:buNone/>
+              <a:defRPr sz="1600"/>
+            </a:lvl5pPr>
+            <a:lvl6pPr marL="2286000" indent="0">
+              <a:buNone/>
+              <a:defRPr sz="1600"/>
+            </a:lvl6pPr>
+            <a:lvl7pPr marL="2743200" indent="0">
+              <a:buNone/>
+              <a:defRPr sz="1600"/>
+            </a:lvl7pPr>
+            <a:lvl8pPr marL="3200400" indent="0">
+              <a:buNone/>
+              <a:defRPr sz="1600"/>
+            </a:lvl8pPr>
+            <a:lvl9pPr marL="3657600" indent="0">
+              <a:buNone/>
+              <a:defRPr sz="1600"/>
+            </a:lvl9pPr>
+          </a:lstStyle>
+          <a:p>
+            <a:r>
+              <a:rPr lang="ru-RU" smtClean="0"/>
+              <a:t>Вставка рисунка</a:t>
+            </a:r>
+            <a:endParaRPr lang="en-US" dirty="0"/>
+          </a:p>
+        </p:txBody>
+      </p:sp>
+      <p:sp>
+        <p:nvSpPr>
+          <p:cNvPr id="27" name="Text Placeholder 3"/>
+          <p:cNvSpPr>
+            <a:spLocks noGrp="1"/>
+          </p:cNvSpPr>
+          <p:nvPr>
+            <p:ph type="body" sz="half" idx="20"/>
+          </p:nvPr>
+        </p:nvSpPr>
+        <p:spPr>
+          <a:xfrm>
+            <a:off x="7230553" y="4873762"/>
+            <a:ext cx="3067563" cy="1062422"/>
+          </a:xfrm>
+        </p:spPr>
+        <p:txBody>
+          <a:bodyPr anchor="t">
+            <a:normAutofit/>
+          </a:bodyPr>
+          <a:lstStyle>
+            <a:lvl1pPr marL="0" indent="0">
+              <a:buNone/>
+              <a:defRPr sz="1400"/>
+            </a:lvl1pPr>
+            <a:lvl2pPr marL="457200" indent="0">
+              <a:buNone/>
+              <a:defRPr sz="1200"/>
+            </a:lvl2pPr>
+            <a:lvl3pPr marL="914400" indent="0">
+              <a:buNone/>
+              <a:defRPr sz="1000"/>
+            </a:lvl3pPr>
+            <a:lvl4pPr marL="1371600" indent="0">
+              <a:buNone/>
+              <a:defRPr sz="900"/>
+            </a:lvl4pPr>
+            <a:lvl5pPr marL="1828800" indent="0">
+              <a:buNone/>
+              <a:defRPr sz="900"/>
+            </a:lvl5pPr>
+            <a:lvl6pPr marL="2286000" indent="0">
+              <a:buNone/>
+              <a:defRPr sz="900"/>
+            </a:lvl6pPr>
+            <a:lvl7pPr marL="2743200" indent="0">
+              <a:buNone/>
+              <a:defRPr sz="900"/>
+            </a:lvl7pPr>
+            <a:lvl8pPr marL="3200400" indent="0">
+              <a:buNone/>
+              <a:defRPr sz="900"/>
+            </a:lvl8pPr>
+            <a:lvl9pPr marL="3657600" indent="0">
+              <a:buNone/>
+              <a:defRPr sz="900"/>
+            </a:lvl9pPr>
+          </a:lstStyle>
+          <a:p>
+            <a:pPr lvl="0"/>
+            <a:r>
+              <a:rPr lang="ru-RU" smtClean="0"/>
+              <a:t>Образец текста</a:t>
+            </a:r>
+          </a:p>
+        </p:txBody>
+      </p:sp>
+      <p:sp>
+        <p:nvSpPr>
+          <p:cNvPr id="3" name="Date Placeholder 2"/>
+          <p:cNvSpPr>
+            <a:spLocks noGrp="1"/>
+          </p:cNvSpPr>
+          <p:nvPr>
+            <p:ph type="dt" sz="half" idx="10"/>
+          </p:nvPr>
+        </p:nvSpPr>
+        <p:spPr/>
+        <p:txBody>
+          <a:bodyPr/>
+          <a:lstStyle/>
+          <a:p>
+            <a:fld id="{5F1588B9-6F9C-4886-8369-7AAB05E91E2C}" type="datetimeFigureOut">
+              <a:rPr lang="ru-RU" smtClean="0"/>
+              <a:t>24.04.2023</a:t>
+            </a:fld>
+            <a:endParaRPr lang="ru-RU"/>
+          </a:p>
+        </p:txBody>
+      </p:sp>
+      <p:sp>
+        <p:nvSpPr>
+          <p:cNvPr id="4" name="Footer Placeholder 3"/>
+          <p:cNvSpPr>
+            <a:spLocks noGrp="1"/>
+          </p:cNvSpPr>
+          <p:nvPr>
+            <p:ph type="ftr" sz="quarter" idx="11"/>
+          </p:nvPr>
+        </p:nvSpPr>
+        <p:spPr/>
+        <p:txBody>
+          <a:bodyPr/>
+          <a:lstStyle/>
+          <a:p>
+            <a:endParaRPr lang="ru-RU"/>
+          </a:p>
+        </p:txBody>
+      </p:sp>
+      <p:sp>
+        <p:nvSpPr>
+          <p:cNvPr id="5" name="Slide Number Placeholder 4"/>
+          <p:cNvSpPr>
+            <a:spLocks noGrp="1"/>
+          </p:cNvSpPr>
+          <p:nvPr>
+            <p:ph type="sldNum" sz="quarter" idx="12"/>
+          </p:nvPr>
+        </p:nvSpPr>
+        <p:spPr/>
+        <p:txBody>
+          <a:bodyPr/>
+          <a:lstStyle/>
+          <a:p>
+            <a:fld id="{2F32FABE-11A7-42B5-9E2A-E188CC276047}" type="slidenum">
+              <a:rPr lang="ru-RU" smtClean="0"/>
+              <a:t>‹#›</a:t>
+            </a:fld>
+            <a:endParaRPr lang="ru-RU"/>
+          </a:p>
+        </p:txBody>
+      </p:sp>
+    </p:spTree>
+    <p:extLst>
+      <p:ext uri="{BB962C8B-B14F-4D97-AF65-F5344CB8AC3E}">
+        <p14:creationId xmlns:p14="http://schemas.microsoft.com/office/powerpoint/2010/main" val="1956345007"/>
+      </p:ext>
+    </p:extLst>
+  </p:cSld>
+  <p:clrMapOvr>
+    <a:masterClrMapping/>
+  </p:clrMapOvr>
+</p:sldLayout>
+</file>
+
+<file path=ppt/slideLayouts/slideLayout16.xml><?xml version="1.0" encoding="utf-8"?>
 <p:sldLayout xmlns:a="http://schemas.openxmlformats.org/drawingml/2006/main" xmlns:r="http://schemas.openxmlformats.org/officeDocument/2006/relationships" xmlns:p="http://schemas.openxmlformats.org/presentationml/2006/main" type="vertTx" preserve="1">
   <p:cSld name="Заголовок и вертикальный текст">
     <p:spTree>
@@ -318,9 +3784,148 @@
           <a:chExt cx="0" cy="0"/>
         </a:xfrm>
       </p:grpSpPr>
-      <p:sp>
-        <p:nvSpPr>
-          <p:cNvPr id="2" name="Заголовок 1"/>
+      <p:pic>
+        <p:nvPicPr>
+          <p:cNvPr id="7" name="Picture 6" descr="HD-ShadowLong.png"/>
+          <p:cNvPicPr>
+            <a:picLocks noChangeAspect="1"/>
+          </p:cNvPicPr>
+          <p:nvPr/>
+        </p:nvPicPr>
+        <p:blipFill>
+          <a:blip r:embed="rId2">
+            <a:extLst>
+              <a:ext uri="{28A0092B-C50C-407E-A947-70E740481C1C}">
+                <a14:useLocalDpi xmlns:a14="http://schemas.microsoft.com/office/drawing/2010/main" val="0"/>
+              </a:ext>
+            </a:extLst>
+          </a:blip>
+          <a:stretch>
+            <a:fillRect/>
+          </a:stretch>
+        </p:blipFill>
+        <p:spPr>
+          <a:xfrm>
+            <a:off x="1" y="1970240"/>
+            <a:ext cx="10437812" cy="321164"/>
+          </a:xfrm>
+          <a:prstGeom prst="rect">
+            <a:avLst/>
+          </a:prstGeom>
+        </p:spPr>
+      </p:pic>
+      <p:pic>
+        <p:nvPicPr>
+          <p:cNvPr id="8" name="Picture 7" descr="HD-ShadowShort.png"/>
+          <p:cNvPicPr>
+            <a:picLocks noChangeAspect="1"/>
+          </p:cNvPicPr>
+          <p:nvPr/>
+        </p:nvPicPr>
+        <p:blipFill>
+          <a:blip r:embed="rId3" cstate="print">
+            <a:extLst>
+              <a:ext uri="{28A0092B-C50C-407E-A947-70E740481C1C}">
+                <a14:useLocalDpi xmlns:a14="http://schemas.microsoft.com/office/drawing/2010/main" val="0"/>
+              </a:ext>
+            </a:extLst>
+          </a:blip>
+          <a:stretch>
+            <a:fillRect/>
+          </a:stretch>
+        </p:blipFill>
+        <p:spPr>
+          <a:xfrm>
+            <a:off x="10585826" y="1971234"/>
+            <a:ext cx="1602997" cy="144270"/>
+          </a:xfrm>
+          <a:prstGeom prst="rect">
+            <a:avLst/>
+          </a:prstGeom>
+        </p:spPr>
+      </p:pic>
+      <p:sp>
+        <p:nvSpPr>
+          <p:cNvPr id="9" name="Rectangle 8"/>
+          <p:cNvSpPr/>
+          <p:nvPr/>
+        </p:nvSpPr>
+        <p:spPr bwMode="ltGray">
+          <a:xfrm>
+            <a:off x="0" y="609600"/>
+            <a:ext cx="10437812" cy="1368198"/>
+          </a:xfrm>
+          <a:prstGeom prst="rect">
+            <a:avLst/>
+          </a:prstGeom>
+          <a:solidFill>
+            <a:schemeClr val="bg1">
+              <a:lumMod val="85000"/>
+              <a:lumOff val="15000"/>
+            </a:schemeClr>
+          </a:solidFill>
+          <a:ln>
+            <a:noFill/>
+          </a:ln>
+        </p:spPr>
+        <p:style>
+          <a:lnRef idx="2">
+            <a:schemeClr val="accent1">
+              <a:shade val="50000"/>
+            </a:schemeClr>
+          </a:lnRef>
+          <a:fillRef idx="1">
+            <a:schemeClr val="accent1"/>
+          </a:fillRef>
+          <a:effectRef idx="0">
+            <a:schemeClr val="accent1"/>
+          </a:effectRef>
+          <a:fontRef idx="minor">
+            <a:schemeClr val="lt1"/>
+          </a:fontRef>
+        </p:style>
+      </p:sp>
+      <p:sp>
+        <p:nvSpPr>
+          <p:cNvPr id="10" name="Rectangle 9"/>
+          <p:cNvSpPr/>
+          <p:nvPr/>
+        </p:nvSpPr>
+        <p:spPr>
+          <a:xfrm>
+            <a:off x="10585827" y="609600"/>
+            <a:ext cx="1602997" cy="1368198"/>
+          </a:xfrm>
+          <a:prstGeom prst="rect">
+            <a:avLst/>
+          </a:prstGeom>
+          <a:solidFill>
+            <a:schemeClr val="accent1"/>
+          </a:solidFill>
+          <a:ln>
+            <a:noFill/>
+          </a:ln>
+        </p:spPr>
+        <p:style>
+          <a:lnRef idx="2">
+            <a:schemeClr val="accent1">
+              <a:shade val="50000"/>
+            </a:schemeClr>
+          </a:lnRef>
+          <a:fillRef idx="1">
+            <a:schemeClr val="accent1"/>
+          </a:fillRef>
+          <a:effectRef idx="0">
+            <a:schemeClr val="accent1"/>
+          </a:effectRef>
+          <a:fontRef idx="minor">
+            <a:schemeClr val="lt1"/>
+          </a:fontRef>
+        </p:style>
+      </p:sp>
+      <p:sp>
+        <p:nvSpPr>
+          <p:cNvPr id="2" name="Title 1"/>
           <p:cNvSpPr>
             <a:spLocks noGrp="1"/>
           </p:cNvSpPr>
@@ -331,19 +3936,23 @@
         <p:spPr/>
         <p:txBody>
           <a:bodyPr/>
-          <a:lstStyle/>
+          <a:lstStyle>
+            <a:lvl1pPr algn="r">
+              <a:defRPr/>
+            </a:lvl1pPr>
+          </a:lstStyle>
           <a:p>
             <a:r>
               <a:rPr lang="ru-RU" smtClean="0"/>
               <a:t>Образец заголовка</a:t>
             </a:r>
-            <a:endParaRPr lang="ru-RU"/>
-          </a:p>
-        </p:txBody>
-      </p:sp>
-      <p:sp>
-        <p:nvSpPr>
-          <p:cNvPr id="3" name="Вертикальный текст 2"/>
+            <a:endParaRPr lang="en-US" dirty="0"/>
+          </a:p>
+        </p:txBody>
+      </p:sp>
+      <p:sp>
+        <p:nvSpPr>
+          <p:cNvPr id="3" name="Vertical Text Placeholder 2"/>
           <p:cNvSpPr>
             <a:spLocks noGrp="1"/>
           </p:cNvSpPr>
@@ -389,13 +3998,13 @@
               <a:rPr lang="ru-RU" smtClean="0"/>
               <a:t>Пятый уровень</a:t>
             </a:r>
-            <a:endParaRPr lang="ru-RU"/>
-          </a:p>
-        </p:txBody>
-      </p:sp>
-      <p:sp>
-        <p:nvSpPr>
-          <p:cNvPr id="4" name="Дата 3"/>
+            <a:endParaRPr lang="en-US" dirty="0"/>
+          </a:p>
+        </p:txBody>
+      </p:sp>
+      <p:sp>
+        <p:nvSpPr>
+          <p:cNvPr id="4" name="Date Placeholder 3"/>
           <p:cNvSpPr>
             <a:spLocks noGrp="1"/>
           </p:cNvSpPr>
@@ -418,7 +4027,7 @@
       </p:sp>
       <p:sp>
         <p:nvSpPr>
-          <p:cNvPr id="5" name="Нижний колонтитул 4"/>
+          <p:cNvPr id="5" name="Footer Placeholder 4"/>
           <p:cNvSpPr>
             <a:spLocks noGrp="1"/>
           </p:cNvSpPr>
@@ -437,7 +4046,7 @@
       </p:sp>
       <p:sp>
         <p:nvSpPr>
-          <p:cNvPr id="6" name="Номер слайда 5"/>
+          <p:cNvPr id="6" name="Slide Number Placeholder 5"/>
           <p:cNvSpPr>
             <a:spLocks noGrp="1"/>
           </p:cNvSpPr>
@@ -461,7 +4070,7 @@
     </p:spTree>
     <p:extLst>
       <p:ext uri="{BB962C8B-B14F-4D97-AF65-F5344CB8AC3E}">
-        <p14:creationId xmlns:p14="http://schemas.microsoft.com/office/powerpoint/2010/main" val="3517028426"/>
+        <p14:creationId xmlns:p14="http://schemas.microsoft.com/office/powerpoint/2010/main" val="4058416674"/>
       </p:ext>
     </p:extLst>
   </p:cSld>
@@ -471,7 +4080,7 @@
 </p:sldLayout>
 </file>
 
-<file path=ppt/slideLayouts/slideLayout11.xml><?xml version="1.0" encoding="utf-8"?>
+<file path=ppt/slideLayouts/slideLayout17.xml><?xml version="1.0" encoding="utf-8"?>
 <p:sldLayout xmlns:a="http://schemas.openxmlformats.org/drawingml/2006/main" xmlns:r="http://schemas.openxmlformats.org/officeDocument/2006/relationships" xmlns:p="http://schemas.openxmlformats.org/presentationml/2006/main" type="vertTitleAndTx" preserve="1">
   <p:cSld name="Вертикальный заголовок и текст">
     <p:spTree>
@@ -490,7 +4099,86 @@
       </p:grpSpPr>
       <p:sp>
         <p:nvSpPr>
-          <p:cNvPr id="2" name="Вертикальный заголовок 1"/>
+          <p:cNvPr id="7" name="Rectangle 6"/>
+          <p:cNvSpPr/>
+          <p:nvPr/>
+        </p:nvSpPr>
+        <p:spPr bwMode="ltGray">
+          <a:xfrm rot="5400000">
+            <a:off x="8116207" y="1869395"/>
+            <a:ext cx="5106988" cy="1368198"/>
+          </a:xfrm>
+          <a:prstGeom prst="rect">
+            <a:avLst/>
+          </a:prstGeom>
+          <a:solidFill>
+            <a:schemeClr val="bg1">
+              <a:lumMod val="85000"/>
+              <a:lumOff val="15000"/>
+            </a:schemeClr>
+          </a:solidFill>
+          <a:ln>
+            <a:noFill/>
+          </a:ln>
+        </p:spPr>
+        <p:style>
+          <a:lnRef idx="2">
+            <a:schemeClr val="accent1">
+              <a:shade val="50000"/>
+            </a:schemeClr>
+          </a:lnRef>
+          <a:fillRef idx="1">
+            <a:schemeClr val="accent1"/>
+          </a:fillRef>
+          <a:effectRef idx="0">
+            <a:schemeClr val="accent1"/>
+          </a:effectRef>
+          <a:fontRef idx="minor">
+            <a:schemeClr val="lt1"/>
+          </a:fontRef>
+        </p:style>
+      </p:sp>
+      <p:sp>
+        <p:nvSpPr>
+          <p:cNvPr id="8" name="Rectangle 7"/>
+          <p:cNvSpPr/>
+          <p:nvPr/>
+        </p:nvSpPr>
+        <p:spPr>
+          <a:xfrm rot="5400000">
+            <a:off x="9868202" y="5372403"/>
+            <a:ext cx="1602997" cy="1368198"/>
+          </a:xfrm>
+          <a:prstGeom prst="rect">
+            <a:avLst/>
+          </a:prstGeom>
+          <a:solidFill>
+            <a:schemeClr val="accent1"/>
+          </a:solidFill>
+          <a:ln>
+            <a:noFill/>
+          </a:ln>
+        </p:spPr>
+        <p:style>
+          <a:lnRef idx="2">
+            <a:schemeClr val="accent1">
+              <a:shade val="50000"/>
+            </a:schemeClr>
+          </a:lnRef>
+          <a:fillRef idx="1">
+            <a:schemeClr val="accent1"/>
+          </a:fillRef>
+          <a:effectRef idx="0">
+            <a:schemeClr val="accent1"/>
+          </a:effectRef>
+          <a:fontRef idx="minor">
+            <a:schemeClr val="lt1"/>
+          </a:fontRef>
+        </p:style>
+      </p:sp>
+      <p:sp>
+        <p:nvSpPr>
+          <p:cNvPr id="2" name="Vertical Title 1"/>
           <p:cNvSpPr>
             <a:spLocks noGrp="1"/>
           </p:cNvSpPr>
@@ -500,8 +4188,8 @@
         </p:nvSpPr>
         <p:spPr>
           <a:xfrm>
-            <a:off x="8724900" y="365125"/>
-            <a:ext cx="2628900" cy="5811838"/>
+            <a:off x="10129231" y="609597"/>
+            <a:ext cx="1073802" cy="4353760"/>
           </a:xfrm>
         </p:spPr>
         <p:txBody>
@@ -512,13 +4200,13 @@
               <a:rPr lang="ru-RU" smtClean="0"/>
               <a:t>Образец заголовка</a:t>
             </a:r>
-            <a:endParaRPr lang="ru-RU"/>
-          </a:p>
-        </p:txBody>
-      </p:sp>
-      <p:sp>
-        <p:nvSpPr>
-          <p:cNvPr id="3" name="Вертикальный текст 2"/>
+            <a:endParaRPr lang="en-US" dirty="0"/>
+          </a:p>
+        </p:txBody>
+      </p:sp>
+      <p:sp>
+        <p:nvSpPr>
+          <p:cNvPr id="3" name="Vertical Text Placeholder 2"/>
           <p:cNvSpPr>
             <a:spLocks noGrp="1"/>
           </p:cNvSpPr>
@@ -528,8 +4216,8 @@
         </p:nvSpPr>
         <p:spPr>
           <a:xfrm>
-            <a:off x="838200" y="365125"/>
-            <a:ext cx="7734300" cy="5811838"/>
+            <a:off x="680322" y="609597"/>
+            <a:ext cx="8870004" cy="5326589"/>
           </a:xfrm>
         </p:spPr>
         <p:txBody>
@@ -569,13 +4257,13 @@
               <a:rPr lang="ru-RU" smtClean="0"/>
               <a:t>Пятый уровень</a:t>
             </a:r>
-            <a:endParaRPr lang="ru-RU"/>
-          </a:p>
-        </p:txBody>
-      </p:sp>
-      <p:sp>
-        <p:nvSpPr>
-          <p:cNvPr id="4" name="Дата 3"/>
+            <a:endParaRPr lang="en-US" dirty="0"/>
+          </a:p>
+        </p:txBody>
+      </p:sp>
+      <p:sp>
+        <p:nvSpPr>
+          <p:cNvPr id="4" name="Date Placeholder 3"/>
           <p:cNvSpPr>
             <a:spLocks noGrp="1"/>
           </p:cNvSpPr>
@@ -583,7 +4271,12 @@
             <p:ph type="dt" sz="half" idx="10"/>
           </p:nvPr>
         </p:nvSpPr>
-        <p:spPr/>
+        <p:spPr>
+          <a:xfrm>
+            <a:off x="6807126" y="5936187"/>
+            <a:ext cx="2743200" cy="365125"/>
+          </a:xfrm>
+        </p:spPr>
         <p:txBody>
           <a:bodyPr/>
           <a:lstStyle/>
@@ -598,7 +4291,7 @@
       </p:sp>
       <p:sp>
         <p:nvSpPr>
-          <p:cNvPr id="5" name="Нижний колонтитул 4"/>
+          <p:cNvPr id="5" name="Footer Placeholder 4"/>
           <p:cNvSpPr>
             <a:spLocks noGrp="1"/>
           </p:cNvSpPr>
@@ -606,7 +4299,12 @@
             <p:ph type="ftr" sz="quarter" idx="11"/>
           </p:nvPr>
         </p:nvSpPr>
-        <p:spPr/>
+        <p:spPr>
+          <a:xfrm>
+            <a:off x="680321" y="5936188"/>
+            <a:ext cx="6126805" cy="365125"/>
+          </a:xfrm>
+        </p:spPr>
         <p:txBody>
           <a:bodyPr/>
           <a:lstStyle/>
@@ -617,7 +4315,7 @@
       </p:sp>
       <p:sp>
         <p:nvSpPr>
-          <p:cNvPr id="6" name="Номер слайда 5"/>
+          <p:cNvPr id="6" name="Slide Number Placeholder 5"/>
           <p:cNvSpPr>
             <a:spLocks noGrp="1"/>
           </p:cNvSpPr>
@@ -625,10 +4323,19 @@
             <p:ph type="sldNum" sz="quarter" idx="12"/>
           </p:nvPr>
         </p:nvSpPr>
-        <p:spPr/>
-        <p:txBody>
-          <a:bodyPr/>
-          <a:lstStyle/>
+        <p:spPr>
+          <a:xfrm>
+            <a:off x="10097550" y="5398633"/>
+            <a:ext cx="1154151" cy="1090789"/>
+          </a:xfrm>
+        </p:spPr>
+        <p:txBody>
+          <a:bodyPr anchor="t"/>
+          <a:lstStyle>
+            <a:lvl1pPr algn="ctr">
+              <a:defRPr/>
+            </a:lvl1pPr>
+          </a:lstStyle>
           <a:p>
             <a:fld id="{2F32FABE-11A7-42B5-9E2A-E188CC276047}" type="slidenum">
               <a:rPr lang="ru-RU" smtClean="0"/>
@@ -641,7 +4348,7 @@
     </p:spTree>
     <p:extLst>
       <p:ext uri="{BB962C8B-B14F-4D97-AF65-F5344CB8AC3E}">
-        <p14:creationId xmlns:p14="http://schemas.microsoft.com/office/powerpoint/2010/main" val="3966256619"/>
+        <p14:creationId xmlns:p14="http://schemas.microsoft.com/office/powerpoint/2010/main" val="3427003594"/>
       </p:ext>
     </p:extLst>
   </p:cSld>
@@ -668,9 +4375,148 @@
           <a:chExt cx="0" cy="0"/>
         </a:xfrm>
       </p:grpSpPr>
-      <p:sp>
-        <p:nvSpPr>
-          <p:cNvPr id="2" name="Заголовок 1"/>
+      <p:pic>
+        <p:nvPicPr>
+          <p:cNvPr id="15" name="Picture 14" descr="HD-ShadowLong.png"/>
+          <p:cNvPicPr>
+            <a:picLocks noChangeAspect="1"/>
+          </p:cNvPicPr>
+          <p:nvPr/>
+        </p:nvPicPr>
+        <p:blipFill>
+          <a:blip r:embed="rId2">
+            <a:extLst>
+              <a:ext uri="{28A0092B-C50C-407E-A947-70E740481C1C}">
+                <a14:useLocalDpi xmlns:a14="http://schemas.microsoft.com/office/drawing/2010/main" val="0"/>
+              </a:ext>
+            </a:extLst>
+          </a:blip>
+          <a:stretch>
+            <a:fillRect/>
+          </a:stretch>
+        </p:blipFill>
+        <p:spPr>
+          <a:xfrm>
+            <a:off x="1" y="1970240"/>
+            <a:ext cx="10437812" cy="321164"/>
+          </a:xfrm>
+          <a:prstGeom prst="rect">
+            <a:avLst/>
+          </a:prstGeom>
+        </p:spPr>
+      </p:pic>
+      <p:pic>
+        <p:nvPicPr>
+          <p:cNvPr id="16" name="Picture 15" descr="HD-ShadowShort.png"/>
+          <p:cNvPicPr>
+            <a:picLocks noChangeAspect="1"/>
+          </p:cNvPicPr>
+          <p:nvPr/>
+        </p:nvPicPr>
+        <p:blipFill>
+          <a:blip r:embed="rId3" cstate="print">
+            <a:extLst>
+              <a:ext uri="{28A0092B-C50C-407E-A947-70E740481C1C}">
+                <a14:useLocalDpi xmlns:a14="http://schemas.microsoft.com/office/drawing/2010/main" val="0"/>
+              </a:ext>
+            </a:extLst>
+          </a:blip>
+          <a:stretch>
+            <a:fillRect/>
+          </a:stretch>
+        </p:blipFill>
+        <p:spPr>
+          <a:xfrm>
+            <a:off x="10585826" y="1971234"/>
+            <a:ext cx="1602997" cy="144270"/>
+          </a:xfrm>
+          <a:prstGeom prst="rect">
+            <a:avLst/>
+          </a:prstGeom>
+        </p:spPr>
+      </p:pic>
+      <p:sp>
+        <p:nvSpPr>
+          <p:cNvPr id="17" name="Rectangle 16"/>
+          <p:cNvSpPr/>
+          <p:nvPr/>
+        </p:nvSpPr>
+        <p:spPr bwMode="ltGray">
+          <a:xfrm>
+            <a:off x="0" y="609600"/>
+            <a:ext cx="10437812" cy="1368198"/>
+          </a:xfrm>
+          <a:prstGeom prst="rect">
+            <a:avLst/>
+          </a:prstGeom>
+          <a:solidFill>
+            <a:schemeClr val="bg1">
+              <a:lumMod val="85000"/>
+              <a:lumOff val="15000"/>
+            </a:schemeClr>
+          </a:solidFill>
+          <a:ln>
+            <a:noFill/>
+          </a:ln>
+        </p:spPr>
+        <p:style>
+          <a:lnRef idx="2">
+            <a:schemeClr val="accent1">
+              <a:shade val="50000"/>
+            </a:schemeClr>
+          </a:lnRef>
+          <a:fillRef idx="1">
+            <a:schemeClr val="accent1"/>
+          </a:fillRef>
+          <a:effectRef idx="0">
+            <a:schemeClr val="accent1"/>
+          </a:effectRef>
+          <a:fontRef idx="minor">
+            <a:schemeClr val="lt1"/>
+          </a:fontRef>
+        </p:style>
+      </p:sp>
+      <p:sp>
+        <p:nvSpPr>
+          <p:cNvPr id="18" name="Rectangle 17"/>
+          <p:cNvSpPr/>
+          <p:nvPr/>
+        </p:nvSpPr>
+        <p:spPr>
+          <a:xfrm>
+            <a:off x="10585827" y="609600"/>
+            <a:ext cx="1602997" cy="1368198"/>
+          </a:xfrm>
+          <a:prstGeom prst="rect">
+            <a:avLst/>
+          </a:prstGeom>
+          <a:solidFill>
+            <a:schemeClr val="accent1"/>
+          </a:solidFill>
+          <a:ln>
+            <a:noFill/>
+          </a:ln>
+        </p:spPr>
+        <p:style>
+          <a:lnRef idx="2">
+            <a:schemeClr val="accent1">
+              <a:shade val="50000"/>
+            </a:schemeClr>
+          </a:lnRef>
+          <a:fillRef idx="1">
+            <a:schemeClr val="accent1"/>
+          </a:fillRef>
+          <a:effectRef idx="0">
+            <a:schemeClr val="accent1"/>
+          </a:effectRef>
+          <a:fontRef idx="minor">
+            <a:schemeClr val="lt1"/>
+          </a:fontRef>
+        </p:style>
+      </p:sp>
+      <p:sp>
+        <p:nvSpPr>
+          <p:cNvPr id="2" name="Title 1"/>
           <p:cNvSpPr>
             <a:spLocks noGrp="1"/>
           </p:cNvSpPr>
@@ -687,13 +4533,13 @@
               <a:rPr lang="ru-RU" smtClean="0"/>
               <a:t>Образец заголовка</a:t>
             </a:r>
-            <a:endParaRPr lang="ru-RU"/>
-          </a:p>
-        </p:txBody>
-      </p:sp>
-      <p:sp>
-        <p:nvSpPr>
-          <p:cNvPr id="3" name="Объект 2"/>
+            <a:endParaRPr lang="en-US" dirty="0"/>
+          </a:p>
+        </p:txBody>
+      </p:sp>
+      <p:sp>
+        <p:nvSpPr>
+          <p:cNvPr id="3" name="Content Placeholder 2"/>
           <p:cNvSpPr>
             <a:spLocks noGrp="1"/>
           </p:cNvSpPr>
@@ -739,13 +4585,13 @@
               <a:rPr lang="ru-RU" smtClean="0"/>
               <a:t>Пятый уровень</a:t>
             </a:r>
-            <a:endParaRPr lang="ru-RU"/>
-          </a:p>
-        </p:txBody>
-      </p:sp>
-      <p:sp>
-        <p:nvSpPr>
-          <p:cNvPr id="4" name="Дата 3"/>
+            <a:endParaRPr lang="en-US" dirty="0"/>
+          </a:p>
+        </p:txBody>
+      </p:sp>
+      <p:sp>
+        <p:nvSpPr>
+          <p:cNvPr id="4" name="Date Placeholder 3"/>
           <p:cNvSpPr>
             <a:spLocks noGrp="1"/>
           </p:cNvSpPr>
@@ -768,7 +4614,7 @@
       </p:sp>
       <p:sp>
         <p:nvSpPr>
-          <p:cNvPr id="5" name="Нижний колонтитул 4"/>
+          <p:cNvPr id="5" name="Footer Placeholder 4"/>
           <p:cNvSpPr>
             <a:spLocks noGrp="1"/>
           </p:cNvSpPr>
@@ -787,7 +4633,7 @@
       </p:sp>
       <p:sp>
         <p:nvSpPr>
-          <p:cNvPr id="6" name="Номер слайда 5"/>
+          <p:cNvPr id="6" name="Slide Number Placeholder 5"/>
           <p:cNvSpPr>
             <a:spLocks noGrp="1"/>
           </p:cNvSpPr>
@@ -811,7 +4657,7 @@
     </p:spTree>
     <p:extLst>
       <p:ext uri="{BB962C8B-B14F-4D97-AF65-F5344CB8AC3E}">
-        <p14:creationId xmlns:p14="http://schemas.microsoft.com/office/powerpoint/2010/main" val="3609119756"/>
+        <p14:creationId xmlns:p14="http://schemas.microsoft.com/office/powerpoint/2010/main" val="487246920"/>
       </p:ext>
     </p:extLst>
   </p:cSld>
@@ -838,9 +4684,148 @@
           <a:chExt cx="0" cy="0"/>
         </a:xfrm>
       </p:grpSpPr>
-      <p:sp>
-        <p:nvSpPr>
-          <p:cNvPr id="2" name="Заголовок 1"/>
+      <p:pic>
+        <p:nvPicPr>
+          <p:cNvPr id="7" name="Picture 6" descr="HD-ShadowLong.png"/>
+          <p:cNvPicPr>
+            <a:picLocks noChangeAspect="1"/>
+          </p:cNvPicPr>
+          <p:nvPr/>
+        </p:nvPicPr>
+        <p:blipFill>
+          <a:blip r:embed="rId2">
+            <a:extLst>
+              <a:ext uri="{28A0092B-C50C-407E-A947-70E740481C1C}">
+                <a14:useLocalDpi xmlns:a14="http://schemas.microsoft.com/office/drawing/2010/main" val="0"/>
+              </a:ext>
+            </a:extLst>
+          </a:blip>
+          <a:stretch>
+            <a:fillRect/>
+          </a:stretch>
+        </p:blipFill>
+        <p:spPr>
+          <a:xfrm>
+            <a:off x="-1" y="4086907"/>
+            <a:ext cx="10437812" cy="321164"/>
+          </a:xfrm>
+          <a:prstGeom prst="rect">
+            <a:avLst/>
+          </a:prstGeom>
+        </p:spPr>
+      </p:pic>
+      <p:pic>
+        <p:nvPicPr>
+          <p:cNvPr id="8" name="Picture 7" descr="HD-ShadowShort.png"/>
+          <p:cNvPicPr>
+            <a:picLocks noChangeAspect="1"/>
+          </p:cNvPicPr>
+          <p:nvPr/>
+        </p:nvPicPr>
+        <p:blipFill>
+          <a:blip r:embed="rId3" cstate="print">
+            <a:extLst>
+              <a:ext uri="{28A0092B-C50C-407E-A947-70E740481C1C}">
+                <a14:useLocalDpi xmlns:a14="http://schemas.microsoft.com/office/drawing/2010/main" val="0"/>
+              </a:ext>
+            </a:extLst>
+          </a:blip>
+          <a:stretch>
+            <a:fillRect/>
+          </a:stretch>
+        </p:blipFill>
+        <p:spPr>
+          <a:xfrm>
+            <a:off x="10585824" y="4087901"/>
+            <a:ext cx="1602997" cy="144270"/>
+          </a:xfrm>
+          <a:prstGeom prst="rect">
+            <a:avLst/>
+          </a:prstGeom>
+        </p:spPr>
+      </p:pic>
+      <p:sp>
+        <p:nvSpPr>
+          <p:cNvPr id="9" name="Rectangle 8"/>
+          <p:cNvSpPr/>
+          <p:nvPr/>
+        </p:nvSpPr>
+        <p:spPr bwMode="ltGray">
+          <a:xfrm>
+            <a:off x="-2" y="2726267"/>
+            <a:ext cx="10437812" cy="1368198"/>
+          </a:xfrm>
+          <a:prstGeom prst="rect">
+            <a:avLst/>
+          </a:prstGeom>
+          <a:solidFill>
+            <a:schemeClr val="bg1">
+              <a:lumMod val="85000"/>
+              <a:lumOff val="15000"/>
+            </a:schemeClr>
+          </a:solidFill>
+          <a:ln>
+            <a:noFill/>
+          </a:ln>
+        </p:spPr>
+        <p:style>
+          <a:lnRef idx="2">
+            <a:schemeClr val="accent1">
+              <a:shade val="50000"/>
+            </a:schemeClr>
+          </a:lnRef>
+          <a:fillRef idx="1">
+            <a:schemeClr val="accent1"/>
+          </a:fillRef>
+          <a:effectRef idx="0">
+            <a:schemeClr val="accent1"/>
+          </a:effectRef>
+          <a:fontRef idx="minor">
+            <a:schemeClr val="lt1"/>
+          </a:fontRef>
+        </p:style>
+      </p:sp>
+      <p:sp>
+        <p:nvSpPr>
+          <p:cNvPr id="10" name="Rectangle 9"/>
+          <p:cNvSpPr/>
+          <p:nvPr/>
+        </p:nvSpPr>
+        <p:spPr>
+          <a:xfrm>
+            <a:off x="10585825" y="2726267"/>
+            <a:ext cx="1602997" cy="1368198"/>
+          </a:xfrm>
+          <a:prstGeom prst="rect">
+            <a:avLst/>
+          </a:prstGeom>
+          <a:solidFill>
+            <a:schemeClr val="accent1"/>
+          </a:solidFill>
+          <a:ln>
+            <a:noFill/>
+          </a:ln>
+        </p:spPr>
+        <p:style>
+          <a:lnRef idx="2">
+            <a:schemeClr val="accent1">
+              <a:shade val="50000"/>
+            </a:schemeClr>
+          </a:lnRef>
+          <a:fillRef idx="1">
+            <a:schemeClr val="accent1"/>
+          </a:fillRef>
+          <a:effectRef idx="0">
+            <a:schemeClr val="accent1"/>
+          </a:effectRef>
+          <a:fontRef idx="minor">
+            <a:schemeClr val="lt1"/>
+          </a:fontRef>
+        </p:style>
+      </p:sp>
+      <p:sp>
+        <p:nvSpPr>
+          <p:cNvPr id="2" name="Title 1"/>
           <p:cNvSpPr>
             <a:spLocks noGrp="1"/>
           </p:cNvSpPr>
@@ -850,15 +4835,17 @@
         </p:nvSpPr>
         <p:spPr>
           <a:xfrm>
-            <a:off x="831850" y="1709738"/>
-            <a:ext cx="10515600" cy="2852737"/>
-          </a:xfrm>
-        </p:spPr>
-        <p:txBody>
-          <a:bodyPr anchor="b"/>
+            <a:off x="680322" y="2869895"/>
+            <a:ext cx="9613860" cy="1090788"/>
+          </a:xfrm>
+        </p:spPr>
+        <p:txBody>
+          <a:bodyPr anchor="ctr">
+            <a:normAutofit/>
+          </a:bodyPr>
           <a:lstStyle>
-            <a:lvl1pPr>
-              <a:defRPr sz="6000"/>
+            <a:lvl1pPr algn="r">
+              <a:defRPr sz="3600"/>
             </a:lvl1pPr>
           </a:lstStyle>
           <a:p>
@@ -866,13 +4853,13 @@
               <a:rPr lang="ru-RU" smtClean="0"/>
               <a:t>Образец заголовка</a:t>
             </a:r>
-            <a:endParaRPr lang="ru-RU"/>
-          </a:p>
-        </p:txBody>
-      </p:sp>
-      <p:sp>
-        <p:nvSpPr>
-          <p:cNvPr id="3" name="Текст 2"/>
+            <a:endParaRPr lang="en-US" dirty="0"/>
+          </a:p>
+        </p:txBody>
+      </p:sp>
+      <p:sp>
+        <p:nvSpPr>
+          <p:cNvPr id="3" name="Text Placeholder 2"/>
           <p:cNvSpPr>
             <a:spLocks noGrp="1"/>
           </p:cNvSpPr>
@@ -882,16 +4869,18 @@
         </p:nvSpPr>
         <p:spPr>
           <a:xfrm>
-            <a:off x="831850" y="4589463"/>
-            <a:ext cx="10515600" cy="1500187"/>
-          </a:xfrm>
-        </p:spPr>
-        <p:txBody>
-          <a:bodyPr/>
+            <a:off x="680322" y="4232171"/>
+            <a:ext cx="9613860" cy="1704017"/>
+          </a:xfrm>
+        </p:spPr>
+        <p:txBody>
+          <a:bodyPr>
+            <a:normAutofit/>
+          </a:bodyPr>
           <a:lstStyle>
-            <a:lvl1pPr marL="0" indent="0">
-              <a:buNone/>
-              <a:defRPr sz="2400">
+            <a:lvl1pPr marL="0" indent="0" algn="r">
+              <a:buNone/>
+              <a:defRPr sz="2000">
                 <a:solidFill>
                   <a:schemeClr val="tx1">
                     <a:tint val="75000"/>
@@ -991,7 +4980,7 @@
       </p:sp>
       <p:sp>
         <p:nvSpPr>
-          <p:cNvPr id="4" name="Дата 3"/>
+          <p:cNvPr id="4" name="Date Placeholder 3"/>
           <p:cNvSpPr>
             <a:spLocks noGrp="1"/>
           </p:cNvSpPr>
@@ -1014,7 +5003,7 @@
       </p:sp>
       <p:sp>
         <p:nvSpPr>
-          <p:cNvPr id="5" name="Нижний колонтитул 4"/>
+          <p:cNvPr id="5" name="Footer Placeholder 4"/>
           <p:cNvSpPr>
             <a:spLocks noGrp="1"/>
           </p:cNvSpPr>
@@ -1033,7 +5022,7 @@
       </p:sp>
       <p:sp>
         <p:nvSpPr>
-          <p:cNvPr id="6" name="Номер слайда 5"/>
+          <p:cNvPr id="6" name="Slide Number Placeholder 5"/>
           <p:cNvSpPr>
             <a:spLocks noGrp="1"/>
           </p:cNvSpPr>
@@ -1041,7 +5030,12 @@
             <p:ph type="sldNum" sz="quarter" idx="12"/>
           </p:nvPr>
         </p:nvSpPr>
-        <p:spPr/>
+        <p:spPr>
+          <a:xfrm>
+            <a:off x="10729455" y="2869895"/>
+            <a:ext cx="1154151" cy="1090789"/>
+          </a:xfrm>
+        </p:spPr>
         <p:txBody>
           <a:bodyPr/>
           <a:lstStyle/>
@@ -1057,7 +5051,7 @@
     </p:spTree>
     <p:extLst>
       <p:ext uri="{BB962C8B-B14F-4D97-AF65-F5344CB8AC3E}">
-        <p14:creationId xmlns:p14="http://schemas.microsoft.com/office/powerpoint/2010/main" val="2748481838"/>
+        <p14:creationId xmlns:p14="http://schemas.microsoft.com/office/powerpoint/2010/main" val="2952768336"/>
       </p:ext>
     </p:extLst>
   </p:cSld>
@@ -1084,9 +5078,148 @@
           <a:chExt cx="0" cy="0"/>
         </a:xfrm>
       </p:grpSpPr>
-      <p:sp>
-        <p:nvSpPr>
-          <p:cNvPr id="2" name="Заголовок 1"/>
+      <p:pic>
+        <p:nvPicPr>
+          <p:cNvPr id="8" name="Picture 7" descr="HD-ShadowLong.png"/>
+          <p:cNvPicPr>
+            <a:picLocks noChangeAspect="1"/>
+          </p:cNvPicPr>
+          <p:nvPr/>
+        </p:nvPicPr>
+        <p:blipFill>
+          <a:blip r:embed="rId2">
+            <a:extLst>
+              <a:ext uri="{28A0092B-C50C-407E-A947-70E740481C1C}">
+                <a14:useLocalDpi xmlns:a14="http://schemas.microsoft.com/office/drawing/2010/main" val="0"/>
+              </a:ext>
+            </a:extLst>
+          </a:blip>
+          <a:stretch>
+            <a:fillRect/>
+          </a:stretch>
+        </p:blipFill>
+        <p:spPr>
+          <a:xfrm>
+            <a:off x="1" y="1970240"/>
+            <a:ext cx="10437812" cy="321164"/>
+          </a:xfrm>
+          <a:prstGeom prst="rect">
+            <a:avLst/>
+          </a:prstGeom>
+        </p:spPr>
+      </p:pic>
+      <p:pic>
+        <p:nvPicPr>
+          <p:cNvPr id="9" name="Picture 8" descr="HD-ShadowShort.png"/>
+          <p:cNvPicPr>
+            <a:picLocks noChangeAspect="1"/>
+          </p:cNvPicPr>
+          <p:nvPr/>
+        </p:nvPicPr>
+        <p:blipFill>
+          <a:blip r:embed="rId3" cstate="print">
+            <a:extLst>
+              <a:ext uri="{28A0092B-C50C-407E-A947-70E740481C1C}">
+                <a14:useLocalDpi xmlns:a14="http://schemas.microsoft.com/office/drawing/2010/main" val="0"/>
+              </a:ext>
+            </a:extLst>
+          </a:blip>
+          <a:stretch>
+            <a:fillRect/>
+          </a:stretch>
+        </p:blipFill>
+        <p:spPr>
+          <a:xfrm>
+            <a:off x="10585826" y="1971234"/>
+            <a:ext cx="1602997" cy="144270"/>
+          </a:xfrm>
+          <a:prstGeom prst="rect">
+            <a:avLst/>
+          </a:prstGeom>
+        </p:spPr>
+      </p:pic>
+      <p:sp>
+        <p:nvSpPr>
+          <p:cNvPr id="10" name="Rectangle 9"/>
+          <p:cNvSpPr/>
+          <p:nvPr/>
+        </p:nvSpPr>
+        <p:spPr bwMode="ltGray">
+          <a:xfrm>
+            <a:off x="0" y="609600"/>
+            <a:ext cx="10437812" cy="1368198"/>
+          </a:xfrm>
+          <a:prstGeom prst="rect">
+            <a:avLst/>
+          </a:prstGeom>
+          <a:solidFill>
+            <a:schemeClr val="bg1">
+              <a:lumMod val="85000"/>
+              <a:lumOff val="15000"/>
+            </a:schemeClr>
+          </a:solidFill>
+          <a:ln>
+            <a:noFill/>
+          </a:ln>
+        </p:spPr>
+        <p:style>
+          <a:lnRef idx="2">
+            <a:schemeClr val="accent1">
+              <a:shade val="50000"/>
+            </a:schemeClr>
+          </a:lnRef>
+          <a:fillRef idx="1">
+            <a:schemeClr val="accent1"/>
+          </a:fillRef>
+          <a:effectRef idx="0">
+            <a:schemeClr val="accent1"/>
+          </a:effectRef>
+          <a:fontRef idx="minor">
+            <a:schemeClr val="lt1"/>
+          </a:fontRef>
+        </p:style>
+      </p:sp>
+      <p:sp>
+        <p:nvSpPr>
+          <p:cNvPr id="11" name="Rectangle 10"/>
+          <p:cNvSpPr/>
+          <p:nvPr/>
+        </p:nvSpPr>
+        <p:spPr>
+          <a:xfrm>
+            <a:off x="10585827" y="609600"/>
+            <a:ext cx="1602997" cy="1368198"/>
+          </a:xfrm>
+          <a:prstGeom prst="rect">
+            <a:avLst/>
+          </a:prstGeom>
+          <a:solidFill>
+            <a:schemeClr val="accent1"/>
+          </a:solidFill>
+          <a:ln>
+            <a:noFill/>
+          </a:ln>
+        </p:spPr>
+        <p:style>
+          <a:lnRef idx="2">
+            <a:schemeClr val="accent1">
+              <a:shade val="50000"/>
+            </a:schemeClr>
+          </a:lnRef>
+          <a:fillRef idx="1">
+            <a:schemeClr val="accent1"/>
+          </a:fillRef>
+          <a:effectRef idx="0">
+            <a:schemeClr val="accent1"/>
+          </a:effectRef>
+          <a:fontRef idx="minor">
+            <a:schemeClr val="lt1"/>
+          </a:fontRef>
+        </p:style>
+      </p:sp>
+      <p:sp>
+        <p:nvSpPr>
+          <p:cNvPr id="2" name="Title 1"/>
           <p:cNvSpPr>
             <a:spLocks noGrp="1"/>
           </p:cNvSpPr>
@@ -1103,13 +5236,13 @@
               <a:rPr lang="ru-RU" smtClean="0"/>
               <a:t>Образец заголовка</a:t>
             </a:r>
-            <a:endParaRPr lang="ru-RU"/>
-          </a:p>
-        </p:txBody>
-      </p:sp>
-      <p:sp>
-        <p:nvSpPr>
-          <p:cNvPr id="3" name="Объект 2"/>
+            <a:endParaRPr lang="en-US" dirty="0"/>
+          </a:p>
+        </p:txBody>
+      </p:sp>
+      <p:sp>
+        <p:nvSpPr>
+          <p:cNvPr id="3" name="Content Placeholder 2"/>
           <p:cNvSpPr>
             <a:spLocks noGrp="1"/>
           </p:cNvSpPr>
@@ -1119,8 +5252,8 @@
         </p:nvSpPr>
         <p:spPr>
           <a:xfrm>
-            <a:off x="838200" y="1825625"/>
-            <a:ext cx="5181600" cy="4351338"/>
+            <a:off x="680320" y="2336873"/>
+            <a:ext cx="4698358" cy="3599316"/>
           </a:xfrm>
         </p:spPr>
         <p:txBody>
@@ -1160,13 +5293,13 @@
               <a:rPr lang="ru-RU" smtClean="0"/>
               <a:t>Пятый уровень</a:t>
             </a:r>
-            <a:endParaRPr lang="ru-RU"/>
-          </a:p>
-        </p:txBody>
-      </p:sp>
-      <p:sp>
-        <p:nvSpPr>
-          <p:cNvPr id="4" name="Объект 3"/>
+            <a:endParaRPr lang="en-US" dirty="0"/>
+          </a:p>
+        </p:txBody>
+      </p:sp>
+      <p:sp>
+        <p:nvSpPr>
+          <p:cNvPr id="4" name="Content Placeholder 3"/>
           <p:cNvSpPr>
             <a:spLocks noGrp="1"/>
           </p:cNvSpPr>
@@ -1176,8 +5309,8 @@
         </p:nvSpPr>
         <p:spPr>
           <a:xfrm>
-            <a:off x="6172200" y="1825625"/>
-            <a:ext cx="5181600" cy="4351338"/>
+            <a:off x="5594123" y="2336873"/>
+            <a:ext cx="4700058" cy="3599316"/>
           </a:xfrm>
         </p:spPr>
         <p:txBody>
@@ -1217,13 +5350,13 @@
               <a:rPr lang="ru-RU" smtClean="0"/>
               <a:t>Пятый уровень</a:t>
             </a:r>
-            <a:endParaRPr lang="ru-RU"/>
-          </a:p>
-        </p:txBody>
-      </p:sp>
-      <p:sp>
-        <p:nvSpPr>
-          <p:cNvPr id="5" name="Дата 4"/>
+            <a:endParaRPr lang="en-US" dirty="0"/>
+          </a:p>
+        </p:txBody>
+      </p:sp>
+      <p:sp>
+        <p:nvSpPr>
+          <p:cNvPr id="5" name="Date Placeholder 4"/>
           <p:cNvSpPr>
             <a:spLocks noGrp="1"/>
           </p:cNvSpPr>
@@ -1246,7 +5379,7 @@
       </p:sp>
       <p:sp>
         <p:nvSpPr>
-          <p:cNvPr id="6" name="Нижний колонтитул 5"/>
+          <p:cNvPr id="6" name="Footer Placeholder 5"/>
           <p:cNvSpPr>
             <a:spLocks noGrp="1"/>
           </p:cNvSpPr>
@@ -1265,7 +5398,7 @@
       </p:sp>
       <p:sp>
         <p:nvSpPr>
-          <p:cNvPr id="7" name="Номер слайда 6"/>
+          <p:cNvPr id="7" name="Slide Number Placeholder 6"/>
           <p:cNvSpPr>
             <a:spLocks noGrp="1"/>
           </p:cNvSpPr>
@@ -1289,7 +5422,7 @@
     </p:spTree>
     <p:extLst>
       <p:ext uri="{BB962C8B-B14F-4D97-AF65-F5344CB8AC3E}">
-        <p14:creationId xmlns:p14="http://schemas.microsoft.com/office/powerpoint/2010/main" val="3000195649"/>
+        <p14:creationId xmlns:p14="http://schemas.microsoft.com/office/powerpoint/2010/main" val="410862429"/>
       </p:ext>
     </p:extLst>
   </p:cSld>
@@ -1316,9 +5449,148 @@
           <a:chExt cx="0" cy="0"/>
         </a:xfrm>
       </p:grpSpPr>
-      <p:sp>
-        <p:nvSpPr>
-          <p:cNvPr id="2" name="Заголовок 1"/>
+      <p:pic>
+        <p:nvPicPr>
+          <p:cNvPr id="10" name="Picture 9" descr="HD-ShadowLong.png"/>
+          <p:cNvPicPr>
+            <a:picLocks noChangeAspect="1"/>
+          </p:cNvPicPr>
+          <p:nvPr/>
+        </p:nvPicPr>
+        <p:blipFill>
+          <a:blip r:embed="rId2">
+            <a:extLst>
+              <a:ext uri="{28A0092B-C50C-407E-A947-70E740481C1C}">
+                <a14:useLocalDpi xmlns:a14="http://schemas.microsoft.com/office/drawing/2010/main" val="0"/>
+              </a:ext>
+            </a:extLst>
+          </a:blip>
+          <a:stretch>
+            <a:fillRect/>
+          </a:stretch>
+        </p:blipFill>
+        <p:spPr>
+          <a:xfrm>
+            <a:off x="1" y="1970240"/>
+            <a:ext cx="10437812" cy="321164"/>
+          </a:xfrm>
+          <a:prstGeom prst="rect">
+            <a:avLst/>
+          </a:prstGeom>
+        </p:spPr>
+      </p:pic>
+      <p:pic>
+        <p:nvPicPr>
+          <p:cNvPr id="11" name="Picture 10" descr="HD-ShadowShort.png"/>
+          <p:cNvPicPr>
+            <a:picLocks noChangeAspect="1"/>
+          </p:cNvPicPr>
+          <p:nvPr/>
+        </p:nvPicPr>
+        <p:blipFill>
+          <a:blip r:embed="rId3" cstate="print">
+            <a:extLst>
+              <a:ext uri="{28A0092B-C50C-407E-A947-70E740481C1C}">
+                <a14:useLocalDpi xmlns:a14="http://schemas.microsoft.com/office/drawing/2010/main" val="0"/>
+              </a:ext>
+            </a:extLst>
+          </a:blip>
+          <a:stretch>
+            <a:fillRect/>
+          </a:stretch>
+        </p:blipFill>
+        <p:spPr>
+          <a:xfrm>
+            <a:off x="10585826" y="1971234"/>
+            <a:ext cx="1602997" cy="144270"/>
+          </a:xfrm>
+          <a:prstGeom prst="rect">
+            <a:avLst/>
+          </a:prstGeom>
+        </p:spPr>
+      </p:pic>
+      <p:sp>
+        <p:nvSpPr>
+          <p:cNvPr id="12" name="Rectangle 11"/>
+          <p:cNvSpPr/>
+          <p:nvPr/>
+        </p:nvSpPr>
+        <p:spPr bwMode="ltGray">
+          <a:xfrm>
+            <a:off x="0" y="609600"/>
+            <a:ext cx="10437812" cy="1368198"/>
+          </a:xfrm>
+          <a:prstGeom prst="rect">
+            <a:avLst/>
+          </a:prstGeom>
+          <a:solidFill>
+            <a:schemeClr val="bg1">
+              <a:lumMod val="85000"/>
+              <a:lumOff val="15000"/>
+            </a:schemeClr>
+          </a:solidFill>
+          <a:ln>
+            <a:noFill/>
+          </a:ln>
+        </p:spPr>
+        <p:style>
+          <a:lnRef idx="2">
+            <a:schemeClr val="accent1">
+              <a:shade val="50000"/>
+            </a:schemeClr>
+          </a:lnRef>
+          <a:fillRef idx="1">
+            <a:schemeClr val="accent1"/>
+          </a:fillRef>
+          <a:effectRef idx="0">
+            <a:schemeClr val="accent1"/>
+          </a:effectRef>
+          <a:fontRef idx="minor">
+            <a:schemeClr val="lt1"/>
+          </a:fontRef>
+        </p:style>
+      </p:sp>
+      <p:sp>
+        <p:nvSpPr>
+          <p:cNvPr id="13" name="Rectangle 12"/>
+          <p:cNvSpPr/>
+          <p:nvPr/>
+        </p:nvSpPr>
+        <p:spPr>
+          <a:xfrm>
+            <a:off x="10585827" y="609600"/>
+            <a:ext cx="1602997" cy="1368198"/>
+          </a:xfrm>
+          <a:prstGeom prst="rect">
+            <a:avLst/>
+          </a:prstGeom>
+          <a:solidFill>
+            <a:schemeClr val="accent1"/>
+          </a:solidFill>
+          <a:ln>
+            <a:noFill/>
+          </a:ln>
+        </p:spPr>
+        <p:style>
+          <a:lnRef idx="2">
+            <a:schemeClr val="accent1">
+              <a:shade val="50000"/>
+            </a:schemeClr>
+          </a:lnRef>
+          <a:fillRef idx="1">
+            <a:schemeClr val="accent1"/>
+          </a:fillRef>
+          <a:effectRef idx="0">
+            <a:schemeClr val="accent1"/>
+          </a:effectRef>
+          <a:fontRef idx="minor">
+            <a:schemeClr val="lt1"/>
+          </a:fontRef>
+        </p:style>
+      </p:sp>
+      <p:sp>
+        <p:nvSpPr>
+          <p:cNvPr id="2" name="Title 1"/>
           <p:cNvSpPr>
             <a:spLocks noGrp="1"/>
           </p:cNvSpPr>
@@ -1328,8 +5600,8 @@
         </p:nvSpPr>
         <p:spPr>
           <a:xfrm>
-            <a:off x="839788" y="365125"/>
-            <a:ext cx="10515600" cy="1325563"/>
+            <a:off x="680319" y="753229"/>
+            <a:ext cx="9613863" cy="1080937"/>
           </a:xfrm>
         </p:spPr>
         <p:txBody>
@@ -1340,13 +5612,13 @@
               <a:rPr lang="ru-RU" smtClean="0"/>
               <a:t>Образец заголовка</a:t>
             </a:r>
-            <a:endParaRPr lang="ru-RU"/>
-          </a:p>
-        </p:txBody>
-      </p:sp>
-      <p:sp>
-        <p:nvSpPr>
-          <p:cNvPr id="3" name="Текст 2"/>
+            <a:endParaRPr lang="en-US" dirty="0"/>
+          </a:p>
+        </p:txBody>
+      </p:sp>
+      <p:sp>
+        <p:nvSpPr>
+          <p:cNvPr id="3" name="Text Placeholder 2"/>
           <p:cNvSpPr>
             <a:spLocks noGrp="1"/>
           </p:cNvSpPr>
@@ -1356,8 +5628,8 @@
         </p:nvSpPr>
         <p:spPr>
           <a:xfrm>
-            <a:off x="839788" y="1681163"/>
-            <a:ext cx="5157787" cy="823912"/>
+            <a:off x="906350" y="2336873"/>
+            <a:ext cx="4472327" cy="693135"/>
           </a:xfrm>
         </p:spPr>
         <p:txBody>
@@ -1411,7 +5683,7 @@
       </p:sp>
       <p:sp>
         <p:nvSpPr>
-          <p:cNvPr id="4" name="Объект 3"/>
+          <p:cNvPr id="4" name="Content Placeholder 3"/>
           <p:cNvSpPr>
             <a:spLocks noGrp="1"/>
           </p:cNvSpPr>
@@ -1421,8 +5693,8 @@
         </p:nvSpPr>
         <p:spPr>
           <a:xfrm>
-            <a:off x="839788" y="2505075"/>
-            <a:ext cx="5157787" cy="3684588"/>
+            <a:off x="680322" y="3030008"/>
+            <a:ext cx="4698355" cy="2906179"/>
           </a:xfrm>
         </p:spPr>
         <p:txBody>
@@ -1462,13 +5734,13 @@
               <a:rPr lang="ru-RU" smtClean="0"/>
               <a:t>Пятый уровень</a:t>
             </a:r>
-            <a:endParaRPr lang="ru-RU"/>
-          </a:p>
-        </p:txBody>
-      </p:sp>
-      <p:sp>
-        <p:nvSpPr>
-          <p:cNvPr id="5" name="Текст 4"/>
+            <a:endParaRPr lang="en-US" dirty="0"/>
+          </a:p>
+        </p:txBody>
+      </p:sp>
+      <p:sp>
+        <p:nvSpPr>
+          <p:cNvPr id="5" name="Text Placeholder 4"/>
           <p:cNvSpPr>
             <a:spLocks noGrp="1"/>
           </p:cNvSpPr>
@@ -1478,8 +5750,8 @@
         </p:nvSpPr>
         <p:spPr>
           <a:xfrm>
-            <a:off x="6172200" y="1681163"/>
-            <a:ext cx="5183188" cy="823912"/>
+            <a:off x="5820154" y="2336873"/>
+            <a:ext cx="4474028" cy="692076"/>
           </a:xfrm>
         </p:spPr>
         <p:txBody>
@@ -1533,7 +5805,7 @@
       </p:sp>
       <p:sp>
         <p:nvSpPr>
-          <p:cNvPr id="6" name="Объект 5"/>
+          <p:cNvPr id="6" name="Content Placeholder 5"/>
           <p:cNvSpPr>
             <a:spLocks noGrp="1"/>
           </p:cNvSpPr>
@@ -1543,8 +5815,8 @@
         </p:nvSpPr>
         <p:spPr>
           <a:xfrm>
-            <a:off x="6172200" y="2505075"/>
-            <a:ext cx="5183188" cy="3684588"/>
+            <a:off x="5594123" y="3030008"/>
+            <a:ext cx="4700059" cy="2906179"/>
           </a:xfrm>
         </p:spPr>
         <p:txBody>
@@ -1584,13 +5856,13 @@
               <a:rPr lang="ru-RU" smtClean="0"/>
               <a:t>Пятый уровень</a:t>
             </a:r>
-            <a:endParaRPr lang="ru-RU"/>
-          </a:p>
-        </p:txBody>
-      </p:sp>
-      <p:sp>
-        <p:nvSpPr>
-          <p:cNvPr id="7" name="Дата 6"/>
+            <a:endParaRPr lang="en-US" dirty="0"/>
+          </a:p>
+        </p:txBody>
+      </p:sp>
+      <p:sp>
+        <p:nvSpPr>
+          <p:cNvPr id="7" name="Date Placeholder 6"/>
           <p:cNvSpPr>
             <a:spLocks noGrp="1"/>
           </p:cNvSpPr>
@@ -1613,7 +5885,7 @@
       </p:sp>
       <p:sp>
         <p:nvSpPr>
-          <p:cNvPr id="8" name="Нижний колонтитул 7"/>
+          <p:cNvPr id="8" name="Footer Placeholder 7"/>
           <p:cNvSpPr>
             <a:spLocks noGrp="1"/>
           </p:cNvSpPr>
@@ -1632,7 +5904,7 @@
       </p:sp>
       <p:sp>
         <p:nvSpPr>
-          <p:cNvPr id="9" name="Номер слайда 8"/>
+          <p:cNvPr id="9" name="Slide Number Placeholder 8"/>
           <p:cNvSpPr>
             <a:spLocks noGrp="1"/>
           </p:cNvSpPr>
@@ -1656,7 +5928,7 @@
     </p:spTree>
     <p:extLst>
       <p:ext uri="{BB962C8B-B14F-4D97-AF65-F5344CB8AC3E}">
-        <p14:creationId xmlns:p14="http://schemas.microsoft.com/office/powerpoint/2010/main" val="2570801979"/>
+        <p14:creationId xmlns:p14="http://schemas.microsoft.com/office/powerpoint/2010/main" val="3214046206"/>
       </p:ext>
     </p:extLst>
   </p:cSld>
@@ -1683,9 +5955,148 @@
           <a:chExt cx="0" cy="0"/>
         </a:xfrm>
       </p:grpSpPr>
-      <p:sp>
-        <p:nvSpPr>
-          <p:cNvPr id="2" name="Заголовок 1"/>
+      <p:pic>
+        <p:nvPicPr>
+          <p:cNvPr id="6" name="Picture 5" descr="HD-ShadowLong.png"/>
+          <p:cNvPicPr>
+            <a:picLocks noChangeAspect="1"/>
+          </p:cNvPicPr>
+          <p:nvPr/>
+        </p:nvPicPr>
+        <p:blipFill>
+          <a:blip r:embed="rId2">
+            <a:extLst>
+              <a:ext uri="{28A0092B-C50C-407E-A947-70E740481C1C}">
+                <a14:useLocalDpi xmlns:a14="http://schemas.microsoft.com/office/drawing/2010/main" val="0"/>
+              </a:ext>
+            </a:extLst>
+          </a:blip>
+          <a:stretch>
+            <a:fillRect/>
+          </a:stretch>
+        </p:blipFill>
+        <p:spPr>
+          <a:xfrm>
+            <a:off x="1" y="1970240"/>
+            <a:ext cx="10437812" cy="321164"/>
+          </a:xfrm>
+          <a:prstGeom prst="rect">
+            <a:avLst/>
+          </a:prstGeom>
+        </p:spPr>
+      </p:pic>
+      <p:pic>
+        <p:nvPicPr>
+          <p:cNvPr id="7" name="Picture 6" descr="HD-ShadowShort.png"/>
+          <p:cNvPicPr>
+            <a:picLocks noChangeAspect="1"/>
+          </p:cNvPicPr>
+          <p:nvPr/>
+        </p:nvPicPr>
+        <p:blipFill>
+          <a:blip r:embed="rId3" cstate="print">
+            <a:extLst>
+              <a:ext uri="{28A0092B-C50C-407E-A947-70E740481C1C}">
+                <a14:useLocalDpi xmlns:a14="http://schemas.microsoft.com/office/drawing/2010/main" val="0"/>
+              </a:ext>
+            </a:extLst>
+          </a:blip>
+          <a:stretch>
+            <a:fillRect/>
+          </a:stretch>
+        </p:blipFill>
+        <p:spPr>
+          <a:xfrm>
+            <a:off x="10585826" y="1971234"/>
+            <a:ext cx="1602997" cy="144270"/>
+          </a:xfrm>
+          <a:prstGeom prst="rect">
+            <a:avLst/>
+          </a:prstGeom>
+        </p:spPr>
+      </p:pic>
+      <p:sp>
+        <p:nvSpPr>
+          <p:cNvPr id="8" name="Rectangle 7"/>
+          <p:cNvSpPr/>
+          <p:nvPr/>
+        </p:nvSpPr>
+        <p:spPr bwMode="ltGray">
+          <a:xfrm>
+            <a:off x="0" y="609600"/>
+            <a:ext cx="10437812" cy="1368198"/>
+          </a:xfrm>
+          <a:prstGeom prst="rect">
+            <a:avLst/>
+          </a:prstGeom>
+          <a:solidFill>
+            <a:schemeClr val="bg1">
+              <a:lumMod val="85000"/>
+              <a:lumOff val="15000"/>
+            </a:schemeClr>
+          </a:solidFill>
+          <a:ln>
+            <a:noFill/>
+          </a:ln>
+        </p:spPr>
+        <p:style>
+          <a:lnRef idx="2">
+            <a:schemeClr val="accent1">
+              <a:shade val="50000"/>
+            </a:schemeClr>
+          </a:lnRef>
+          <a:fillRef idx="1">
+            <a:schemeClr val="accent1"/>
+          </a:fillRef>
+          <a:effectRef idx="0">
+            <a:schemeClr val="accent1"/>
+          </a:effectRef>
+          <a:fontRef idx="minor">
+            <a:schemeClr val="lt1"/>
+          </a:fontRef>
+        </p:style>
+      </p:sp>
+      <p:sp>
+        <p:nvSpPr>
+          <p:cNvPr id="9" name="Rectangle 8"/>
+          <p:cNvSpPr/>
+          <p:nvPr/>
+        </p:nvSpPr>
+        <p:spPr>
+          <a:xfrm>
+            <a:off x="10585827" y="609600"/>
+            <a:ext cx="1602997" cy="1368198"/>
+          </a:xfrm>
+          <a:prstGeom prst="rect">
+            <a:avLst/>
+          </a:prstGeom>
+          <a:solidFill>
+            <a:schemeClr val="accent1"/>
+          </a:solidFill>
+          <a:ln>
+            <a:noFill/>
+          </a:ln>
+        </p:spPr>
+        <p:style>
+          <a:lnRef idx="2">
+            <a:schemeClr val="accent1">
+              <a:shade val="50000"/>
+            </a:schemeClr>
+          </a:lnRef>
+          <a:fillRef idx="1">
+            <a:schemeClr val="accent1"/>
+          </a:fillRef>
+          <a:effectRef idx="0">
+            <a:schemeClr val="accent1"/>
+          </a:effectRef>
+          <a:fontRef idx="minor">
+            <a:schemeClr val="lt1"/>
+          </a:fontRef>
+        </p:style>
+      </p:sp>
+      <p:sp>
+        <p:nvSpPr>
+          <p:cNvPr id="2" name="Title 1"/>
           <p:cNvSpPr>
             <a:spLocks noGrp="1"/>
           </p:cNvSpPr>
@@ -1702,13 +6113,13 @@
               <a:rPr lang="ru-RU" smtClean="0"/>
               <a:t>Образец заголовка</a:t>
             </a:r>
-            <a:endParaRPr lang="ru-RU"/>
-          </a:p>
-        </p:txBody>
-      </p:sp>
-      <p:sp>
-        <p:nvSpPr>
-          <p:cNvPr id="3" name="Дата 2"/>
+            <a:endParaRPr lang="en-US" dirty="0"/>
+          </a:p>
+        </p:txBody>
+      </p:sp>
+      <p:sp>
+        <p:nvSpPr>
+          <p:cNvPr id="3" name="Date Placeholder 2"/>
           <p:cNvSpPr>
             <a:spLocks noGrp="1"/>
           </p:cNvSpPr>
@@ -1731,7 +6142,7 @@
       </p:sp>
       <p:sp>
         <p:nvSpPr>
-          <p:cNvPr id="4" name="Нижний колонтитул 3"/>
+          <p:cNvPr id="4" name="Footer Placeholder 3"/>
           <p:cNvSpPr>
             <a:spLocks noGrp="1"/>
           </p:cNvSpPr>
@@ -1750,7 +6161,7 @@
       </p:sp>
       <p:sp>
         <p:nvSpPr>
-          <p:cNvPr id="5" name="Номер слайда 4"/>
+          <p:cNvPr id="5" name="Slide Number Placeholder 4"/>
           <p:cNvSpPr>
             <a:spLocks noGrp="1"/>
           </p:cNvSpPr>
@@ -1774,7 +6185,7 @@
     </p:spTree>
     <p:extLst>
       <p:ext uri="{BB962C8B-B14F-4D97-AF65-F5344CB8AC3E}">
-        <p14:creationId xmlns:p14="http://schemas.microsoft.com/office/powerpoint/2010/main" val="551902357"/>
+        <p14:creationId xmlns:p14="http://schemas.microsoft.com/office/powerpoint/2010/main" val="4059720820"/>
       </p:ext>
     </p:extLst>
   </p:cSld>
@@ -1801,9 +6212,77 @@
           <a:chExt cx="0" cy="0"/>
         </a:xfrm>
       </p:grpSpPr>
-      <p:sp>
-        <p:nvSpPr>
-          <p:cNvPr id="2" name="Дата 1"/>
+      <p:pic>
+        <p:nvPicPr>
+          <p:cNvPr id="5" name="Picture 4" descr="HD-ShadowShort.png"/>
+          <p:cNvPicPr>
+            <a:picLocks noChangeAspect="1"/>
+          </p:cNvPicPr>
+          <p:nvPr/>
+        </p:nvPicPr>
+        <p:blipFill>
+          <a:blip r:embed="rId2" cstate="print">
+            <a:extLst>
+              <a:ext uri="{28A0092B-C50C-407E-A947-70E740481C1C}">
+                <a14:useLocalDpi xmlns:a14="http://schemas.microsoft.com/office/drawing/2010/main" val="0"/>
+              </a:ext>
+            </a:extLst>
+          </a:blip>
+          <a:stretch>
+            <a:fillRect/>
+          </a:stretch>
+        </p:blipFill>
+        <p:spPr>
+          <a:xfrm>
+            <a:off x="10585826" y="1971234"/>
+            <a:ext cx="1602997" cy="144270"/>
+          </a:xfrm>
+          <a:prstGeom prst="rect">
+            <a:avLst/>
+          </a:prstGeom>
+        </p:spPr>
+      </p:pic>
+      <p:sp>
+        <p:nvSpPr>
+          <p:cNvPr id="6" name="Rectangle 5"/>
+          <p:cNvSpPr/>
+          <p:nvPr/>
+        </p:nvSpPr>
+        <p:spPr>
+          <a:xfrm>
+            <a:off x="10585827" y="609600"/>
+            <a:ext cx="1602997" cy="1368198"/>
+          </a:xfrm>
+          <a:prstGeom prst="rect">
+            <a:avLst/>
+          </a:prstGeom>
+          <a:solidFill>
+            <a:schemeClr val="accent1"/>
+          </a:solidFill>
+          <a:ln>
+            <a:noFill/>
+          </a:ln>
+        </p:spPr>
+        <p:style>
+          <a:lnRef idx="2">
+            <a:schemeClr val="accent1">
+              <a:shade val="50000"/>
+            </a:schemeClr>
+          </a:lnRef>
+          <a:fillRef idx="1">
+            <a:schemeClr val="accent1"/>
+          </a:fillRef>
+          <a:effectRef idx="0">
+            <a:schemeClr val="accent1"/>
+          </a:effectRef>
+          <a:fontRef idx="minor">
+            <a:schemeClr val="lt1"/>
+          </a:fontRef>
+        </p:style>
+      </p:sp>
+      <p:sp>
+        <p:nvSpPr>
+          <p:cNvPr id="2" name="Date Placeholder 1"/>
           <p:cNvSpPr>
             <a:spLocks noGrp="1"/>
           </p:cNvSpPr>
@@ -1826,7 +6305,7 @@
       </p:sp>
       <p:sp>
         <p:nvSpPr>
-          <p:cNvPr id="3" name="Нижний колонтитул 2"/>
+          <p:cNvPr id="3" name="Footer Placeholder 2"/>
           <p:cNvSpPr>
             <a:spLocks noGrp="1"/>
           </p:cNvSpPr>
@@ -1845,7 +6324,7 @@
       </p:sp>
       <p:sp>
         <p:nvSpPr>
-          <p:cNvPr id="4" name="Номер слайда 3"/>
+          <p:cNvPr id="4" name="Slide Number Placeholder 3"/>
           <p:cNvSpPr>
             <a:spLocks noGrp="1"/>
           </p:cNvSpPr>
@@ -1869,7 +6348,7 @@
     </p:spTree>
     <p:extLst>
       <p:ext uri="{BB962C8B-B14F-4D97-AF65-F5344CB8AC3E}">
-        <p14:creationId xmlns:p14="http://schemas.microsoft.com/office/powerpoint/2010/main" val="651696165"/>
+        <p14:creationId xmlns:p14="http://schemas.microsoft.com/office/powerpoint/2010/main" val="3352283192"/>
       </p:ext>
     </p:extLst>
   </p:cSld>
@@ -1896,9 +6375,148 @@
           <a:chExt cx="0" cy="0"/>
         </a:xfrm>
       </p:grpSpPr>
-      <p:sp>
-        <p:nvSpPr>
-          <p:cNvPr id="2" name="Заголовок 1"/>
+      <p:pic>
+        <p:nvPicPr>
+          <p:cNvPr id="8" name="Picture 7" descr="HD-ShadowLong.png"/>
+          <p:cNvPicPr>
+            <a:picLocks noChangeAspect="1"/>
+          </p:cNvPicPr>
+          <p:nvPr/>
+        </p:nvPicPr>
+        <p:blipFill>
+          <a:blip r:embed="rId2">
+            <a:extLst>
+              <a:ext uri="{28A0092B-C50C-407E-A947-70E740481C1C}">
+                <a14:useLocalDpi xmlns:a14="http://schemas.microsoft.com/office/drawing/2010/main" val="0"/>
+              </a:ext>
+            </a:extLst>
+          </a:blip>
+          <a:stretch>
+            <a:fillRect/>
+          </a:stretch>
+        </p:blipFill>
+        <p:spPr>
+          <a:xfrm>
+            <a:off x="1" y="1970240"/>
+            <a:ext cx="10437812" cy="321164"/>
+          </a:xfrm>
+          <a:prstGeom prst="rect">
+            <a:avLst/>
+          </a:prstGeom>
+        </p:spPr>
+      </p:pic>
+      <p:pic>
+        <p:nvPicPr>
+          <p:cNvPr id="9" name="Picture 8" descr="HD-ShadowShort.png"/>
+          <p:cNvPicPr>
+            <a:picLocks noChangeAspect="1"/>
+          </p:cNvPicPr>
+          <p:nvPr/>
+        </p:nvPicPr>
+        <p:blipFill>
+          <a:blip r:embed="rId3" cstate="print">
+            <a:extLst>
+              <a:ext uri="{28A0092B-C50C-407E-A947-70E740481C1C}">
+                <a14:useLocalDpi xmlns:a14="http://schemas.microsoft.com/office/drawing/2010/main" val="0"/>
+              </a:ext>
+            </a:extLst>
+          </a:blip>
+          <a:stretch>
+            <a:fillRect/>
+          </a:stretch>
+        </p:blipFill>
+        <p:spPr>
+          <a:xfrm>
+            <a:off x="10585826" y="1971234"/>
+            <a:ext cx="1602997" cy="144270"/>
+          </a:xfrm>
+          <a:prstGeom prst="rect">
+            <a:avLst/>
+          </a:prstGeom>
+        </p:spPr>
+      </p:pic>
+      <p:sp>
+        <p:nvSpPr>
+          <p:cNvPr id="10" name="Rectangle 9"/>
+          <p:cNvSpPr/>
+          <p:nvPr/>
+        </p:nvSpPr>
+        <p:spPr bwMode="ltGray">
+          <a:xfrm>
+            <a:off x="0" y="609600"/>
+            <a:ext cx="10437812" cy="1368198"/>
+          </a:xfrm>
+          <a:prstGeom prst="rect">
+            <a:avLst/>
+          </a:prstGeom>
+          <a:solidFill>
+            <a:schemeClr val="bg1">
+              <a:lumMod val="85000"/>
+              <a:lumOff val="15000"/>
+            </a:schemeClr>
+          </a:solidFill>
+          <a:ln>
+            <a:noFill/>
+          </a:ln>
+        </p:spPr>
+        <p:style>
+          <a:lnRef idx="2">
+            <a:schemeClr val="accent1">
+              <a:shade val="50000"/>
+            </a:schemeClr>
+          </a:lnRef>
+          <a:fillRef idx="1">
+            <a:schemeClr val="accent1"/>
+          </a:fillRef>
+          <a:effectRef idx="0">
+            <a:schemeClr val="accent1"/>
+          </a:effectRef>
+          <a:fontRef idx="minor">
+            <a:schemeClr val="lt1"/>
+          </a:fontRef>
+        </p:style>
+      </p:sp>
+      <p:sp>
+        <p:nvSpPr>
+          <p:cNvPr id="11" name="Rectangle 10"/>
+          <p:cNvSpPr/>
+          <p:nvPr/>
+        </p:nvSpPr>
+        <p:spPr>
+          <a:xfrm>
+            <a:off x="10585827" y="609600"/>
+            <a:ext cx="1602997" cy="1368198"/>
+          </a:xfrm>
+          <a:prstGeom prst="rect">
+            <a:avLst/>
+          </a:prstGeom>
+          <a:solidFill>
+            <a:schemeClr val="accent1"/>
+          </a:solidFill>
+          <a:ln>
+            <a:noFill/>
+          </a:ln>
+        </p:spPr>
+        <p:style>
+          <a:lnRef idx="2">
+            <a:schemeClr val="accent1">
+              <a:shade val="50000"/>
+            </a:schemeClr>
+          </a:lnRef>
+          <a:fillRef idx="1">
+            <a:schemeClr val="accent1"/>
+          </a:fillRef>
+          <a:effectRef idx="0">
+            <a:schemeClr val="accent1"/>
+          </a:effectRef>
+          <a:fontRef idx="minor">
+            <a:schemeClr val="lt1"/>
+          </a:fontRef>
+        </p:style>
+      </p:sp>
+      <p:sp>
+        <p:nvSpPr>
+          <p:cNvPr id="2" name="Title 1"/>
           <p:cNvSpPr>
             <a:spLocks noGrp="1"/>
           </p:cNvSpPr>
@@ -1908,15 +6526,17 @@
         </p:nvSpPr>
         <p:spPr>
           <a:xfrm>
-            <a:off x="839788" y="457200"/>
-            <a:ext cx="3932237" cy="1600200"/>
-          </a:xfrm>
-        </p:spPr>
-        <p:txBody>
-          <a:bodyPr anchor="b"/>
+            <a:off x="680321" y="753227"/>
+            <a:ext cx="9613859" cy="1080940"/>
+          </a:xfrm>
+        </p:spPr>
+        <p:txBody>
+          <a:bodyPr anchor="ctr">
+            <a:normAutofit/>
+          </a:bodyPr>
           <a:lstStyle>
             <a:lvl1pPr>
-              <a:defRPr sz="3200"/>
+              <a:defRPr sz="3600"/>
             </a:lvl1pPr>
           </a:lstStyle>
           <a:p>
@@ -1924,13 +6544,13 @@
               <a:rPr lang="ru-RU" smtClean="0"/>
               <a:t>Образец заголовка</a:t>
             </a:r>
-            <a:endParaRPr lang="ru-RU"/>
-          </a:p>
-        </p:txBody>
-      </p:sp>
-      <p:sp>
-        <p:nvSpPr>
-          <p:cNvPr id="3" name="Объект 2"/>
+            <a:endParaRPr lang="en-US" dirty="0"/>
+          </a:p>
+        </p:txBody>
+      </p:sp>
+      <p:sp>
+        <p:nvSpPr>
+          <p:cNvPr id="3" name="Content Placeholder 2"/>
           <p:cNvSpPr>
             <a:spLocks noGrp="1"/>
           </p:cNvSpPr>
@@ -1940,41 +6560,13 @@
         </p:nvSpPr>
         <p:spPr>
           <a:xfrm>
-            <a:off x="5183188" y="987425"/>
-            <a:ext cx="6172200" cy="4873625"/>
+            <a:off x="4685846" y="2336873"/>
+            <a:ext cx="5608336" cy="3599313"/>
           </a:xfrm>
         </p:spPr>
         <p:txBody>
           <a:bodyPr/>
-          <a:lstStyle>
-            <a:lvl1pPr>
-              <a:defRPr sz="3200"/>
-            </a:lvl1pPr>
-            <a:lvl2pPr>
-              <a:defRPr sz="2800"/>
-            </a:lvl2pPr>
-            <a:lvl3pPr>
-              <a:defRPr sz="2400"/>
-            </a:lvl3pPr>
-            <a:lvl4pPr>
-              <a:defRPr sz="2000"/>
-            </a:lvl4pPr>
-            <a:lvl5pPr>
-              <a:defRPr sz="2000"/>
-            </a:lvl5pPr>
-            <a:lvl6pPr>
-              <a:defRPr sz="2000"/>
-            </a:lvl6pPr>
-            <a:lvl7pPr>
-              <a:defRPr sz="2000"/>
-            </a:lvl7pPr>
-            <a:lvl8pPr>
-              <a:defRPr sz="2000"/>
-            </a:lvl8pPr>
-            <a:lvl9pPr>
-              <a:defRPr sz="2000"/>
-            </a:lvl9pPr>
-          </a:lstStyle>
+          <a:lstStyle/>
           <a:p>
             <a:pPr lvl="0"/>
             <a:r>
@@ -2009,13 +6601,13 @@
               <a:rPr lang="ru-RU" smtClean="0"/>
               <a:t>Пятый уровень</a:t>
             </a:r>
-            <a:endParaRPr lang="ru-RU"/>
-          </a:p>
-        </p:txBody>
-      </p:sp>
-      <p:sp>
-        <p:nvSpPr>
-          <p:cNvPr id="4" name="Текст 3"/>
+            <a:endParaRPr lang="en-US" dirty="0"/>
+          </a:p>
+        </p:txBody>
+      </p:sp>
+      <p:sp>
+        <p:nvSpPr>
+          <p:cNvPr id="4" name="Text Placeholder 3"/>
           <p:cNvSpPr>
             <a:spLocks noGrp="1"/>
           </p:cNvSpPr>
@@ -2025,12 +6617,12 @@
         </p:nvSpPr>
         <p:spPr>
           <a:xfrm>
-            <a:off x="839788" y="2057400"/>
-            <a:ext cx="3932237" cy="3811588"/>
-          </a:xfrm>
-        </p:spPr>
-        <p:txBody>
-          <a:bodyPr/>
+            <a:off x="680322" y="2336872"/>
+            <a:ext cx="3790078" cy="3599317"/>
+          </a:xfrm>
+        </p:spPr>
+        <p:txBody>
+          <a:bodyPr anchor="ctr"/>
           <a:lstStyle>
             <a:lvl1pPr marL="0" indent="0">
               <a:buNone/>
@@ -2080,7 +6672,7 @@
       </p:sp>
       <p:sp>
         <p:nvSpPr>
-          <p:cNvPr id="5" name="Дата 4"/>
+          <p:cNvPr id="5" name="Date Placeholder 4"/>
           <p:cNvSpPr>
             <a:spLocks noGrp="1"/>
           </p:cNvSpPr>
@@ -2103,7 +6695,7 @@
       </p:sp>
       <p:sp>
         <p:nvSpPr>
-          <p:cNvPr id="6" name="Нижний колонтитул 5"/>
+          <p:cNvPr id="6" name="Footer Placeholder 5"/>
           <p:cNvSpPr>
             <a:spLocks noGrp="1"/>
           </p:cNvSpPr>
@@ -2122,7 +6714,7 @@
       </p:sp>
       <p:sp>
         <p:nvSpPr>
-          <p:cNvPr id="7" name="Номер слайда 6"/>
+          <p:cNvPr id="7" name="Slide Number Placeholder 6"/>
           <p:cNvSpPr>
             <a:spLocks noGrp="1"/>
           </p:cNvSpPr>
@@ -2146,7 +6738,7 @@
     </p:spTree>
     <p:extLst>
       <p:ext uri="{BB962C8B-B14F-4D97-AF65-F5344CB8AC3E}">
-        <p14:creationId xmlns:p14="http://schemas.microsoft.com/office/powerpoint/2010/main" val="589850228"/>
+        <p14:creationId xmlns:p14="http://schemas.microsoft.com/office/powerpoint/2010/main" val="2546108829"/>
       </p:ext>
     </p:extLst>
   </p:cSld>
@@ -2173,9 +6765,148 @@
           <a:chExt cx="0" cy="0"/>
         </a:xfrm>
       </p:grpSpPr>
-      <p:sp>
-        <p:nvSpPr>
-          <p:cNvPr id="2" name="Заголовок 1"/>
+      <p:pic>
+        <p:nvPicPr>
+          <p:cNvPr id="8" name="Picture 7" descr="HD-ShadowLong.png"/>
+          <p:cNvPicPr>
+            <a:picLocks noChangeAspect="1"/>
+          </p:cNvPicPr>
+          <p:nvPr/>
+        </p:nvPicPr>
+        <p:blipFill>
+          <a:blip r:embed="rId2">
+            <a:extLst>
+              <a:ext uri="{28A0092B-C50C-407E-A947-70E740481C1C}">
+                <a14:useLocalDpi xmlns:a14="http://schemas.microsoft.com/office/drawing/2010/main" val="0"/>
+              </a:ext>
+            </a:extLst>
+          </a:blip>
+          <a:stretch>
+            <a:fillRect/>
+          </a:stretch>
+        </p:blipFill>
+        <p:spPr>
+          <a:xfrm>
+            <a:off x="1" y="1970240"/>
+            <a:ext cx="10437812" cy="321164"/>
+          </a:xfrm>
+          <a:prstGeom prst="rect">
+            <a:avLst/>
+          </a:prstGeom>
+        </p:spPr>
+      </p:pic>
+      <p:pic>
+        <p:nvPicPr>
+          <p:cNvPr id="9" name="Picture 8" descr="HD-ShadowShort.png"/>
+          <p:cNvPicPr>
+            <a:picLocks noChangeAspect="1"/>
+          </p:cNvPicPr>
+          <p:nvPr/>
+        </p:nvPicPr>
+        <p:blipFill>
+          <a:blip r:embed="rId3" cstate="print">
+            <a:extLst>
+              <a:ext uri="{28A0092B-C50C-407E-A947-70E740481C1C}">
+                <a14:useLocalDpi xmlns:a14="http://schemas.microsoft.com/office/drawing/2010/main" val="0"/>
+              </a:ext>
+            </a:extLst>
+          </a:blip>
+          <a:stretch>
+            <a:fillRect/>
+          </a:stretch>
+        </p:blipFill>
+        <p:spPr>
+          <a:xfrm>
+            <a:off x="10585826" y="1971234"/>
+            <a:ext cx="1602997" cy="144270"/>
+          </a:xfrm>
+          <a:prstGeom prst="rect">
+            <a:avLst/>
+          </a:prstGeom>
+        </p:spPr>
+      </p:pic>
+      <p:sp>
+        <p:nvSpPr>
+          <p:cNvPr id="10" name="Rectangle 9"/>
+          <p:cNvSpPr/>
+          <p:nvPr/>
+        </p:nvSpPr>
+        <p:spPr bwMode="ltGray">
+          <a:xfrm>
+            <a:off x="0" y="609600"/>
+            <a:ext cx="10437812" cy="1368198"/>
+          </a:xfrm>
+          <a:prstGeom prst="rect">
+            <a:avLst/>
+          </a:prstGeom>
+          <a:solidFill>
+            <a:schemeClr val="bg1">
+              <a:lumMod val="85000"/>
+              <a:lumOff val="15000"/>
+            </a:schemeClr>
+          </a:solidFill>
+          <a:ln>
+            <a:noFill/>
+          </a:ln>
+        </p:spPr>
+        <p:style>
+          <a:lnRef idx="2">
+            <a:schemeClr val="accent1">
+              <a:shade val="50000"/>
+            </a:schemeClr>
+          </a:lnRef>
+          <a:fillRef idx="1">
+            <a:schemeClr val="accent1"/>
+          </a:fillRef>
+          <a:effectRef idx="0">
+            <a:schemeClr val="accent1"/>
+          </a:effectRef>
+          <a:fontRef idx="minor">
+            <a:schemeClr val="lt1"/>
+          </a:fontRef>
+        </p:style>
+      </p:sp>
+      <p:sp>
+        <p:nvSpPr>
+          <p:cNvPr id="11" name="Rectangle 10"/>
+          <p:cNvSpPr/>
+          <p:nvPr/>
+        </p:nvSpPr>
+        <p:spPr>
+          <a:xfrm>
+            <a:off x="10585827" y="609600"/>
+            <a:ext cx="1602997" cy="1368198"/>
+          </a:xfrm>
+          <a:prstGeom prst="rect">
+            <a:avLst/>
+          </a:prstGeom>
+          <a:solidFill>
+            <a:schemeClr val="accent1"/>
+          </a:solidFill>
+          <a:ln>
+            <a:noFill/>
+          </a:ln>
+        </p:spPr>
+        <p:style>
+          <a:lnRef idx="2">
+            <a:schemeClr val="accent1">
+              <a:shade val="50000"/>
+            </a:schemeClr>
+          </a:lnRef>
+          <a:fillRef idx="1">
+            <a:schemeClr val="accent1"/>
+          </a:fillRef>
+          <a:effectRef idx="0">
+            <a:schemeClr val="accent1"/>
+          </a:effectRef>
+          <a:fontRef idx="minor">
+            <a:schemeClr val="lt1"/>
+          </a:fontRef>
+        </p:style>
+      </p:sp>
+      <p:sp>
+        <p:nvSpPr>
+          <p:cNvPr id="2" name="Title 1"/>
           <p:cNvSpPr>
             <a:spLocks noGrp="1"/>
           </p:cNvSpPr>
@@ -2185,15 +6916,17 @@
         </p:nvSpPr>
         <p:spPr>
           <a:xfrm>
-            <a:off x="839788" y="457200"/>
-            <a:ext cx="3932237" cy="1600200"/>
-          </a:xfrm>
-        </p:spPr>
-        <p:txBody>
-          <a:bodyPr anchor="b"/>
+            <a:off x="680323" y="753228"/>
+            <a:ext cx="9613857" cy="1080938"/>
+          </a:xfrm>
+        </p:spPr>
+        <p:txBody>
+          <a:bodyPr anchor="ctr">
+            <a:normAutofit/>
+          </a:bodyPr>
           <a:lstStyle>
             <a:lvl1pPr>
-              <a:defRPr sz="3200"/>
+              <a:defRPr sz="3600"/>
             </a:lvl1pPr>
           </a:lstStyle>
           <a:p>
@@ -2201,15 +6934,15 @@
               <a:rPr lang="ru-RU" smtClean="0"/>
               <a:t>Образец заголовка</a:t>
             </a:r>
-            <a:endParaRPr lang="ru-RU"/>
-          </a:p>
-        </p:txBody>
-      </p:sp>
-      <p:sp>
-        <p:nvSpPr>
-          <p:cNvPr id="3" name="Рисунок 2"/>
-          <p:cNvSpPr>
-            <a:spLocks noGrp="1"/>
+            <a:endParaRPr lang="en-US" dirty="0"/>
+          </a:p>
+        </p:txBody>
+      </p:sp>
+      <p:sp>
+        <p:nvSpPr>
+          <p:cNvPr id="3" name="Picture Placeholder 2"/>
+          <p:cNvSpPr>
+            <a:spLocks noGrp="1" noChangeAspect="1"/>
           </p:cNvSpPr>
           <p:nvPr>
             <p:ph type="pic" idx="1"/>
@@ -2217,12 +6950,23 @@
         </p:nvSpPr>
         <p:spPr>
           <a:xfrm>
-            <a:off x="5183188" y="987425"/>
-            <a:ext cx="6172200" cy="4873625"/>
-          </a:xfrm>
-        </p:spPr>
-        <p:txBody>
-          <a:bodyPr/>
+            <a:off x="4868333" y="2336874"/>
+            <a:ext cx="5425849" cy="3599312"/>
+          </a:xfrm>
+          <a:noFill/>
+          <a:ln>
+            <a:noFill/>
+          </a:ln>
+          <a:effectLst>
+            <a:outerShdw blurRad="76200" dist="63500" dir="5040000" algn="tl" rotWithShape="0">
+              <a:srgbClr val="000000">
+                <a:alpha val="41000"/>
+              </a:srgbClr>
+            </a:outerShdw>
+          </a:effectLst>
+        </p:spPr>
+        <p:txBody>
+          <a:bodyPr anchor="t"/>
           <a:lstStyle>
             <a:lvl1pPr marL="0" indent="0">
               <a:buNone/>
@@ -2262,13 +7006,17 @@
             </a:lvl9pPr>
           </a:lstStyle>
           <a:p>
-            <a:endParaRPr lang="ru-RU"/>
-          </a:p>
-        </p:txBody>
-      </p:sp>
-      <p:sp>
-        <p:nvSpPr>
-          <p:cNvPr id="4" name="Текст 3"/>
+            <a:r>
+              <a:rPr lang="ru-RU" smtClean="0"/>
+              <a:t>Вставка рисунка</a:t>
+            </a:r>
+            <a:endParaRPr lang="en-US" dirty="0"/>
+          </a:p>
+        </p:txBody>
+      </p:sp>
+      <p:sp>
+        <p:nvSpPr>
+          <p:cNvPr id="4" name="Text Placeholder 3"/>
           <p:cNvSpPr>
             <a:spLocks noGrp="1"/>
           </p:cNvSpPr>
@@ -2278,12 +7026,12 @@
         </p:nvSpPr>
         <p:spPr>
           <a:xfrm>
-            <a:off x="839788" y="2057400"/>
-            <a:ext cx="3932237" cy="3811588"/>
-          </a:xfrm>
-        </p:spPr>
-        <p:txBody>
-          <a:bodyPr/>
+            <a:off x="680323" y="2336873"/>
+            <a:ext cx="3876256" cy="3599315"/>
+          </a:xfrm>
+        </p:spPr>
+        <p:txBody>
+          <a:bodyPr anchor="ctr"/>
           <a:lstStyle>
             <a:lvl1pPr marL="0" indent="0">
               <a:buNone/>
@@ -2333,7 +7081,7 @@
       </p:sp>
       <p:sp>
         <p:nvSpPr>
-          <p:cNvPr id="5" name="Дата 4"/>
+          <p:cNvPr id="5" name="Date Placeholder 4"/>
           <p:cNvSpPr>
             <a:spLocks noGrp="1"/>
           </p:cNvSpPr>
@@ -2356,7 +7104,7 @@
       </p:sp>
       <p:sp>
         <p:nvSpPr>
-          <p:cNvPr id="6" name="Нижний колонтитул 5"/>
+          <p:cNvPr id="6" name="Footer Placeholder 5"/>
           <p:cNvSpPr>
             <a:spLocks noGrp="1"/>
           </p:cNvSpPr>
@@ -2375,7 +7123,7 @@
       </p:sp>
       <p:sp>
         <p:nvSpPr>
-          <p:cNvPr id="7" name="Номер слайда 6"/>
+          <p:cNvPr id="7" name="Slide Number Placeholder 6"/>
           <p:cNvSpPr>
             <a:spLocks noGrp="1"/>
           </p:cNvSpPr>
@@ -2399,7 +7147,7 @@
     </p:spTree>
     <p:extLst>
       <p:ext uri="{BB962C8B-B14F-4D97-AF65-F5344CB8AC3E}">
-        <p14:creationId xmlns:p14="http://schemas.microsoft.com/office/powerpoint/2010/main" val="3283368628"/>
+        <p14:creationId xmlns:p14="http://schemas.microsoft.com/office/powerpoint/2010/main" val="999205209"/>
       </p:ext>
     </p:extLst>
   </p:cSld>
@@ -2413,8 +7161,8 @@
 <p:sldMaster xmlns:a="http://schemas.openxmlformats.org/drawingml/2006/main" xmlns:r="http://schemas.openxmlformats.org/officeDocument/2006/relationships" xmlns:p="http://schemas.openxmlformats.org/presentationml/2006/main">
   <p:cSld>
     <p:bg>
-      <p:bgRef idx="1001">
-        <a:schemeClr val="bg1"/>
+      <p:bgRef idx="1003">
+        <a:schemeClr val="bg2"/>
       </p:bgRef>
     </p:bg>
     <p:spTree>
@@ -2431,9 +7179,40 @@
           <a:chExt cx="0" cy="0"/>
         </a:xfrm>
       </p:grpSpPr>
-      <p:sp>
-        <p:nvSpPr>
-          <p:cNvPr id="2" name="Заголовок 1"/>
+      <p:pic>
+        <p:nvPicPr>
+          <p:cNvPr id="7" name="Picture 6" descr="hashOverlay-FullResolve.png"/>
+          <p:cNvPicPr>
+            <a:picLocks noChangeAspect="1"/>
+          </p:cNvPicPr>
+          <p:nvPr/>
+        </p:nvPicPr>
+        <p:blipFill>
+          <a:blip r:embed="rId19">
+            <a:alphaModFix amt="10000"/>
+            <a:extLst>
+              <a:ext uri="{28A0092B-C50C-407E-A947-70E740481C1C}">
+                <a14:useLocalDpi xmlns:a14="http://schemas.microsoft.com/office/drawing/2010/main" val="0"/>
+              </a:ext>
+            </a:extLst>
+          </a:blip>
+          <a:stretch>
+            <a:fillRect/>
+          </a:stretch>
+        </p:blipFill>
+        <p:spPr>
+          <a:xfrm>
+            <a:off x="0" y="0"/>
+            <a:ext cx="12192000" cy="6858000"/>
+          </a:xfrm>
+          <a:prstGeom prst="rect">
+            <a:avLst/>
+          </a:prstGeom>
+        </p:spPr>
+      </p:pic>
+      <p:sp>
+        <p:nvSpPr>
+          <p:cNvPr id="2" name="Title Placeholder 1"/>
           <p:cNvSpPr>
             <a:spLocks noGrp="1"/>
           </p:cNvSpPr>
@@ -2443,8 +7222,8 @@
         </p:nvSpPr>
         <p:spPr>
           <a:xfrm>
-            <a:off x="838200" y="365125"/>
-            <a:ext cx="10515600" cy="1325563"/>
+            <a:off x="680321" y="753228"/>
+            <a:ext cx="9613861" cy="1080938"/>
           </a:xfrm>
           <a:prstGeom prst="rect">
             <a:avLst/>
@@ -2460,13 +7239,13 @@
               <a:rPr lang="ru-RU" smtClean="0"/>
               <a:t>Образец заголовка</a:t>
             </a:r>
-            <a:endParaRPr lang="ru-RU"/>
-          </a:p>
-        </p:txBody>
-      </p:sp>
-      <p:sp>
-        <p:nvSpPr>
-          <p:cNvPr id="3" name="Текст 2"/>
+            <a:endParaRPr lang="en-US" dirty="0"/>
+          </a:p>
+        </p:txBody>
+      </p:sp>
+      <p:sp>
+        <p:nvSpPr>
+          <p:cNvPr id="3" name="Text Placeholder 2"/>
           <p:cNvSpPr>
             <a:spLocks noGrp="1"/>
           </p:cNvSpPr>
@@ -2476,8 +7255,8 @@
         </p:nvSpPr>
         <p:spPr>
           <a:xfrm>
-            <a:off x="838200" y="1825625"/>
-            <a:ext cx="10515600" cy="4351338"/>
+            <a:off x="680321" y="2336873"/>
+            <a:ext cx="9613861" cy="3599316"/>
           </a:xfrm>
           <a:prstGeom prst="rect">
             <a:avLst/>
@@ -2522,13 +7301,13 @@
               <a:rPr lang="ru-RU" smtClean="0"/>
               <a:t>Пятый уровень</a:t>
             </a:r>
-            <a:endParaRPr lang="ru-RU"/>
-          </a:p>
-        </p:txBody>
-      </p:sp>
-      <p:sp>
-        <p:nvSpPr>
-          <p:cNvPr id="4" name="Дата 3"/>
+            <a:endParaRPr lang="en-US" dirty="0"/>
+          </a:p>
+        </p:txBody>
+      </p:sp>
+      <p:sp>
+        <p:nvSpPr>
+          <p:cNvPr id="4" name="Date Placeholder 3"/>
           <p:cNvSpPr>
             <a:spLocks noGrp="1"/>
           </p:cNvSpPr>
@@ -2538,7 +7317,7 @@
         </p:nvSpPr>
         <p:spPr>
           <a:xfrm>
-            <a:off x="838200" y="6356350"/>
+            <a:off x="7550981" y="5936187"/>
             <a:ext cx="2743200" cy="365125"/>
           </a:xfrm>
           <a:prstGeom prst="rect">
@@ -2548,8 +7327,8 @@
         <p:txBody>
           <a:bodyPr vert="horz" lIns="91440" tIns="45720" rIns="91440" bIns="45720" rtlCol="0" anchor="ctr"/>
           <a:lstStyle>
-            <a:lvl1pPr algn="l">
-              <a:defRPr sz="1200">
+            <a:lvl1pPr algn="r">
+              <a:defRPr sz="1050">
                 <a:solidFill>
                   <a:schemeClr val="tx1">
                     <a:tint val="75000"/>
@@ -2569,7 +7348,7 @@
       </p:sp>
       <p:sp>
         <p:nvSpPr>
-          <p:cNvPr id="5" name="Нижний колонтитул 4"/>
+          <p:cNvPr id="5" name="Footer Placeholder 4"/>
           <p:cNvSpPr>
             <a:spLocks noGrp="1"/>
           </p:cNvSpPr>
@@ -2579,8 +7358,8 @@
         </p:nvSpPr>
         <p:spPr>
           <a:xfrm>
-            <a:off x="4038600" y="6356350"/>
-            <a:ext cx="4114800" cy="365125"/>
+            <a:off x="680321" y="5936188"/>
+            <a:ext cx="6870660" cy="365125"/>
           </a:xfrm>
           <a:prstGeom prst="rect">
             <a:avLst/>
@@ -2589,8 +7368,8 @@
         <p:txBody>
           <a:bodyPr vert="horz" lIns="91440" tIns="45720" rIns="91440" bIns="45720" rtlCol="0" anchor="ctr"/>
           <a:lstStyle>
-            <a:lvl1pPr algn="ctr">
-              <a:defRPr sz="1200">
+            <a:lvl1pPr algn="l">
+              <a:defRPr sz="1050">
                 <a:solidFill>
                   <a:schemeClr val="tx1">
                     <a:tint val="75000"/>
@@ -2606,7 +7385,7 @@
       </p:sp>
       <p:sp>
         <p:nvSpPr>
-          <p:cNvPr id="6" name="Номер слайда 5"/>
+          <p:cNvPr id="6" name="Slide Number Placeholder 5"/>
           <p:cNvSpPr>
             <a:spLocks noGrp="1"/>
           </p:cNvSpPr>
@@ -2616,8 +7395,8 @@
         </p:nvSpPr>
         <p:spPr>
           <a:xfrm>
-            <a:off x="8610600" y="6356350"/>
-            <a:ext cx="2743200" cy="365125"/>
+            <a:off x="10729455" y="753227"/>
+            <a:ext cx="1154151" cy="1090789"/>
           </a:xfrm>
           <a:prstGeom prst="rect">
             <a:avLst/>
@@ -2626,8 +7405,8 @@
         <p:txBody>
           <a:bodyPr vert="horz" lIns="91440" tIns="45720" rIns="91440" bIns="45720" rtlCol="0" anchor="ctr"/>
           <a:lstStyle>
-            <a:lvl1pPr algn="r">
-              <a:defRPr sz="1200">
+            <a:lvl1pPr algn="l">
+              <a:defRPr sz="3600">
                 <a:solidFill>
                   <a:schemeClr val="tx1">
                     <a:tint val="75000"/>
@@ -2648,23 +7427,29 @@
     </p:spTree>
     <p:extLst>
       <p:ext uri="{BB962C8B-B14F-4D97-AF65-F5344CB8AC3E}">
-        <p14:creationId xmlns:p14="http://schemas.microsoft.com/office/powerpoint/2010/main" val="2513300161"/>
+        <p14:creationId xmlns:p14="http://schemas.microsoft.com/office/powerpoint/2010/main" val="3618036779"/>
       </p:ext>
     </p:extLst>
   </p:cSld>
-  <p:clrMap bg1="lt1" tx1="dk1" bg2="lt2" tx2="dk2" accent1="accent1" accent2="accent2" accent3="accent3" accent4="accent4" accent5="accent5" accent6="accent6" hlink="hlink" folHlink="folHlink"/>
+  <p:clrMap bg1="dk1" tx1="lt1" bg2="dk2" tx2="lt2" accent1="accent1" accent2="accent2" accent3="accent3" accent4="accent4" accent5="accent5" accent6="accent6" hlink="hlink" folHlink="folHlink"/>
   <p:sldLayoutIdLst>
-    <p:sldLayoutId id="2147483649" r:id="rId1"/>
-    <p:sldLayoutId id="2147483650" r:id="rId2"/>
-    <p:sldLayoutId id="2147483651" r:id="rId3"/>
-    <p:sldLayoutId id="2147483652" r:id="rId4"/>
-    <p:sldLayoutId id="2147483653" r:id="rId5"/>
-    <p:sldLayoutId id="2147483654" r:id="rId6"/>
-    <p:sldLayoutId id="2147483655" r:id="rId7"/>
-    <p:sldLayoutId id="2147483656" r:id="rId8"/>
-    <p:sldLayoutId id="2147483657" r:id="rId9"/>
-    <p:sldLayoutId id="2147483658" r:id="rId10"/>
-    <p:sldLayoutId id="2147483659" r:id="rId11"/>
+    <p:sldLayoutId id="2147483673" r:id="rId1"/>
+    <p:sldLayoutId id="2147483674" r:id="rId2"/>
+    <p:sldLayoutId id="2147483675" r:id="rId3"/>
+    <p:sldLayoutId id="2147483676" r:id="rId4"/>
+    <p:sldLayoutId id="2147483677" r:id="rId5"/>
+    <p:sldLayoutId id="2147483678" r:id="rId6"/>
+    <p:sldLayoutId id="2147483679" r:id="rId7"/>
+    <p:sldLayoutId id="2147483680" r:id="rId8"/>
+    <p:sldLayoutId id="2147483681" r:id="rId9"/>
+    <p:sldLayoutId id="2147483682" r:id="rId10"/>
+    <p:sldLayoutId id="2147483683" r:id="rId11"/>
+    <p:sldLayoutId id="2147483684" r:id="rId12"/>
+    <p:sldLayoutId id="2147483685" r:id="rId13"/>
+    <p:sldLayoutId id="2147483686" r:id="rId14"/>
+    <p:sldLayoutId id="2147483687" r:id="rId15"/>
+    <p:sldLayoutId id="2147483688" r:id="rId16"/>
+    <p:sldLayoutId id="2147483689" r:id="rId17"/>
   </p:sldLayoutIdLst>
   <p:txStyles>
     <p:titleStyle>
@@ -2676,7 +7461,7 @@
           <a:spcPct val="0"/>
         </a:spcBef>
         <a:buNone/>
-        <a:defRPr sz="4400" kern="1200">
+        <a:defRPr sz="3600" kern="1200">
           <a:solidFill>
             <a:schemeClr val="tx1"/>
           </a:solidFill>
@@ -2696,7 +7481,7 @@
         </a:spcBef>
         <a:buFont typeface="Arial" panose="020B0604020202020204" pitchFamily="34" charset="0"/>
         <a:buChar char="•"/>
-        <a:defRPr sz="2800" kern="1200">
+        <a:defRPr sz="2400" kern="1200">
           <a:solidFill>
             <a:schemeClr val="tx1"/>
           </a:solidFill>
@@ -2714,7 +7499,7 @@
         </a:spcBef>
         <a:buFont typeface="Arial" panose="020B0604020202020204" pitchFamily="34" charset="0"/>
         <a:buChar char="•"/>
-        <a:defRPr sz="2400" kern="1200">
+        <a:defRPr sz="2000" kern="1200">
           <a:solidFill>
             <a:schemeClr val="tx1"/>
           </a:solidFill>
@@ -2732,7 +7517,7 @@
         </a:spcBef>
         <a:buFont typeface="Arial" panose="020B0604020202020204" pitchFamily="34" charset="0"/>
         <a:buChar char="•"/>
-        <a:defRPr sz="2000" kern="1200">
+        <a:defRPr sz="1800" kern="1200">
           <a:solidFill>
             <a:schemeClr val="tx1"/>
           </a:solidFill>
@@ -2750,7 +7535,7 @@
         </a:spcBef>
         <a:buFont typeface="Arial" panose="020B0604020202020204" pitchFamily="34" charset="0"/>
         <a:buChar char="•"/>
-        <a:defRPr sz="1800" kern="1200">
+        <a:defRPr sz="1600" kern="1200">
           <a:solidFill>
             <a:schemeClr val="tx1"/>
           </a:solidFill>
@@ -2768,7 +7553,7 @@
         </a:spcBef>
         <a:buFont typeface="Arial" panose="020B0604020202020204" pitchFamily="34" charset="0"/>
         <a:buChar char="•"/>
-        <a:defRPr sz="1800" kern="1200">
+        <a:defRPr sz="1600" kern="1200">
           <a:solidFill>
             <a:schemeClr val="tx1"/>
           </a:solidFill>
@@ -2786,7 +7571,7 @@
         </a:spcBef>
         <a:buFont typeface="Arial" panose="020B0604020202020204" pitchFamily="34" charset="0"/>
         <a:buChar char="•"/>
-        <a:defRPr sz="1800" kern="1200">
+        <a:defRPr sz="1400" kern="1200">
           <a:solidFill>
             <a:schemeClr val="tx1"/>
           </a:solidFill>
@@ -2804,7 +7589,7 @@
         </a:spcBef>
         <a:buFont typeface="Arial" panose="020B0604020202020204" pitchFamily="34" charset="0"/>
         <a:buChar char="•"/>
-        <a:defRPr sz="1800" kern="1200">
+        <a:defRPr sz="1400" kern="1200">
           <a:solidFill>
             <a:schemeClr val="tx1"/>
           </a:solidFill>
@@ -2822,7 +7607,7 @@
         </a:spcBef>
         <a:buFont typeface="Arial" panose="020B0604020202020204" pitchFamily="34" charset="0"/>
         <a:buChar char="•"/>
-        <a:defRPr sz="1800" kern="1200">
+        <a:defRPr sz="1400" kern="1200">
           <a:solidFill>
             <a:schemeClr val="tx1"/>
           </a:solidFill>
@@ -2840,7 +7625,7 @@
         </a:spcBef>
         <a:buFont typeface="Arial" panose="020B0604020202020204" pitchFamily="34" charset="0"/>
         <a:buChar char="•"/>
-        <a:defRPr sz="1800" kern="1200">
+        <a:defRPr sz="1400" kern="1200">
           <a:solidFill>
             <a:schemeClr val="tx1"/>
           </a:solidFill>
@@ -2852,7 +7637,7 @@
     </p:bodyStyle>
     <p:otherStyle>
       <a:defPPr>
-        <a:defRPr lang="ru-RU"/>
+        <a:defRPr lang="en-US"/>
       </a:defPPr>
       <a:lvl1pPr marL="0" algn="l" defTabSz="914400" rtl="0" eaLnBrk="1" latinLnBrk="0" hangingPunct="1">
         <a:defRPr sz="1800" kern="1200">
@@ -2978,22 +7763,82 @@
         </p:nvSpPr>
         <p:spPr>
           <a:xfrm>
-            <a:off x="1227991" y="1547420"/>
-            <a:ext cx="9736015" cy="1610825"/>
+            <a:off x="-61546" y="2655277"/>
+            <a:ext cx="9047283" cy="1487707"/>
           </a:xfrm>
         </p:spPr>
         <p:txBody>
           <a:bodyPr>
-            <a:normAutofit fontScale="90000"/>
+            <a:normAutofit/>
           </a:bodyPr>
           <a:lstStyle/>
           <a:p>
             <a:r>
-              <a:rPr lang="ru-RU" dirty="0">
+              <a:rPr lang="ru-RU" sz="4800" dirty="0">
                 <a:latin typeface="+mn-lt"/>
               </a:rPr>
               <a:t>РАЗРАБОТКА ПРОГРАММНОГО МОДУЛЯ «Автомастерская»</a:t>
             </a:r>
+          </a:p>
+        </p:txBody>
+      </p:sp>
+      <p:sp>
+        <p:nvSpPr>
+          <p:cNvPr id="7" name="Подзаголовок 2">
+            <a:extLst>
+              <a:ext uri="{FF2B5EF4-FFF2-40B4-BE49-F238E27FC236}">
+                <a16:creationId xmlns:a16="http://schemas.microsoft.com/office/drawing/2014/main" id="{A597E61D-CB93-58E7-43F7-9CFDAC1DB444}"/>
+              </a:ext>
+            </a:extLst>
+          </p:cNvPr>
+          <p:cNvSpPr>
+            <a:spLocks noGrp="1"/>
+          </p:cNvSpPr>
+          <p:nvPr>
+            <p:ph type="subTitle" idx="1"/>
+          </p:nvPr>
+        </p:nvSpPr>
+        <p:spPr>
+          <a:xfrm>
+            <a:off x="7071409" y="5731717"/>
+            <a:ext cx="5120591" cy="1126283"/>
+          </a:xfrm>
+        </p:spPr>
+        <p:txBody>
+          <a:bodyPr>
+            <a:normAutofit fontScale="92500" lnSpcReduction="10000"/>
+          </a:bodyPr>
+          <a:lstStyle/>
+          <a:p>
+            <a:pPr algn="r"/>
+            <a:r>
+              <a:rPr lang="ru-RU" sz="2000" dirty="0"/>
+              <a:t>Выполнил: </a:t>
+            </a:r>
+            <a:r>
+              <a:rPr lang="ru-RU" sz="2000" dirty="0" smtClean="0"/>
+              <a:t>Бахаев Д.Е.</a:t>
+            </a:r>
+            <a:endParaRPr lang="ru-RU" sz="2000" dirty="0"/>
+          </a:p>
+          <a:p>
+            <a:pPr algn="r"/>
+            <a:r>
+              <a:rPr lang="ru-RU" sz="2000" dirty="0"/>
+              <a:t>группа 403</a:t>
+            </a:r>
+          </a:p>
+          <a:p>
+            <a:pPr algn="r"/>
+            <a:r>
+              <a:rPr lang="ru-RU" sz="2000" dirty="0"/>
+              <a:t>Руководитель: Парахатская А.М.</a:t>
+            </a:r>
+            <a:endParaRPr lang="ru-RU" sz="2800" dirty="0"/>
+          </a:p>
+          <a:p>
+            <a:pPr algn="r"/>
+            <a:endParaRPr lang="ru-RU" sz="2800" dirty="0"/>
           </a:p>
         </p:txBody>
       </p:sp>
@@ -3035,66 +7880,6 @@
       </p:sp>
       <p:sp>
         <p:nvSpPr>
-          <p:cNvPr id="7" name="Подзаголовок 2">
-            <a:extLst>
-              <a:ext uri="{FF2B5EF4-FFF2-40B4-BE49-F238E27FC236}">
-                <a16:creationId xmlns:a16="http://schemas.microsoft.com/office/drawing/2014/main" id="{A597E61D-CB93-58E7-43F7-9CFDAC1DB444}"/>
-              </a:ext>
-            </a:extLst>
-          </p:cNvPr>
-          <p:cNvSpPr>
-            <a:spLocks noGrp="1"/>
-          </p:cNvSpPr>
-          <p:nvPr>
-            <p:ph type="subTitle" idx="1"/>
-          </p:nvPr>
-        </p:nvSpPr>
-        <p:spPr>
-          <a:xfrm>
-            <a:off x="7071409" y="5731717"/>
-            <a:ext cx="5120591" cy="1126283"/>
-          </a:xfrm>
-        </p:spPr>
-        <p:txBody>
-          <a:bodyPr>
-            <a:normAutofit lnSpcReduction="10000"/>
-          </a:bodyPr>
-          <a:lstStyle/>
-          <a:p>
-            <a:pPr algn="r"/>
-            <a:r>
-              <a:rPr lang="ru-RU" sz="2000" dirty="0"/>
-              <a:t>Выполнил: </a:t>
-            </a:r>
-            <a:r>
-              <a:rPr lang="ru-RU" sz="2000" dirty="0" smtClean="0"/>
-              <a:t>Бахаев Д.Е.</a:t>
-            </a:r>
-            <a:endParaRPr lang="ru-RU" sz="2000" dirty="0"/>
-          </a:p>
-          <a:p>
-            <a:pPr algn="r"/>
-            <a:r>
-              <a:rPr lang="ru-RU" sz="2000" dirty="0"/>
-              <a:t>группа 403</a:t>
-            </a:r>
-          </a:p>
-          <a:p>
-            <a:pPr algn="r"/>
-            <a:r>
-              <a:rPr lang="ru-RU" sz="2000" dirty="0"/>
-              <a:t>Руководитель: Парахатская А.М.</a:t>
-            </a:r>
-            <a:endParaRPr lang="ru-RU" sz="2800" dirty="0"/>
-          </a:p>
-          <a:p>
-            <a:pPr algn="r"/>
-            <a:endParaRPr lang="ru-RU" sz="2800" dirty="0"/>
-          </a:p>
-        </p:txBody>
-      </p:sp>
-      <p:sp>
-        <p:nvSpPr>
           <p:cNvPr id="11" name="TextBox 10">
             <a:extLst>
               <a:ext uri="{FF2B5EF4-FFF2-40B4-BE49-F238E27FC236}">
@@ -3107,8 +7892,8 @@
         </p:nvSpPr>
         <p:spPr>
           <a:xfrm>
-            <a:off x="5305082" y="6508370"/>
-            <a:ext cx="1581834" cy="369332"/>
+            <a:off x="4774223" y="6488668"/>
+            <a:ext cx="2446801" cy="369332"/>
           </a:xfrm>
           <a:prstGeom prst="rect">
             <a:avLst/>
@@ -3139,16 +7924,12 @@
   <p:clrMapOvr>
     <a:masterClrMapping/>
   </p:clrMapOvr>
-  <mc:AlternateContent xmlns:mc="http://schemas.openxmlformats.org/markup-compatibility/2006">
-    <mc:Choice xmlns:p15="http://schemas.microsoft.com/office/powerpoint/2012/main" Requires="p15">
-      <p:transition xmlns:p14="http://schemas.microsoft.com/office/powerpoint/2010/main" spd="slow" p14:dur="6000">
-        <p15:prstTrans prst="curtains"/>
-      </p:transition>
+  <mc:AlternateContent xmlns:mc="http://schemas.openxmlformats.org/markup-compatibility/2006" xmlns:p14="http://schemas.microsoft.com/office/powerpoint/2010/main">
+    <mc:Choice Requires="p14">
+      <p:transition p14:dur="0"/>
     </mc:Choice>
-    <mc:Fallback>
-      <p:transition spd="slow">
-        <p:fade/>
-      </p:transition>
+    <mc:Fallback xmlns="">
+      <p:transition/>
     </mc:Fallback>
   </mc:AlternateContent>
   <p:timing>
@@ -3190,13 +7971,20 @@
         </p:nvSpPr>
         <p:spPr/>
         <p:txBody>
-          <a:bodyPr/>
+          <a:bodyPr>
+            <a:normAutofit/>
+          </a:bodyPr>
           <a:lstStyle/>
           <a:p>
             <a:r>
               <a:rPr lang="ru-RU" dirty="0"/>
-              <a:t>Цель исследования: Разработать программный модуль «Автомастерская».</a:t>
-            </a:r>
+              <a:t>Цель исследования: Разработать программный модуль «Автомастерская</a:t>
+            </a:r>
+            <a:r>
+              <a:rPr lang="ru-RU" dirty="0" smtClean="0"/>
+              <a:t>»</a:t>
+            </a:r>
+            <a:endParaRPr lang="ru-RU" dirty="0"/>
           </a:p>
         </p:txBody>
       </p:sp>
@@ -3250,16 +8038,12 @@
   <p:clrMapOvr>
     <a:masterClrMapping/>
   </p:clrMapOvr>
-  <mc:AlternateContent xmlns:mc="http://schemas.openxmlformats.org/markup-compatibility/2006">
-    <mc:Choice xmlns:p15="http://schemas.microsoft.com/office/powerpoint/2012/main" Requires="p15">
-      <p:transition xmlns:p14="http://schemas.microsoft.com/office/powerpoint/2010/main" spd="slow" p14:dur="1250">
-        <p15:prstTrans prst="pageCurlDouble"/>
-      </p:transition>
+  <mc:AlternateContent xmlns:mc="http://schemas.openxmlformats.org/markup-compatibility/2006" xmlns:p14="http://schemas.microsoft.com/office/powerpoint/2010/main">
+    <mc:Choice Requires="p14">
+      <p:transition p14:dur="0"/>
     </mc:Choice>
-    <mc:Fallback>
-      <p:transition spd="slow">
-        <p:fade/>
-      </p:transition>
+    <mc:Fallback xmlns="">
+      <p:transition/>
     </mc:Fallback>
   </mc:AlternateContent>
   <p:timing>
@@ -3306,7 +8090,11 @@
           <a:p>
             <a:r>
               <a:rPr lang="ru-RU" dirty="0" smtClean="0"/>
-              <a:t>Средства разработки</a:t>
+              <a:t>Средства </a:t>
+            </a:r>
+            <a:r>
+              <a:rPr lang="ru-RU" dirty="0" smtClean="0"/>
+              <a:t>разработки и дополнительная библиотека</a:t>
             </a:r>
             <a:endParaRPr lang="ru-RU" dirty="0"/>
           </a:p>
@@ -3336,14 +8124,14 @@
         </p:blipFill>
         <p:spPr>
           <a:xfrm>
-            <a:off x="1759231" y="1595592"/>
+            <a:off x="123863" y="2104456"/>
             <a:ext cx="2111501" cy="1980120"/>
           </a:xfrm>
         </p:spPr>
       </p:pic>
       <p:pic>
         <p:nvPicPr>
-          <p:cNvPr id="5" name="Рисунок 4"/>
+          <p:cNvPr id="6" name="Рисунок 5"/>
           <p:cNvPicPr>
             <a:picLocks noChangeAspect="1"/>
           </p:cNvPicPr>
@@ -3363,8 +8151,8 @@
         </p:blipFill>
         <p:spPr>
           <a:xfrm>
-            <a:off x="7137502" y="1932458"/>
-            <a:ext cx="2317440" cy="1980121"/>
+            <a:off x="6013680" y="2148040"/>
+            <a:ext cx="2369368" cy="1980121"/>
           </a:xfrm>
           <a:prstGeom prst="rect">
             <a:avLst/>
@@ -3373,7 +8161,7 @@
       </p:pic>
       <p:pic>
         <p:nvPicPr>
-          <p:cNvPr id="6" name="Рисунок 5"/>
+          <p:cNvPr id="3" name="Рисунок 2"/>
           <p:cNvPicPr>
             <a:picLocks noChangeAspect="1"/>
           </p:cNvPicPr>
@@ -3393,14 +8181,208 @@
         </p:blipFill>
         <p:spPr>
           <a:xfrm>
-            <a:off x="4179050" y="4016233"/>
-            <a:ext cx="2369368" cy="1980121"/>
+            <a:off x="2893223" y="1834166"/>
+            <a:ext cx="2462598" cy="2462598"/>
           </a:xfrm>
           <a:prstGeom prst="rect">
             <a:avLst/>
           </a:prstGeom>
         </p:spPr>
       </p:pic>
+      <p:sp>
+        <p:nvSpPr>
+          <p:cNvPr id="7" name="Объект 2"/>
+          <p:cNvSpPr txBox="1">
+            <a:spLocks/>
+          </p:cNvSpPr>
+          <p:nvPr/>
+        </p:nvSpPr>
+        <p:spPr>
+          <a:xfrm>
+            <a:off x="194201" y="4642338"/>
+            <a:ext cx="3323493" cy="712177"/>
+          </a:xfrm>
+          <a:prstGeom prst="rect">
+            <a:avLst/>
+          </a:prstGeom>
+        </p:spPr>
+        <p:txBody>
+          <a:bodyPr vert="horz" lIns="91440" tIns="45720" rIns="91440" bIns="45720" rtlCol="0">
+            <a:normAutofit/>
+          </a:bodyPr>
+          <a:lstStyle>
+            <a:lvl1pPr marL="228600" indent="-228600" algn="l" defTabSz="914400" rtl="0" eaLnBrk="1" latinLnBrk="0" hangingPunct="1">
+              <a:lnSpc>
+                <a:spcPct val="90000"/>
+              </a:lnSpc>
+              <a:spcBef>
+                <a:spcPts val="1000"/>
+              </a:spcBef>
+              <a:buFont typeface="Arial" panose="020B0604020202020204" pitchFamily="34" charset="0"/>
+              <a:buChar char="•"/>
+              <a:defRPr sz="2800" kern="1200">
+                <a:solidFill>
+                  <a:schemeClr val="tx1"/>
+                </a:solidFill>
+                <a:latin typeface="+mn-lt"/>
+                <a:ea typeface="+mn-ea"/>
+                <a:cs typeface="+mn-cs"/>
+              </a:defRPr>
+            </a:lvl1pPr>
+            <a:lvl2pPr marL="685800" indent="-228600" algn="l" defTabSz="914400" rtl="0" eaLnBrk="1" latinLnBrk="0" hangingPunct="1">
+              <a:lnSpc>
+                <a:spcPct val="90000"/>
+              </a:lnSpc>
+              <a:spcBef>
+                <a:spcPts val="500"/>
+              </a:spcBef>
+              <a:buFont typeface="Arial" panose="020B0604020202020204" pitchFamily="34" charset="0"/>
+              <a:buChar char="•"/>
+              <a:defRPr sz="2400" kern="1200">
+                <a:solidFill>
+                  <a:schemeClr val="tx1"/>
+                </a:solidFill>
+                <a:latin typeface="+mn-lt"/>
+                <a:ea typeface="+mn-ea"/>
+                <a:cs typeface="+mn-cs"/>
+              </a:defRPr>
+            </a:lvl2pPr>
+            <a:lvl3pPr marL="1143000" indent="-228600" algn="l" defTabSz="914400" rtl="0" eaLnBrk="1" latinLnBrk="0" hangingPunct="1">
+              <a:lnSpc>
+                <a:spcPct val="90000"/>
+              </a:lnSpc>
+              <a:spcBef>
+                <a:spcPts val="500"/>
+              </a:spcBef>
+              <a:buFont typeface="Arial" panose="020B0604020202020204" pitchFamily="34" charset="0"/>
+              <a:buChar char="•"/>
+              <a:defRPr sz="2000" kern="1200">
+                <a:solidFill>
+                  <a:schemeClr val="tx1"/>
+                </a:solidFill>
+                <a:latin typeface="+mn-lt"/>
+                <a:ea typeface="+mn-ea"/>
+                <a:cs typeface="+mn-cs"/>
+              </a:defRPr>
+            </a:lvl3pPr>
+            <a:lvl4pPr marL="1600200" indent="-228600" algn="l" defTabSz="914400" rtl="0" eaLnBrk="1" latinLnBrk="0" hangingPunct="1">
+              <a:lnSpc>
+                <a:spcPct val="90000"/>
+              </a:lnSpc>
+              <a:spcBef>
+                <a:spcPts val="500"/>
+              </a:spcBef>
+              <a:buFont typeface="Arial" panose="020B0604020202020204" pitchFamily="34" charset="0"/>
+              <a:buChar char="•"/>
+              <a:defRPr sz="1800" kern="1200">
+                <a:solidFill>
+                  <a:schemeClr val="tx1"/>
+                </a:solidFill>
+                <a:latin typeface="+mn-lt"/>
+                <a:ea typeface="+mn-ea"/>
+                <a:cs typeface="+mn-cs"/>
+              </a:defRPr>
+            </a:lvl4pPr>
+            <a:lvl5pPr marL="2057400" indent="-228600" algn="l" defTabSz="914400" rtl="0" eaLnBrk="1" latinLnBrk="0" hangingPunct="1">
+              <a:lnSpc>
+                <a:spcPct val="90000"/>
+              </a:lnSpc>
+              <a:spcBef>
+                <a:spcPts val="500"/>
+              </a:spcBef>
+              <a:buFont typeface="Arial" panose="020B0604020202020204" pitchFamily="34" charset="0"/>
+              <a:buChar char="•"/>
+              <a:defRPr sz="1800" kern="1200">
+                <a:solidFill>
+                  <a:schemeClr val="tx1"/>
+                </a:solidFill>
+                <a:latin typeface="+mn-lt"/>
+                <a:ea typeface="+mn-ea"/>
+                <a:cs typeface="+mn-cs"/>
+              </a:defRPr>
+            </a:lvl5pPr>
+            <a:lvl6pPr marL="2514600" indent="-228600" algn="l" defTabSz="914400" rtl="0" eaLnBrk="1" latinLnBrk="0" hangingPunct="1">
+              <a:lnSpc>
+                <a:spcPct val="90000"/>
+              </a:lnSpc>
+              <a:spcBef>
+                <a:spcPts val="500"/>
+              </a:spcBef>
+              <a:buFont typeface="Arial" panose="020B0604020202020204" pitchFamily="34" charset="0"/>
+              <a:buChar char="•"/>
+              <a:defRPr sz="1800" kern="1200">
+                <a:solidFill>
+                  <a:schemeClr val="tx1"/>
+                </a:solidFill>
+                <a:latin typeface="+mn-lt"/>
+                <a:ea typeface="+mn-ea"/>
+                <a:cs typeface="+mn-cs"/>
+              </a:defRPr>
+            </a:lvl6pPr>
+            <a:lvl7pPr marL="2971800" indent="-228600" algn="l" defTabSz="914400" rtl="0" eaLnBrk="1" latinLnBrk="0" hangingPunct="1">
+              <a:lnSpc>
+                <a:spcPct val="90000"/>
+              </a:lnSpc>
+              <a:spcBef>
+                <a:spcPts val="500"/>
+              </a:spcBef>
+              <a:buFont typeface="Arial" panose="020B0604020202020204" pitchFamily="34" charset="0"/>
+              <a:buChar char="•"/>
+              <a:defRPr sz="1800" kern="1200">
+                <a:solidFill>
+                  <a:schemeClr val="tx1"/>
+                </a:solidFill>
+                <a:latin typeface="+mn-lt"/>
+                <a:ea typeface="+mn-ea"/>
+                <a:cs typeface="+mn-cs"/>
+              </a:defRPr>
+            </a:lvl7pPr>
+            <a:lvl8pPr marL="3429000" indent="-228600" algn="l" defTabSz="914400" rtl="0" eaLnBrk="1" latinLnBrk="0" hangingPunct="1">
+              <a:lnSpc>
+                <a:spcPct val="90000"/>
+              </a:lnSpc>
+              <a:spcBef>
+                <a:spcPts val="500"/>
+              </a:spcBef>
+              <a:buFont typeface="Arial" panose="020B0604020202020204" pitchFamily="34" charset="0"/>
+              <a:buChar char="•"/>
+              <a:defRPr sz="1800" kern="1200">
+                <a:solidFill>
+                  <a:schemeClr val="tx1"/>
+                </a:solidFill>
+                <a:latin typeface="+mn-lt"/>
+                <a:ea typeface="+mn-ea"/>
+                <a:cs typeface="+mn-cs"/>
+              </a:defRPr>
+            </a:lvl8pPr>
+            <a:lvl9pPr marL="3886200" indent="-228600" algn="l" defTabSz="914400" rtl="0" eaLnBrk="1" latinLnBrk="0" hangingPunct="1">
+              <a:lnSpc>
+                <a:spcPct val="90000"/>
+              </a:lnSpc>
+              <a:spcBef>
+                <a:spcPts val="500"/>
+              </a:spcBef>
+              <a:buFont typeface="Arial" panose="020B0604020202020204" pitchFamily="34" charset="0"/>
+              <a:buChar char="•"/>
+              <a:defRPr sz="1800" kern="1200">
+                <a:solidFill>
+                  <a:schemeClr val="tx1"/>
+                </a:solidFill>
+                <a:latin typeface="+mn-lt"/>
+                <a:ea typeface="+mn-ea"/>
+                <a:cs typeface="+mn-cs"/>
+              </a:defRPr>
+            </a:lvl9pPr>
+          </a:lstStyle>
+          <a:p>
+            <a:r>
+              <a:rPr lang="en-US" dirty="0" smtClean="0"/>
+              <a:t>using System.IO;</a:t>
+            </a:r>
+            <a:endParaRPr lang="ru-RU" dirty="0"/>
+          </a:p>
+        </p:txBody>
+      </p:sp>
     </p:spTree>
     <p:extLst>
       <p:ext uri="{BB962C8B-B14F-4D97-AF65-F5344CB8AC3E}">
@@ -3411,9 +8393,14 @@
   <p:clrMapOvr>
     <a:masterClrMapping/>
   </p:clrMapOvr>
-  <p:transition spd="med">
-    <p:pull/>
-  </p:transition>
+  <mc:AlternateContent xmlns:mc="http://schemas.openxmlformats.org/markup-compatibility/2006" xmlns:p14="http://schemas.microsoft.com/office/powerpoint/2010/main">
+    <mc:Choice Requires="p14">
+      <p:transition p14:dur="0"/>
+    </mc:Choice>
+    <mc:Fallback xmlns="">
+      <p:transition/>
+    </mc:Fallback>
+  </mc:AlternateContent>
   <p:timing>
     <p:tnLst>
       <p:par>
@@ -3424,10 +8411,136 @@
 </p:sld>
 </file>
 
+<file path=ppt/slides/slide4.xml><?xml version="1.0" encoding="utf-8"?>
+<p:sld xmlns:a="http://schemas.openxmlformats.org/drawingml/2006/main" xmlns:r="http://schemas.openxmlformats.org/officeDocument/2006/relationships" xmlns:p="http://schemas.openxmlformats.org/presentationml/2006/main">
+  <p:cSld>
+    <p:spTree>
+      <p:nvGrpSpPr>
+        <p:cNvPr id="1" name=""/>
+        <p:cNvGrpSpPr/>
+        <p:nvPr/>
+      </p:nvGrpSpPr>
+      <p:grpSpPr>
+        <a:xfrm>
+          <a:off x="0" y="0"/>
+          <a:ext cx="0" cy="0"/>
+          <a:chOff x="0" y="0"/>
+          <a:chExt cx="0" cy="0"/>
+        </a:xfrm>
+      </p:grpSpPr>
+      <p:sp>
+        <p:nvSpPr>
+          <p:cNvPr id="2" name="Заголовок 1"/>
+          <p:cNvSpPr>
+            <a:spLocks noGrp="1"/>
+          </p:cNvSpPr>
+          <p:nvPr>
+            <p:ph type="title"/>
+          </p:nvPr>
+        </p:nvSpPr>
+        <p:spPr/>
+        <p:txBody>
+          <a:bodyPr/>
+          <a:lstStyle/>
+          <a:p>
+            <a:r>
+              <a:rPr lang="ru-RU" dirty="0" smtClean="0"/>
+              <a:t>Заключение</a:t>
+            </a:r>
+            <a:endParaRPr lang="ru-RU" dirty="0"/>
+          </a:p>
+        </p:txBody>
+      </p:sp>
+      <p:sp>
+        <p:nvSpPr>
+          <p:cNvPr id="3" name="Объект 2"/>
+          <p:cNvSpPr>
+            <a:spLocks noGrp="1"/>
+          </p:cNvSpPr>
+          <p:nvPr>
+            <p:ph idx="1"/>
+          </p:nvPr>
+        </p:nvSpPr>
+        <p:spPr>
+          <a:xfrm>
+            <a:off x="680321" y="2022230"/>
+            <a:ext cx="10673479" cy="4378569"/>
+          </a:xfrm>
+        </p:spPr>
+        <p:txBody>
+          <a:bodyPr>
+            <a:normAutofit fontScale="92500" lnSpcReduction="10000"/>
+          </a:bodyPr>
+          <a:lstStyle/>
+          <a:p>
+            <a:pPr marL="0" indent="0">
+              <a:buNone/>
+            </a:pPr>
+            <a:r>
+              <a:rPr lang="ru-RU" dirty="0" smtClean="0"/>
+              <a:t>При </a:t>
+            </a:r>
+            <a:r>
+              <a:rPr lang="ru-RU" dirty="0"/>
+              <a:t>выполнении курсового проекта были пройдены все этапы разработки специализированного прикладного программного обеспечения:</a:t>
+            </a:r>
+          </a:p>
+          <a:p>
+            <a:r>
+              <a:rPr lang="ru-RU" dirty="0" smtClean="0"/>
+              <a:t>- </a:t>
+            </a:r>
+            <a:r>
+              <a:rPr lang="ru-RU" dirty="0"/>
+              <a:t>формализация задачи;</a:t>
+            </a:r>
+          </a:p>
+          <a:p>
+            <a:r>
+              <a:rPr lang="ru-RU" dirty="0"/>
+              <a:t>- сбор необходимых исходных данных;</a:t>
+            </a:r>
+          </a:p>
+          <a:p>
+            <a:r>
+              <a:rPr lang="ru-RU" dirty="0"/>
+              <a:t>- разработка и отладка программного продукта.</a:t>
+            </a:r>
+          </a:p>
+          <a:p>
+            <a:r>
+              <a:rPr lang="ru-RU" dirty="0"/>
+              <a:t>Разработана программа «Автомастерская», которая позволяет автоматизировать работу пользователя и облегчить доступ к информации и ее обработку. Приложение обеспечивает лёгкую и быструю работу с базой данных.</a:t>
+            </a:r>
+          </a:p>
+          <a:p>
+            <a:r>
+              <a:rPr lang="ru-RU" dirty="0"/>
+              <a:t>Кроме того, был спроектирован интерфейс, который обеспечивает удобную работу пользователя с приложением. Интерфейс реализован в виде консольного окна, в котором перечислены пункты, при помощи которых можно взаимодействовать с БД автомастерской.</a:t>
+            </a:r>
+          </a:p>
+          <a:p>
+            <a:endParaRPr lang="ru-RU" dirty="0"/>
+          </a:p>
+        </p:txBody>
+      </p:sp>
+    </p:spTree>
+    <p:extLst>
+      <p:ext uri="{BB962C8B-B14F-4D97-AF65-F5344CB8AC3E}">
+        <p14:creationId xmlns:p14="http://schemas.microsoft.com/office/powerpoint/2010/main" val="203030017"/>
+      </p:ext>
+    </p:extLst>
+  </p:cSld>
+  <p:clrMapOvr>
+    <a:masterClrMapping/>
+  </p:clrMapOvr>
+</p:sld>
+</file>
+
 <file path=ppt/theme/theme1.xml><?xml version="1.0" encoding="utf-8"?>
-<a:theme xmlns:a="http://schemas.openxmlformats.org/drawingml/2006/main" name="Тема Office">
+<a:theme xmlns:a="http://schemas.openxmlformats.org/drawingml/2006/main" name="Берлин">
   <a:themeElements>
-    <a:clrScheme name="Стандартная">
+    <a:clrScheme name="Берлин">
       <a:dk1>
         <a:sysClr val="windowText" lastClr="000000"/>
       </a:dk1>
@@ -3435,44 +8548,44 @@
         <a:sysClr val="window" lastClr="FFFFFF"/>
       </a:lt1>
       <a:dk2>
-        <a:srgbClr val="44546A"/>
+        <a:srgbClr val="9D360E"/>
       </a:dk2>
       <a:lt2>
         <a:srgbClr val="E7E6E6"/>
       </a:lt2>
       <a:accent1>
-        <a:srgbClr val="5B9BD5"/>
+        <a:srgbClr val="F09415"/>
       </a:accent1>
       <a:accent2>
-        <a:srgbClr val="ED7D31"/>
+        <a:srgbClr val="C1B56B"/>
       </a:accent2>
       <a:accent3>
-        <a:srgbClr val="A5A5A5"/>
+        <a:srgbClr val="4BAF73"/>
       </a:accent3>
       <a:accent4>
-        <a:srgbClr val="FFC000"/>
+        <a:srgbClr val="5AA6C0"/>
       </a:accent4>
       <a:accent5>
-        <a:srgbClr val="4472C4"/>
+        <a:srgbClr val="D17DF9"/>
       </a:accent5>
       <a:accent6>
-        <a:srgbClr val="70AD47"/>
+        <a:srgbClr val="FA7E5C"/>
       </a:accent6>
       <a:hlink>
-        <a:srgbClr val="0563C1"/>
+        <a:srgbClr val="FFAE3E"/>
       </a:hlink>
       <a:folHlink>
-        <a:srgbClr val="954F72"/>
+        <a:srgbClr val="FCC77E"/>
       </a:folHlink>
     </a:clrScheme>
-    <a:fontScheme name="Стандартная">
+    <a:fontScheme name="Берлин">
       <a:majorFont>
-        <a:latin typeface="Calibri Light" panose="020F0302020204030204"/>
+        <a:latin typeface="Trebuchet MS" panose="020B0603020202020204"/>
         <a:ea typeface=""/>
         <a:cs typeface=""/>
-        <a:font script="Jpan" typeface="游ゴシック Light"/>
+        <a:font script="Jpan" typeface="ＭＳ Ｐゴシック"/>
         <a:font script="Hang" typeface="맑은 고딕"/>
-        <a:font script="Hans" typeface="等线 Light"/>
+        <a:font script="Hans" typeface="宋体"/>
         <a:font script="Hant" typeface="新細明體"/>
         <a:font script="Arab" typeface="Times New Roman"/>
         <a:font script="Hebr" typeface="Times New Roman"/>
@@ -3502,12 +8615,12 @@
         <a:font script="Geor" typeface="Sylfaen"/>
       </a:majorFont>
       <a:minorFont>
-        <a:latin typeface="Calibri" panose="020F0502020204030204"/>
+        <a:latin typeface="Trebuchet MS" panose="020B0603020202020204"/>
         <a:ea typeface=""/>
         <a:cs typeface=""/>
-        <a:font script="Jpan" typeface="游ゴシック"/>
+        <a:font script="Jpan" typeface="ＭＳ Ｐゴシック"/>
         <a:font script="Hang" typeface="맑은 고딕"/>
-        <a:font script="Hans" typeface="等线"/>
+        <a:font script="Hans" typeface="宋体"/>
         <a:font script="Hant" typeface="新細明體"/>
         <a:font script="Arab" typeface="Arial"/>
         <a:font script="Hebr" typeface="Arial"/>
@@ -3537,7 +8650,7 @@
         <a:font script="Geor" typeface="Sylfaen"/>
       </a:minorFont>
     </a:fontScheme>
-    <a:fmtScheme name="Стандартная">
+    <a:fmtScheme name="Берлин">
       <a:fillStyleLst>
         <a:solidFill>
           <a:schemeClr val="phClr"/>
@@ -3546,23 +8659,16 @@
           <a:gsLst>
             <a:gs pos="0">
               <a:schemeClr val="phClr">
+                <a:tint val="60000"/>
+                <a:satMod val="100000"/>
                 <a:lumMod val="110000"/>
-                <a:satMod val="105000"/>
-                <a:tint val="67000"/>
-              </a:schemeClr>
-            </a:gs>
-            <a:gs pos="50000">
-              <a:schemeClr val="phClr">
-                <a:lumMod val="105000"/>
-                <a:satMod val="103000"/>
-                <a:tint val="73000"/>
               </a:schemeClr>
             </a:gs>
             <a:gs pos="100000">
               <a:schemeClr val="phClr">
-                <a:lumMod val="105000"/>
-                <a:satMod val="109000"/>
-                <a:tint val="81000"/>
+                <a:tint val="70000"/>
+                <a:satMod val="100000"/>
+                <a:lumMod val="100000"/>
               </a:schemeClr>
             </a:gs>
           </a:gsLst>
@@ -3572,23 +8678,23 @@
           <a:gsLst>
             <a:gs pos="0">
               <a:schemeClr val="phClr">
+                <a:tint val="94000"/>
                 <a:satMod val="103000"/>
                 <a:lumMod val="102000"/>
-                <a:tint val="94000"/>
               </a:schemeClr>
             </a:gs>
             <a:gs pos="50000">
               <a:schemeClr val="phClr">
+                <a:shade val="100000"/>
                 <a:satMod val="110000"/>
                 <a:lumMod val="100000"/>
-                <a:shade val="100000"/>
               </a:schemeClr>
             </a:gs>
             <a:gs pos="100000">
               <a:schemeClr val="phClr">
+                <a:shade val="78000"/>
+                <a:satMod val="120000"/>
                 <a:lumMod val="99000"/>
-                <a:satMod val="120000"/>
-                <a:shade val="78000"/>
               </a:schemeClr>
             </a:gs>
           </a:gsLst>
@@ -3596,26 +8702,23 @@
         </a:gradFill>
       </a:fillStyleLst>
       <a:lnStyleLst>
-        <a:ln w="6350" cap="flat" cmpd="sng" algn="ctr">
+        <a:ln w="9525" cap="flat" cmpd="sng" algn="ctr">
           <a:solidFill>
             <a:schemeClr val="phClr"/>
           </a:solidFill>
           <a:prstDash val="solid"/>
-          <a:miter lim="800000"/>
         </a:ln>
         <a:ln w="12700" cap="flat" cmpd="sng" algn="ctr">
           <a:solidFill>
             <a:schemeClr val="phClr"/>
           </a:solidFill>
           <a:prstDash val="solid"/>
-          <a:miter lim="800000"/>
         </a:ln>
         <a:ln w="19050" cap="flat" cmpd="sng" algn="ctr">
           <a:solidFill>
             <a:schemeClr val="phClr"/>
           </a:solidFill>
           <a:prstDash val="solid"/>
-          <a:miter lim="800000"/>
         </a:ln>
       </a:lnStyleLst>
       <a:effectStyleLst>
@@ -3649,28 +8752,31 @@
           <a:gsLst>
             <a:gs pos="0">
               <a:schemeClr val="phClr">
-                <a:tint val="93000"/>
-                <a:satMod val="150000"/>
-                <a:shade val="98000"/>
-                <a:lumMod val="102000"/>
+                <a:tint val="96000"/>
+                <a:shade val="100000"/>
+                <a:hueMod val="270000"/>
+                <a:satMod val="200000"/>
+                <a:lumMod val="128000"/>
               </a:schemeClr>
             </a:gs>
             <a:gs pos="50000">
               <a:schemeClr val="phClr">
-                <a:tint val="98000"/>
-                <a:satMod val="130000"/>
-                <a:shade val="90000"/>
-                <a:lumMod val="103000"/>
+                <a:shade val="100000"/>
+                <a:hueMod val="100000"/>
+                <a:satMod val="110000"/>
+                <a:lumMod val="130000"/>
               </a:schemeClr>
             </a:gs>
             <a:gs pos="100000">
               <a:schemeClr val="phClr">
-                <a:shade val="63000"/>
-                <a:satMod val="120000"/>
+                <a:shade val="78000"/>
+                <a:hueMod val="44000"/>
+                <a:satMod val="200000"/>
+                <a:lumMod val="69000"/>
               </a:schemeClr>
             </a:gs>
           </a:gsLst>
-          <a:lin ang="5400000" scaled="0"/>
+          <a:lin ang="2520000" scaled="0"/>
         </a:gradFill>
       </a:bgFillStyleLst>
     </a:fmtScheme>
@@ -3679,7 +8785,7 @@
   <a:extraClrSchemeLst/>
   <a:extLst>
     <a:ext uri="{05A4C25C-085E-4340-85A3-A5531E510DB2}">
-      <thm15:themeFamily xmlns:thm15="http://schemas.microsoft.com/office/thememl/2012/main" name="Office Theme" id="{62F939B6-93AF-4DB8-9C6B-D6C7DFDC589F}" vid="{4A3C46E8-61CC-4603-A589-7422A47A8E4A}"/>
+      <thm15:themeFamily xmlns:thm15="http://schemas.microsoft.com/office/thememl/2012/main" name="Berlin" id="{7B5DBA9E-B069-418E-9360-A61BDD0615A4}" vid="{C0CBE056-4EF4-4D92-969E-947779DA7AAA}"/>
     </a:ext>
   </a:extLst>
 </a:theme>

--- a/Автомастерская.pptx
+++ b/Автомастерская.pptx
@@ -7,8 +7,9 @@
   <p:sldIdLst>
     <p:sldId id="256" r:id="rId2"/>
     <p:sldId id="257" r:id="rId3"/>
-    <p:sldId id="258" r:id="rId4"/>
-    <p:sldId id="259" r:id="rId5"/>
+    <p:sldId id="260" r:id="rId4"/>
+    <p:sldId id="258" r:id="rId5"/>
+    <p:sldId id="259" r:id="rId6"/>
   </p:sldIdLst>
   <p:sldSz cx="12192000" cy="6858000"/>
   <p:notesSz cx="6858000" cy="9144000"/>
@@ -8090,11 +8091,110 @@
           <a:p>
             <a:r>
               <a:rPr lang="ru-RU" dirty="0" smtClean="0"/>
-              <a:t>Средства </a:t>
-            </a:r>
+              <a:t>Интерфейс приложения</a:t>
+            </a:r>
+            <a:endParaRPr lang="ru-RU" dirty="0"/>
+          </a:p>
+        </p:txBody>
+      </p:sp>
+      <p:pic>
+        <p:nvPicPr>
+          <p:cNvPr id="4" name="Объект 3"/>
+          <p:cNvPicPr>
+            <a:picLocks noGrp="1" noChangeAspect="1"/>
+          </p:cNvPicPr>
+          <p:nvPr>
+            <p:ph idx="1"/>
+          </p:nvPr>
+        </p:nvPicPr>
+        <p:blipFill>
+          <a:blip r:embed="rId2"/>
+          <a:stretch>
+            <a:fillRect/>
+          </a:stretch>
+        </p:blipFill>
+        <p:spPr>
+          <a:xfrm>
+            <a:off x="139106" y="2030180"/>
+            <a:ext cx="3277057" cy="2172003"/>
+          </a:xfrm>
+          <a:prstGeom prst="rect">
+            <a:avLst/>
+          </a:prstGeom>
+        </p:spPr>
+      </p:pic>
+      <p:pic>
+        <p:nvPicPr>
+          <p:cNvPr id="5" name="Рисунок 4"/>
+          <p:cNvPicPr>
+            <a:picLocks noChangeAspect="1"/>
+          </p:cNvPicPr>
+          <p:nvPr/>
+        </p:nvPicPr>
+        <p:blipFill>
+          <a:blip r:embed="rId3"/>
+          <a:stretch>
+            <a:fillRect/>
+          </a:stretch>
+        </p:blipFill>
+        <p:spPr>
+          <a:xfrm>
+            <a:off x="139106" y="4266312"/>
+            <a:ext cx="11612596" cy="2419688"/>
+          </a:xfrm>
+          <a:prstGeom prst="rect">
+            <a:avLst/>
+          </a:prstGeom>
+        </p:spPr>
+      </p:pic>
+    </p:spTree>
+    <p:extLst>
+      <p:ext uri="{BB962C8B-B14F-4D97-AF65-F5344CB8AC3E}">
+        <p14:creationId xmlns:p14="http://schemas.microsoft.com/office/powerpoint/2010/main" val="2425539612"/>
+      </p:ext>
+    </p:extLst>
+  </p:cSld>
+  <p:clrMapOvr>
+    <a:masterClrMapping/>
+  </p:clrMapOvr>
+</p:sld>
+</file>
+
+<file path=ppt/slides/slide4.xml><?xml version="1.0" encoding="utf-8"?>
+<p:sld xmlns:a="http://schemas.openxmlformats.org/drawingml/2006/main" xmlns:r="http://schemas.openxmlformats.org/officeDocument/2006/relationships" xmlns:p="http://schemas.openxmlformats.org/presentationml/2006/main">
+  <p:cSld>
+    <p:spTree>
+      <p:nvGrpSpPr>
+        <p:cNvPr id="1" name=""/>
+        <p:cNvGrpSpPr/>
+        <p:nvPr/>
+      </p:nvGrpSpPr>
+      <p:grpSpPr>
+        <a:xfrm>
+          <a:off x="0" y="0"/>
+          <a:ext cx="0" cy="0"/>
+          <a:chOff x="0" y="0"/>
+          <a:chExt cx="0" cy="0"/>
+        </a:xfrm>
+      </p:grpSpPr>
+      <p:sp>
+        <p:nvSpPr>
+          <p:cNvPr id="2" name="Заголовок 1"/>
+          <p:cNvSpPr>
+            <a:spLocks noGrp="1"/>
+          </p:cNvSpPr>
+          <p:nvPr>
+            <p:ph type="title"/>
+          </p:nvPr>
+        </p:nvSpPr>
+        <p:spPr/>
+        <p:txBody>
+          <a:bodyPr/>
+          <a:lstStyle/>
+          <a:p>
             <a:r>
               <a:rPr lang="ru-RU" dirty="0" smtClean="0"/>
-              <a:t>разработки и дополнительная библиотека</a:t>
+              <a:t>Средства разработки и дополнительная библиотека</a:t>
             </a:r>
             <a:endParaRPr lang="ru-RU" dirty="0"/>
           </a:p>
@@ -8411,7 +8511,7 @@
 </p:sld>
 </file>
 
-<file path=ppt/slides/slide4.xml><?xml version="1.0" encoding="utf-8"?>
+<file path=ppt/slides/slide5.xml><?xml version="1.0" encoding="utf-8"?>
 <p:sld xmlns:a="http://schemas.openxmlformats.org/drawingml/2006/main" xmlns:r="http://schemas.openxmlformats.org/officeDocument/2006/relationships" xmlns:p="http://schemas.openxmlformats.org/presentationml/2006/main">
   <p:cSld>
     <p:spTree>
